--- a/Wireframe.pptx
+++ b/Wireframe.pptx
@@ -2,7 +2,7 @@
 <file path=ppt/presentation.xml><?xml version="1.0" encoding="utf-8"?>
 <p:presentation xmlns:a="http://schemas.openxmlformats.org/drawingml/2006/main" xmlns:r="http://schemas.openxmlformats.org/officeDocument/2006/relationships" xmlns:p="http://schemas.openxmlformats.org/presentationml/2006/main" saveSubsetFonts="1">
   <p:sldMasterIdLst>
-    <p:sldMasterId id="2147483648" r:id="rId1"/>
+    <p:sldMasterId id="2147483660" r:id="rId1"/>
   </p:sldMasterIdLst>
   <p:sldIdLst>
     <p:sldId id="256" r:id="rId2"/>
@@ -14,7 +14,7 @@
     <a:defPPr>
       <a:defRPr lang="en-US"/>
     </a:defPPr>
-    <a:lvl1pPr marL="0" algn="l" defTabSz="914400" rtl="0" eaLnBrk="1" latinLnBrk="0" hangingPunct="1">
+    <a:lvl1pPr marL="0" algn="l" defTabSz="457200" rtl="0" eaLnBrk="1" latinLnBrk="0" hangingPunct="1">
       <a:defRPr sz="1800" kern="1200">
         <a:solidFill>
           <a:schemeClr val="tx1"/>
@@ -24,7 +24,7 @@
         <a:cs typeface="+mn-cs"/>
       </a:defRPr>
     </a:lvl1pPr>
-    <a:lvl2pPr marL="457200" algn="l" defTabSz="914400" rtl="0" eaLnBrk="1" latinLnBrk="0" hangingPunct="1">
+    <a:lvl2pPr marL="457200" algn="l" defTabSz="457200" rtl="0" eaLnBrk="1" latinLnBrk="0" hangingPunct="1">
       <a:defRPr sz="1800" kern="1200">
         <a:solidFill>
           <a:schemeClr val="tx1"/>
@@ -34,7 +34,7 @@
         <a:cs typeface="+mn-cs"/>
       </a:defRPr>
     </a:lvl2pPr>
-    <a:lvl3pPr marL="914400" algn="l" defTabSz="914400" rtl="0" eaLnBrk="1" latinLnBrk="0" hangingPunct="1">
+    <a:lvl3pPr marL="914400" algn="l" defTabSz="457200" rtl="0" eaLnBrk="1" latinLnBrk="0" hangingPunct="1">
       <a:defRPr sz="1800" kern="1200">
         <a:solidFill>
           <a:schemeClr val="tx1"/>
@@ -44,7 +44,7 @@
         <a:cs typeface="+mn-cs"/>
       </a:defRPr>
     </a:lvl3pPr>
-    <a:lvl4pPr marL="1371600" algn="l" defTabSz="914400" rtl="0" eaLnBrk="1" latinLnBrk="0" hangingPunct="1">
+    <a:lvl4pPr marL="1371600" algn="l" defTabSz="457200" rtl="0" eaLnBrk="1" latinLnBrk="0" hangingPunct="1">
       <a:defRPr sz="1800" kern="1200">
         <a:solidFill>
           <a:schemeClr val="tx1"/>
@@ -54,7 +54,7 @@
         <a:cs typeface="+mn-cs"/>
       </a:defRPr>
     </a:lvl4pPr>
-    <a:lvl5pPr marL="1828800" algn="l" defTabSz="914400" rtl="0" eaLnBrk="1" latinLnBrk="0" hangingPunct="1">
+    <a:lvl5pPr marL="1828800" algn="l" defTabSz="457200" rtl="0" eaLnBrk="1" latinLnBrk="0" hangingPunct="1">
       <a:defRPr sz="1800" kern="1200">
         <a:solidFill>
           <a:schemeClr val="tx1"/>
@@ -64,7 +64,7 @@
         <a:cs typeface="+mn-cs"/>
       </a:defRPr>
     </a:lvl5pPr>
-    <a:lvl6pPr marL="2286000" algn="l" defTabSz="914400" rtl="0" eaLnBrk="1" latinLnBrk="0" hangingPunct="1">
+    <a:lvl6pPr marL="2286000" algn="l" defTabSz="457200" rtl="0" eaLnBrk="1" latinLnBrk="0" hangingPunct="1">
       <a:defRPr sz="1800" kern="1200">
         <a:solidFill>
           <a:schemeClr val="tx1"/>
@@ -74,7 +74,7 @@
         <a:cs typeface="+mn-cs"/>
       </a:defRPr>
     </a:lvl6pPr>
-    <a:lvl7pPr marL="2743200" algn="l" defTabSz="914400" rtl="0" eaLnBrk="1" latinLnBrk="0" hangingPunct="1">
+    <a:lvl7pPr marL="2743200" algn="l" defTabSz="457200" rtl="0" eaLnBrk="1" latinLnBrk="0" hangingPunct="1">
       <a:defRPr sz="1800" kern="1200">
         <a:solidFill>
           <a:schemeClr val="tx1"/>
@@ -84,7 +84,7 @@
         <a:cs typeface="+mn-cs"/>
       </a:defRPr>
     </a:lvl7pPr>
-    <a:lvl8pPr marL="3200400" algn="l" defTabSz="914400" rtl="0" eaLnBrk="1" latinLnBrk="0" hangingPunct="1">
+    <a:lvl8pPr marL="3200400" algn="l" defTabSz="457200" rtl="0" eaLnBrk="1" latinLnBrk="0" hangingPunct="1">
       <a:defRPr sz="1800" kern="1200">
         <a:solidFill>
           <a:schemeClr val="tx1"/>
@@ -94,7 +94,7 @@
         <a:cs typeface="+mn-cs"/>
       </a:defRPr>
     </a:lvl8pPr>
-    <a:lvl9pPr marL="3657600" algn="l" defTabSz="914400" rtl="0" eaLnBrk="1" latinLnBrk="0" hangingPunct="1">
+    <a:lvl9pPr marL="3657600" algn="l" defTabSz="457200" rtl="0" eaLnBrk="1" latinLnBrk="0" hangingPunct="1">
       <a:defRPr sz="1800" kern="1200">
         <a:solidFill>
           <a:schemeClr val="tx1"/>
@@ -105,6 +105,11 @@
       </a:defRPr>
     </a:lvl9pPr>
   </p:defaultTextStyle>
+  <p:extLst>
+    <p:ext uri="{EFAFB233-063F-42B5-8137-9DF3F51BA10A}">
+      <p15:sldGuideLst xmlns:p15="http://schemas.microsoft.com/office/powerpoint/2012/main"/>
+    </p:ext>
+  </p:extLst>
 </p:presentation>
 </file>
 
@@ -127,13 +132,7 @@
       </p:grpSpPr>
       <p:sp>
         <p:nvSpPr>
-          <p:cNvPr id="2" name="Title 1">
-            <a:extLst>
-              <a:ext uri="{FF2B5EF4-FFF2-40B4-BE49-F238E27FC236}">
-                <a16:creationId xmlns:a16="http://schemas.microsoft.com/office/drawing/2014/main" id="{311D844A-B52B-4391-956E-5C0F260FC152}"/>
-              </a:ext>
-            </a:extLst>
-          </p:cNvPr>
+          <p:cNvPr id="2" name="Title 1"/>
           <p:cNvSpPr>
             <a:spLocks noGrp="1"/>
           </p:cNvSpPr>
@@ -143,15 +142,49 @@
         </p:nvSpPr>
         <p:spPr>
           <a:xfrm>
-            <a:off x="1524000" y="1122363"/>
-            <a:ext cx="9144000" cy="2387600"/>
-          </a:xfrm>
-        </p:spPr>
-        <p:txBody>
-          <a:bodyPr anchor="b"/>
+            <a:off x="2209800" y="4464028"/>
+            <a:ext cx="9144000" cy="1641490"/>
+          </a:xfrm>
+        </p:spPr>
+        <p:txBody>
+          <a:bodyPr wrap="none" anchor="t">
+            <a:normAutofit/>
+          </a:bodyPr>
           <a:lstStyle>
-            <a:lvl1pPr algn="ctr">
-              <a:defRPr sz="6000"/>
+            <a:lvl1pPr algn="r">
+              <a:defRPr sz="9600" b="0" spc="-300">
+                <a:gradFill flip="none" rotWithShape="1">
+                  <a:gsLst>
+                    <a:gs pos="32000">
+                      <a:schemeClr val="tx1">
+                        <a:lumMod val="89000"/>
+                      </a:schemeClr>
+                    </a:gs>
+                    <a:gs pos="0">
+                      <a:schemeClr val="bg1">
+                        <a:lumMod val="41000"/>
+                        <a:lumOff val="59000"/>
+                      </a:schemeClr>
+                    </a:gs>
+                    <a:gs pos="100000">
+                      <a:schemeClr val="tx2">
+                        <a:lumMod val="0"/>
+                        <a:lumOff val="100000"/>
+                      </a:schemeClr>
+                    </a:gs>
+                  </a:gsLst>
+                  <a:lin ang="8100000" scaled="1"/>
+                  <a:tileRect/>
+                </a:gradFill>
+                <a:effectLst>
+                  <a:outerShdw blurRad="469900" dist="342900" dir="5400000" sy="-20000" rotWithShape="0">
+                    <a:prstClr val="black">
+                      <a:alpha val="66000"/>
+                    </a:prstClr>
+                  </a:outerShdw>
+                </a:effectLst>
+                <a:latin typeface="+mj-lt"/>
+              </a:defRPr>
             </a:lvl1pPr>
           </a:lstStyle>
           <a:p>
@@ -159,19 +192,13 @@
               <a:rPr lang="en-US"/>
               <a:t>Click to edit Master title style</a:t>
             </a:r>
-            <a:endParaRPr lang="en-AU"/>
-          </a:p>
-        </p:txBody>
-      </p:sp>
-      <p:sp>
-        <p:nvSpPr>
-          <p:cNvPr id="3" name="Subtitle 2">
-            <a:extLst>
-              <a:ext uri="{FF2B5EF4-FFF2-40B4-BE49-F238E27FC236}">
-                <a16:creationId xmlns:a16="http://schemas.microsoft.com/office/drawing/2014/main" id="{F84CA9EC-8977-4BDD-AC91-8C440554DEF7}"/>
-              </a:ext>
-            </a:extLst>
-          </p:cNvPr>
+            <a:endParaRPr lang="en-US" dirty="0"/>
+          </a:p>
+        </p:txBody>
+      </p:sp>
+      <p:sp>
+        <p:nvSpPr>
+          <p:cNvPr id="3" name="Subtitle 2"/>
           <p:cNvSpPr>
             <a:spLocks noGrp="1"/>
           </p:cNvSpPr>
@@ -181,16 +208,47 @@
         </p:nvSpPr>
         <p:spPr>
           <a:xfrm>
-            <a:off x="1524000" y="3602038"/>
-            <a:ext cx="9144000" cy="1655762"/>
-          </a:xfrm>
-        </p:spPr>
-        <p:txBody>
-          <a:bodyPr/>
+            <a:off x="2209799" y="3694375"/>
+            <a:ext cx="9144000" cy="754025"/>
+          </a:xfrm>
+        </p:spPr>
+        <p:txBody>
+          <a:bodyPr anchor="b">
+            <a:normAutofit/>
+          </a:bodyPr>
           <a:lstStyle>
-            <a:lvl1pPr marL="0" indent="0" algn="ctr">
-              <a:buNone/>
-              <a:defRPr sz="2400"/>
+            <a:lvl1pPr marL="0" indent="0" algn="r">
+              <a:buNone/>
+              <a:defRPr sz="3200" b="0">
+                <a:gradFill flip="none" rotWithShape="1">
+                  <a:gsLst>
+                    <a:gs pos="15000">
+                      <a:schemeClr val="tx2"/>
+                    </a:gs>
+                    <a:gs pos="73000">
+                      <a:schemeClr val="tx2">
+                        <a:lumMod val="60000"/>
+                        <a:lumOff val="40000"/>
+                      </a:schemeClr>
+                    </a:gs>
+                    <a:gs pos="0">
+                      <a:schemeClr val="tx2">
+                        <a:lumMod val="90000"/>
+                        <a:lumOff val="10000"/>
+                      </a:schemeClr>
+                    </a:gs>
+                    <a:gs pos="100000">
+                      <a:schemeClr val="tx2">
+                        <a:lumMod val="0"/>
+                        <a:lumOff val="100000"/>
+                      </a:schemeClr>
+                    </a:gs>
+                  </a:gsLst>
+                  <a:lin ang="16200000" scaled="1"/>
+                  <a:tileRect/>
+                </a:gradFill>
+                <a:latin typeface="+mj-lt"/>
+              </a:defRPr>
             </a:lvl1pPr>
             <a:lvl2pPr marL="457200" indent="0" algn="ctr">
               <a:buNone/>
@@ -230,19 +288,13 @@
               <a:rPr lang="en-US"/>
               <a:t>Click to edit Master subtitle style</a:t>
             </a:r>
-            <a:endParaRPr lang="en-AU"/>
-          </a:p>
-        </p:txBody>
-      </p:sp>
-      <p:sp>
-        <p:nvSpPr>
-          <p:cNvPr id="4" name="Date Placeholder 3">
-            <a:extLst>
-              <a:ext uri="{FF2B5EF4-FFF2-40B4-BE49-F238E27FC236}">
-                <a16:creationId xmlns:a16="http://schemas.microsoft.com/office/drawing/2014/main" id="{D6407049-4C9B-4CF5-A64D-A71EBF87042C}"/>
-              </a:ext>
-            </a:extLst>
-          </p:cNvPr>
+            <a:endParaRPr lang="en-US" dirty="0"/>
+          </a:p>
+        </p:txBody>
+      </p:sp>
+      <p:sp>
+        <p:nvSpPr>
+          <p:cNvPr id="7" name="Date Placeholder 6"/>
           <p:cNvSpPr>
             <a:spLocks noGrp="1"/>
           </p:cNvSpPr>
@@ -257,7 +309,7 @@
           <a:p>
             <a:fld id="{15EEF4E6-CD4E-4E66-A637-5ABDF039D94B}" type="datetimeFigureOut">
               <a:rPr lang="en-AU" smtClean="0"/>
-              <a:t>26/03/2021</a:t>
+              <a:t>30/03/2021</a:t>
             </a:fld>
             <a:endParaRPr lang="en-AU"/>
           </a:p>
@@ -265,13 +317,7 @@
       </p:sp>
       <p:sp>
         <p:nvSpPr>
-          <p:cNvPr id="5" name="Footer Placeholder 4">
-            <a:extLst>
-              <a:ext uri="{FF2B5EF4-FFF2-40B4-BE49-F238E27FC236}">
-                <a16:creationId xmlns:a16="http://schemas.microsoft.com/office/drawing/2014/main" id="{FDFFECBF-EFCE-4E1E-ABAB-C997652C1793}"/>
-              </a:ext>
-            </a:extLst>
-          </p:cNvPr>
+          <p:cNvPr id="8" name="Footer Placeholder 7"/>
           <p:cNvSpPr>
             <a:spLocks noGrp="1"/>
           </p:cNvSpPr>
@@ -290,13 +336,7 @@
       </p:sp>
       <p:sp>
         <p:nvSpPr>
-          <p:cNvPr id="6" name="Slide Number Placeholder 5">
-            <a:extLst>
-              <a:ext uri="{FF2B5EF4-FFF2-40B4-BE49-F238E27FC236}">
-                <a16:creationId xmlns:a16="http://schemas.microsoft.com/office/drawing/2014/main" id="{68B96CEB-E3C0-4824-8628-583E8C59F81F}"/>
-              </a:ext>
-            </a:extLst>
-          </p:cNvPr>
+          <p:cNvPr id="9" name="Slide Number Placeholder 8"/>
           <p:cNvSpPr>
             <a:spLocks noGrp="1"/>
           </p:cNvSpPr>
@@ -320,7 +360,7 @@
     </p:spTree>
     <p:extLst>
       <p:ext uri="{BB962C8B-B14F-4D97-AF65-F5344CB8AC3E}">
-        <p14:creationId xmlns:p14="http://schemas.microsoft.com/office/powerpoint/2010/main" val="2261742217"/>
+        <p14:creationId xmlns:p14="http://schemas.microsoft.com/office/powerpoint/2010/main" val="160461716"/>
       </p:ext>
     </p:extLst>
   </p:cSld>
@@ -331,6 +371,2543 @@
 </file>
 
 <file path=ppt/slideLayouts/slideLayout10.xml><?xml version="1.0" encoding="utf-8"?>
+<p:sldLayout xmlns:a="http://schemas.openxmlformats.org/drawingml/2006/main" xmlns:r="http://schemas.openxmlformats.org/officeDocument/2006/relationships" xmlns:p="http://schemas.openxmlformats.org/presentationml/2006/main" preserve="1">
+  <p:cSld name="Panoramic Picture with Caption">
+    <p:spTree>
+      <p:nvGrpSpPr>
+        <p:cNvPr id="1" name=""/>
+        <p:cNvGrpSpPr/>
+        <p:nvPr/>
+      </p:nvGrpSpPr>
+      <p:grpSpPr>
+        <a:xfrm>
+          <a:off x="0" y="0"/>
+          <a:ext cx="0" cy="0"/>
+          <a:chOff x="0" y="0"/>
+          <a:chExt cx="0" cy="0"/>
+        </a:xfrm>
+      </p:grpSpPr>
+      <p:sp>
+        <p:nvSpPr>
+          <p:cNvPr id="2" name="Title 1"/>
+          <p:cNvSpPr>
+            <a:spLocks noGrp="1"/>
+          </p:cNvSpPr>
+          <p:nvPr>
+            <p:ph type="title"/>
+          </p:nvPr>
+        </p:nvSpPr>
+        <p:spPr>
+          <a:xfrm>
+            <a:off x="839788" y="4367160"/>
+            <a:ext cx="10515600" cy="819355"/>
+          </a:xfrm>
+        </p:spPr>
+        <p:txBody>
+          <a:bodyPr anchor="b"/>
+          <a:lstStyle>
+            <a:lvl1pPr>
+              <a:defRPr sz="3200"/>
+            </a:lvl1pPr>
+          </a:lstStyle>
+          <a:p>
+            <a:r>
+              <a:rPr lang="en-US"/>
+              <a:t>Click to edit Master title style</a:t>
+            </a:r>
+            <a:endParaRPr lang="en-US" dirty="0"/>
+          </a:p>
+        </p:txBody>
+      </p:sp>
+      <p:sp>
+        <p:nvSpPr>
+          <p:cNvPr id="3" name="Picture Placeholder 2"/>
+          <p:cNvSpPr>
+            <a:spLocks noGrp="1" noChangeAspect="1"/>
+          </p:cNvSpPr>
+          <p:nvPr>
+            <p:ph type="pic" idx="1"/>
+          </p:nvPr>
+        </p:nvSpPr>
+        <p:spPr>
+          <a:xfrm>
+            <a:off x="839788" y="987425"/>
+            <a:ext cx="10515600" cy="3379735"/>
+          </a:xfrm>
+        </p:spPr>
+        <p:txBody>
+          <a:bodyPr anchor="t"/>
+          <a:lstStyle>
+            <a:lvl1pPr marL="0" indent="0">
+              <a:buNone/>
+              <a:defRPr sz="3200"/>
+            </a:lvl1pPr>
+            <a:lvl2pPr marL="457200" indent="0">
+              <a:buNone/>
+              <a:defRPr sz="2800"/>
+            </a:lvl2pPr>
+            <a:lvl3pPr marL="914400" indent="0">
+              <a:buNone/>
+              <a:defRPr sz="2400"/>
+            </a:lvl3pPr>
+            <a:lvl4pPr marL="1371600" indent="0">
+              <a:buNone/>
+              <a:defRPr sz="2000"/>
+            </a:lvl4pPr>
+            <a:lvl5pPr marL="1828800" indent="0">
+              <a:buNone/>
+              <a:defRPr sz="2000"/>
+            </a:lvl5pPr>
+            <a:lvl6pPr marL="2286000" indent="0">
+              <a:buNone/>
+              <a:defRPr sz="2000"/>
+            </a:lvl6pPr>
+            <a:lvl7pPr marL="2743200" indent="0">
+              <a:buNone/>
+              <a:defRPr sz="2000"/>
+            </a:lvl7pPr>
+            <a:lvl8pPr marL="3200400" indent="0">
+              <a:buNone/>
+              <a:defRPr sz="2000"/>
+            </a:lvl8pPr>
+            <a:lvl9pPr marL="3657600" indent="0">
+              <a:buNone/>
+              <a:defRPr sz="2000"/>
+            </a:lvl9pPr>
+          </a:lstStyle>
+          <a:p>
+            <a:r>
+              <a:rPr lang="en-US"/>
+              <a:t>Click icon to add picture</a:t>
+            </a:r>
+            <a:endParaRPr lang="en-US" dirty="0"/>
+          </a:p>
+        </p:txBody>
+      </p:sp>
+      <p:sp>
+        <p:nvSpPr>
+          <p:cNvPr id="4" name="Text Placeholder 3"/>
+          <p:cNvSpPr>
+            <a:spLocks noGrp="1"/>
+          </p:cNvSpPr>
+          <p:nvPr>
+            <p:ph type="body" sz="half" idx="2"/>
+          </p:nvPr>
+        </p:nvSpPr>
+        <p:spPr>
+          <a:xfrm>
+            <a:off x="839788" y="5186516"/>
+            <a:ext cx="10514012" cy="682472"/>
+          </a:xfrm>
+        </p:spPr>
+        <p:txBody>
+          <a:bodyPr/>
+          <a:lstStyle>
+            <a:lvl1pPr marL="0" indent="0">
+              <a:buNone/>
+              <a:defRPr sz="1600">
+                <a:gradFill>
+                  <a:gsLst>
+                    <a:gs pos="15000">
+                      <a:schemeClr val="tx2"/>
+                    </a:gs>
+                    <a:gs pos="73000">
+                      <a:schemeClr val="tx2">
+                        <a:lumMod val="60000"/>
+                        <a:lumOff val="40000"/>
+                      </a:schemeClr>
+                    </a:gs>
+                    <a:gs pos="0">
+                      <a:schemeClr val="tx1"/>
+                    </a:gs>
+                    <a:gs pos="100000">
+                      <a:schemeClr val="tx2">
+                        <a:lumMod val="0"/>
+                        <a:lumOff val="100000"/>
+                      </a:schemeClr>
+                    </a:gs>
+                  </a:gsLst>
+                  <a:lin ang="16200000" scaled="1"/>
+                </a:gradFill>
+              </a:defRPr>
+            </a:lvl1pPr>
+            <a:lvl2pPr marL="457200" indent="0">
+              <a:buNone/>
+              <a:defRPr sz="1400"/>
+            </a:lvl2pPr>
+            <a:lvl3pPr marL="914400" indent="0">
+              <a:buNone/>
+              <a:defRPr sz="1200"/>
+            </a:lvl3pPr>
+            <a:lvl4pPr marL="1371600" indent="0">
+              <a:buNone/>
+              <a:defRPr sz="1000"/>
+            </a:lvl4pPr>
+            <a:lvl5pPr marL="1828800" indent="0">
+              <a:buNone/>
+              <a:defRPr sz="1000"/>
+            </a:lvl5pPr>
+            <a:lvl6pPr marL="2286000" indent="0">
+              <a:buNone/>
+              <a:defRPr sz="1000"/>
+            </a:lvl6pPr>
+            <a:lvl7pPr marL="2743200" indent="0">
+              <a:buNone/>
+              <a:defRPr sz="1000"/>
+            </a:lvl7pPr>
+            <a:lvl8pPr marL="3200400" indent="0">
+              <a:buNone/>
+              <a:defRPr sz="1000"/>
+            </a:lvl8pPr>
+            <a:lvl9pPr marL="3657600" indent="0">
+              <a:buNone/>
+              <a:defRPr sz="1000"/>
+            </a:lvl9pPr>
+          </a:lstStyle>
+          <a:p>
+            <a:pPr lvl="0"/>
+            <a:r>
+              <a:rPr lang="en-US"/>
+              <a:t>Edit Master text styles</a:t>
+            </a:r>
+          </a:p>
+        </p:txBody>
+      </p:sp>
+      <p:sp>
+        <p:nvSpPr>
+          <p:cNvPr id="5" name="Date Placeholder 4"/>
+          <p:cNvSpPr>
+            <a:spLocks noGrp="1"/>
+          </p:cNvSpPr>
+          <p:nvPr>
+            <p:ph type="dt" sz="half" idx="10"/>
+          </p:nvPr>
+        </p:nvSpPr>
+        <p:spPr/>
+        <p:txBody>
+          <a:bodyPr/>
+          <a:lstStyle/>
+          <a:p>
+            <a:fld id="{15EEF4E6-CD4E-4E66-A637-5ABDF039D94B}" type="datetimeFigureOut">
+              <a:rPr lang="en-AU" smtClean="0"/>
+              <a:t>30/03/2021</a:t>
+            </a:fld>
+            <a:endParaRPr lang="en-AU"/>
+          </a:p>
+        </p:txBody>
+      </p:sp>
+      <p:sp>
+        <p:nvSpPr>
+          <p:cNvPr id="6" name="Footer Placeholder 5"/>
+          <p:cNvSpPr>
+            <a:spLocks noGrp="1"/>
+          </p:cNvSpPr>
+          <p:nvPr>
+            <p:ph type="ftr" sz="quarter" idx="11"/>
+          </p:nvPr>
+        </p:nvSpPr>
+        <p:spPr/>
+        <p:txBody>
+          <a:bodyPr/>
+          <a:lstStyle/>
+          <a:p>
+            <a:endParaRPr lang="en-AU"/>
+          </a:p>
+        </p:txBody>
+      </p:sp>
+      <p:sp>
+        <p:nvSpPr>
+          <p:cNvPr id="7" name="Slide Number Placeholder 6"/>
+          <p:cNvSpPr>
+            <a:spLocks noGrp="1"/>
+          </p:cNvSpPr>
+          <p:nvPr>
+            <p:ph type="sldNum" sz="quarter" idx="12"/>
+          </p:nvPr>
+        </p:nvSpPr>
+        <p:spPr/>
+        <p:txBody>
+          <a:bodyPr/>
+          <a:lstStyle/>
+          <a:p>
+            <a:fld id="{8EF50EE5-4904-485C-B589-8302A7676FA3}" type="slidenum">
+              <a:rPr lang="en-AU" smtClean="0"/>
+              <a:t>‹#›</a:t>
+            </a:fld>
+            <a:endParaRPr lang="en-AU"/>
+          </a:p>
+        </p:txBody>
+      </p:sp>
+    </p:spTree>
+    <p:extLst>
+      <p:ext uri="{BB962C8B-B14F-4D97-AF65-F5344CB8AC3E}">
+        <p14:creationId xmlns:p14="http://schemas.microsoft.com/office/powerpoint/2010/main" val="1908098628"/>
+      </p:ext>
+    </p:extLst>
+  </p:cSld>
+  <p:clrMapOvr>
+    <a:masterClrMapping/>
+  </p:clrMapOvr>
+</p:sldLayout>
+</file>
+
+<file path=ppt/slideLayouts/slideLayout11.xml><?xml version="1.0" encoding="utf-8"?>
+<p:sldLayout xmlns:a="http://schemas.openxmlformats.org/drawingml/2006/main" xmlns:r="http://schemas.openxmlformats.org/officeDocument/2006/relationships" xmlns:p="http://schemas.openxmlformats.org/presentationml/2006/main" preserve="1">
+  <p:cSld name="Title and Caption">
+    <p:spTree>
+      <p:nvGrpSpPr>
+        <p:cNvPr id="1" name=""/>
+        <p:cNvGrpSpPr/>
+        <p:nvPr/>
+      </p:nvGrpSpPr>
+      <p:grpSpPr>
+        <a:xfrm>
+          <a:off x="0" y="0"/>
+          <a:ext cx="0" cy="0"/>
+          <a:chOff x="0" y="0"/>
+          <a:chExt cx="0" cy="0"/>
+        </a:xfrm>
+      </p:grpSpPr>
+      <p:sp>
+        <p:nvSpPr>
+          <p:cNvPr id="2" name="Title 1"/>
+          <p:cNvSpPr>
+            <a:spLocks noGrp="1"/>
+          </p:cNvSpPr>
+          <p:nvPr>
+            <p:ph type="title"/>
+          </p:nvPr>
+        </p:nvSpPr>
+        <p:spPr>
+          <a:xfrm>
+            <a:off x="839788" y="365125"/>
+            <a:ext cx="10515600" cy="3534344"/>
+          </a:xfrm>
+        </p:spPr>
+        <p:txBody>
+          <a:bodyPr anchor="ctr"/>
+          <a:lstStyle>
+            <a:lvl1pPr>
+              <a:defRPr sz="3200"/>
+            </a:lvl1pPr>
+          </a:lstStyle>
+          <a:p>
+            <a:r>
+              <a:rPr lang="en-US"/>
+              <a:t>Click to edit Master title style</a:t>
+            </a:r>
+            <a:endParaRPr lang="en-US" dirty="0"/>
+          </a:p>
+        </p:txBody>
+      </p:sp>
+      <p:sp>
+        <p:nvSpPr>
+          <p:cNvPr id="4" name="Text Placeholder 3"/>
+          <p:cNvSpPr>
+            <a:spLocks noGrp="1"/>
+          </p:cNvSpPr>
+          <p:nvPr>
+            <p:ph type="body" sz="half" idx="2"/>
+          </p:nvPr>
+        </p:nvSpPr>
+        <p:spPr>
+          <a:xfrm>
+            <a:off x="839788" y="4489399"/>
+            <a:ext cx="10514012" cy="1501826"/>
+          </a:xfrm>
+        </p:spPr>
+        <p:txBody>
+          <a:bodyPr anchor="ctr"/>
+          <a:lstStyle>
+            <a:lvl1pPr marL="0" indent="0">
+              <a:buNone/>
+              <a:defRPr sz="1600"/>
+            </a:lvl1pPr>
+            <a:lvl2pPr marL="457200" indent="0">
+              <a:buNone/>
+              <a:defRPr sz="1400"/>
+            </a:lvl2pPr>
+            <a:lvl3pPr marL="914400" indent="0">
+              <a:buNone/>
+              <a:defRPr sz="1200"/>
+            </a:lvl3pPr>
+            <a:lvl4pPr marL="1371600" indent="0">
+              <a:buNone/>
+              <a:defRPr sz="1000"/>
+            </a:lvl4pPr>
+            <a:lvl5pPr marL="1828800" indent="0">
+              <a:buNone/>
+              <a:defRPr sz="1000"/>
+            </a:lvl5pPr>
+            <a:lvl6pPr marL="2286000" indent="0">
+              <a:buNone/>
+              <a:defRPr sz="1000"/>
+            </a:lvl6pPr>
+            <a:lvl7pPr marL="2743200" indent="0">
+              <a:buNone/>
+              <a:defRPr sz="1000"/>
+            </a:lvl7pPr>
+            <a:lvl8pPr marL="3200400" indent="0">
+              <a:buNone/>
+              <a:defRPr sz="1000"/>
+            </a:lvl8pPr>
+            <a:lvl9pPr marL="3657600" indent="0">
+              <a:buNone/>
+              <a:defRPr sz="1000"/>
+            </a:lvl9pPr>
+          </a:lstStyle>
+          <a:p>
+            <a:pPr lvl="0"/>
+            <a:r>
+              <a:rPr lang="en-US"/>
+              <a:t>Edit Master text styles</a:t>
+            </a:r>
+          </a:p>
+        </p:txBody>
+      </p:sp>
+      <p:sp>
+        <p:nvSpPr>
+          <p:cNvPr id="5" name="Date Placeholder 4"/>
+          <p:cNvSpPr>
+            <a:spLocks noGrp="1"/>
+          </p:cNvSpPr>
+          <p:nvPr>
+            <p:ph type="dt" sz="half" idx="10"/>
+          </p:nvPr>
+        </p:nvSpPr>
+        <p:spPr/>
+        <p:txBody>
+          <a:bodyPr/>
+          <a:lstStyle/>
+          <a:p>
+            <a:fld id="{15EEF4E6-CD4E-4E66-A637-5ABDF039D94B}" type="datetimeFigureOut">
+              <a:rPr lang="en-AU" smtClean="0"/>
+              <a:t>30/03/2021</a:t>
+            </a:fld>
+            <a:endParaRPr lang="en-AU"/>
+          </a:p>
+        </p:txBody>
+      </p:sp>
+      <p:sp>
+        <p:nvSpPr>
+          <p:cNvPr id="6" name="Footer Placeholder 5"/>
+          <p:cNvSpPr>
+            <a:spLocks noGrp="1"/>
+          </p:cNvSpPr>
+          <p:nvPr>
+            <p:ph type="ftr" sz="quarter" idx="11"/>
+          </p:nvPr>
+        </p:nvSpPr>
+        <p:spPr/>
+        <p:txBody>
+          <a:bodyPr/>
+          <a:lstStyle/>
+          <a:p>
+            <a:endParaRPr lang="en-AU"/>
+          </a:p>
+        </p:txBody>
+      </p:sp>
+      <p:sp>
+        <p:nvSpPr>
+          <p:cNvPr id="7" name="Slide Number Placeholder 6"/>
+          <p:cNvSpPr>
+            <a:spLocks noGrp="1"/>
+          </p:cNvSpPr>
+          <p:nvPr>
+            <p:ph type="sldNum" sz="quarter" idx="12"/>
+          </p:nvPr>
+        </p:nvSpPr>
+        <p:spPr/>
+        <p:txBody>
+          <a:bodyPr/>
+          <a:lstStyle/>
+          <a:p>
+            <a:fld id="{8EF50EE5-4904-485C-B589-8302A7676FA3}" type="slidenum">
+              <a:rPr lang="en-AU" smtClean="0"/>
+              <a:t>‹#›</a:t>
+            </a:fld>
+            <a:endParaRPr lang="en-AU"/>
+          </a:p>
+        </p:txBody>
+      </p:sp>
+    </p:spTree>
+    <p:extLst>
+      <p:ext uri="{BB962C8B-B14F-4D97-AF65-F5344CB8AC3E}">
+        <p14:creationId xmlns:p14="http://schemas.microsoft.com/office/powerpoint/2010/main" val="274039040"/>
+      </p:ext>
+    </p:extLst>
+  </p:cSld>
+  <p:clrMapOvr>
+    <a:masterClrMapping/>
+  </p:clrMapOvr>
+</p:sldLayout>
+</file>
+
+<file path=ppt/slideLayouts/slideLayout12.xml><?xml version="1.0" encoding="utf-8"?>
+<p:sldLayout xmlns:a="http://schemas.openxmlformats.org/drawingml/2006/main" xmlns:r="http://schemas.openxmlformats.org/officeDocument/2006/relationships" xmlns:p="http://schemas.openxmlformats.org/presentationml/2006/main" preserve="1">
+  <p:cSld name="Quote with Caption">
+    <p:spTree>
+      <p:nvGrpSpPr>
+        <p:cNvPr id="1" name=""/>
+        <p:cNvGrpSpPr/>
+        <p:nvPr/>
+      </p:nvGrpSpPr>
+      <p:grpSpPr>
+        <a:xfrm>
+          <a:off x="0" y="0"/>
+          <a:ext cx="0" cy="0"/>
+          <a:chOff x="0" y="0"/>
+          <a:chExt cx="0" cy="0"/>
+        </a:xfrm>
+      </p:grpSpPr>
+      <p:sp>
+        <p:nvSpPr>
+          <p:cNvPr id="2" name="Title 1"/>
+          <p:cNvSpPr>
+            <a:spLocks noGrp="1"/>
+          </p:cNvSpPr>
+          <p:nvPr>
+            <p:ph type="title"/>
+          </p:nvPr>
+        </p:nvSpPr>
+        <p:spPr>
+          <a:xfrm>
+            <a:off x="1446212" y="365125"/>
+            <a:ext cx="9302752" cy="2992904"/>
+          </a:xfrm>
+        </p:spPr>
+        <p:txBody>
+          <a:bodyPr anchor="ctr"/>
+          <a:lstStyle>
+            <a:lvl1pPr>
+              <a:defRPr sz="4400"/>
+            </a:lvl1pPr>
+          </a:lstStyle>
+          <a:p>
+            <a:r>
+              <a:rPr lang="en-US"/>
+              <a:t>Click to edit Master title style</a:t>
+            </a:r>
+            <a:endParaRPr lang="en-US" dirty="0"/>
+          </a:p>
+        </p:txBody>
+      </p:sp>
+      <p:sp>
+        <p:nvSpPr>
+          <p:cNvPr id="12" name="Text Placeholder 3"/>
+          <p:cNvSpPr>
+            <a:spLocks noGrp="1"/>
+          </p:cNvSpPr>
+          <p:nvPr>
+            <p:ph type="body" sz="half" idx="13"/>
+          </p:nvPr>
+        </p:nvSpPr>
+        <p:spPr>
+          <a:xfrm>
+            <a:off x="1720644" y="3365557"/>
+            <a:ext cx="8752299" cy="548968"/>
+          </a:xfrm>
+        </p:spPr>
+        <p:txBody>
+          <a:bodyPr anchor="t">
+            <a:normAutofit/>
+          </a:bodyPr>
+          <a:lstStyle>
+            <a:lvl1pPr marL="0" indent="0">
+              <a:buNone/>
+              <a:defRPr sz="1400"/>
+            </a:lvl1pPr>
+            <a:lvl2pPr marL="457200" indent="0">
+              <a:buNone/>
+              <a:defRPr sz="1400"/>
+            </a:lvl2pPr>
+            <a:lvl3pPr marL="914400" indent="0">
+              <a:buNone/>
+              <a:defRPr sz="1200"/>
+            </a:lvl3pPr>
+            <a:lvl4pPr marL="1371600" indent="0">
+              <a:buNone/>
+              <a:defRPr sz="1000"/>
+            </a:lvl4pPr>
+            <a:lvl5pPr marL="1828800" indent="0">
+              <a:buNone/>
+              <a:defRPr sz="1000"/>
+            </a:lvl5pPr>
+            <a:lvl6pPr marL="2286000" indent="0">
+              <a:buNone/>
+              <a:defRPr sz="1000"/>
+            </a:lvl6pPr>
+            <a:lvl7pPr marL="2743200" indent="0">
+              <a:buNone/>
+              <a:defRPr sz="1000"/>
+            </a:lvl7pPr>
+            <a:lvl8pPr marL="3200400" indent="0">
+              <a:buNone/>
+              <a:defRPr sz="1000"/>
+            </a:lvl8pPr>
+            <a:lvl9pPr marL="3657600" indent="0">
+              <a:buNone/>
+              <a:defRPr sz="1000"/>
+            </a:lvl9pPr>
+          </a:lstStyle>
+          <a:p>
+            <a:pPr lvl="0"/>
+            <a:r>
+              <a:rPr lang="en-US"/>
+              <a:t>Edit Master text styles</a:t>
+            </a:r>
+          </a:p>
+        </p:txBody>
+      </p:sp>
+      <p:sp>
+        <p:nvSpPr>
+          <p:cNvPr id="4" name="Text Placeholder 3"/>
+          <p:cNvSpPr>
+            <a:spLocks noGrp="1"/>
+          </p:cNvSpPr>
+          <p:nvPr>
+            <p:ph type="body" sz="half" idx="2"/>
+          </p:nvPr>
+        </p:nvSpPr>
+        <p:spPr>
+          <a:xfrm>
+            <a:off x="838200" y="4501729"/>
+            <a:ext cx="10512424" cy="1489496"/>
+          </a:xfrm>
+        </p:spPr>
+        <p:txBody>
+          <a:bodyPr anchor="ctr">
+            <a:normAutofit/>
+          </a:bodyPr>
+          <a:lstStyle>
+            <a:lvl1pPr marL="0" indent="0">
+              <a:buNone/>
+              <a:defRPr sz="1600"/>
+            </a:lvl1pPr>
+            <a:lvl2pPr marL="457200" indent="0">
+              <a:buNone/>
+              <a:defRPr sz="1400"/>
+            </a:lvl2pPr>
+            <a:lvl3pPr marL="914400" indent="0">
+              <a:buNone/>
+              <a:defRPr sz="1200"/>
+            </a:lvl3pPr>
+            <a:lvl4pPr marL="1371600" indent="0">
+              <a:buNone/>
+              <a:defRPr sz="1000"/>
+            </a:lvl4pPr>
+            <a:lvl5pPr marL="1828800" indent="0">
+              <a:buNone/>
+              <a:defRPr sz="1000"/>
+            </a:lvl5pPr>
+            <a:lvl6pPr marL="2286000" indent="0">
+              <a:buNone/>
+              <a:defRPr sz="1000"/>
+            </a:lvl6pPr>
+            <a:lvl7pPr marL="2743200" indent="0">
+              <a:buNone/>
+              <a:defRPr sz="1000"/>
+            </a:lvl7pPr>
+            <a:lvl8pPr marL="3200400" indent="0">
+              <a:buNone/>
+              <a:defRPr sz="1000"/>
+            </a:lvl8pPr>
+            <a:lvl9pPr marL="3657600" indent="0">
+              <a:buNone/>
+              <a:defRPr sz="1000"/>
+            </a:lvl9pPr>
+          </a:lstStyle>
+          <a:p>
+            <a:pPr lvl="0"/>
+            <a:r>
+              <a:rPr lang="en-US"/>
+              <a:t>Edit Master text styles</a:t>
+            </a:r>
+          </a:p>
+        </p:txBody>
+      </p:sp>
+      <p:sp>
+        <p:nvSpPr>
+          <p:cNvPr id="5" name="Date Placeholder 4"/>
+          <p:cNvSpPr>
+            <a:spLocks noGrp="1"/>
+          </p:cNvSpPr>
+          <p:nvPr>
+            <p:ph type="dt" sz="half" idx="10"/>
+          </p:nvPr>
+        </p:nvSpPr>
+        <p:spPr/>
+        <p:txBody>
+          <a:bodyPr/>
+          <a:lstStyle/>
+          <a:p>
+            <a:fld id="{15EEF4E6-CD4E-4E66-A637-5ABDF039D94B}" type="datetimeFigureOut">
+              <a:rPr lang="en-AU" smtClean="0"/>
+              <a:t>30/03/2021</a:t>
+            </a:fld>
+            <a:endParaRPr lang="en-AU"/>
+          </a:p>
+        </p:txBody>
+      </p:sp>
+      <p:sp>
+        <p:nvSpPr>
+          <p:cNvPr id="6" name="Footer Placeholder 5"/>
+          <p:cNvSpPr>
+            <a:spLocks noGrp="1"/>
+          </p:cNvSpPr>
+          <p:nvPr>
+            <p:ph type="ftr" sz="quarter" idx="11"/>
+          </p:nvPr>
+        </p:nvSpPr>
+        <p:spPr/>
+        <p:txBody>
+          <a:bodyPr/>
+          <a:lstStyle/>
+          <a:p>
+            <a:endParaRPr lang="en-AU"/>
+          </a:p>
+        </p:txBody>
+      </p:sp>
+      <p:sp>
+        <p:nvSpPr>
+          <p:cNvPr id="7" name="Slide Number Placeholder 6"/>
+          <p:cNvSpPr>
+            <a:spLocks noGrp="1"/>
+          </p:cNvSpPr>
+          <p:nvPr>
+            <p:ph type="sldNum" sz="quarter" idx="12"/>
+          </p:nvPr>
+        </p:nvSpPr>
+        <p:spPr/>
+        <p:txBody>
+          <a:bodyPr/>
+          <a:lstStyle/>
+          <a:p>
+            <a:fld id="{8EF50EE5-4904-485C-B589-8302A7676FA3}" type="slidenum">
+              <a:rPr lang="en-AU" smtClean="0"/>
+              <a:t>‹#›</a:t>
+            </a:fld>
+            <a:endParaRPr lang="en-AU"/>
+          </a:p>
+        </p:txBody>
+      </p:sp>
+      <p:sp>
+        <p:nvSpPr>
+          <p:cNvPr id="9" name="TextBox 8"/>
+          <p:cNvSpPr txBox="1"/>
+          <p:nvPr/>
+        </p:nvSpPr>
+        <p:spPr>
+          <a:xfrm>
+            <a:off x="1111044" y="786824"/>
+            <a:ext cx="609600" cy="584776"/>
+          </a:xfrm>
+          <a:prstGeom prst="rect">
+            <a:avLst/>
+          </a:prstGeom>
+        </p:spPr>
+        <p:txBody>
+          <a:bodyPr vert="horz" lIns="91440" tIns="45720" rIns="91440" bIns="45720" rtlCol="0" anchor="ctr">
+            <a:noAutofit/>
+          </a:bodyPr>
+          <a:lstStyle>
+            <a:lvl1pPr>
+              <a:spcBef>
+                <a:spcPct val="0"/>
+              </a:spcBef>
+              <a:buNone/>
+              <a:defRPr sz="3200" b="0" cap="all">
+                <a:ln w="3175" cmpd="sng">
+                  <a:noFill/>
+                </a:ln>
+                <a:effectLst>
+                  <a:glow rad="38100">
+                    <a:schemeClr val="bg1">
+                      <a:lumMod val="65000"/>
+                      <a:lumOff val="35000"/>
+                      <a:alpha val="40000"/>
+                    </a:schemeClr>
+                  </a:glow>
+                  <a:outerShdw blurRad="28575" dist="38100" dir="14040000" algn="tl" rotWithShape="0">
+                    <a:srgbClr val="000000">
+                      <a:alpha val="25000"/>
+                    </a:srgbClr>
+                  </a:outerShdw>
+                </a:effectLst>
+              </a:defRPr>
+            </a:lvl1pPr>
+            <a:lvl2pPr>
+              <a:defRPr>
+                <a:solidFill>
+                  <a:schemeClr val="tx2"/>
+                </a:solidFill>
+              </a:defRPr>
+            </a:lvl2pPr>
+            <a:lvl3pPr>
+              <a:defRPr>
+                <a:solidFill>
+                  <a:schemeClr val="tx2"/>
+                </a:solidFill>
+              </a:defRPr>
+            </a:lvl3pPr>
+            <a:lvl4pPr>
+              <a:defRPr>
+                <a:solidFill>
+                  <a:schemeClr val="tx2"/>
+                </a:solidFill>
+              </a:defRPr>
+            </a:lvl4pPr>
+            <a:lvl5pPr>
+              <a:defRPr>
+                <a:solidFill>
+                  <a:schemeClr val="tx2"/>
+                </a:solidFill>
+              </a:defRPr>
+            </a:lvl5pPr>
+            <a:lvl6pPr>
+              <a:defRPr>
+                <a:solidFill>
+                  <a:schemeClr val="tx2"/>
+                </a:solidFill>
+              </a:defRPr>
+            </a:lvl6pPr>
+            <a:lvl7pPr>
+              <a:defRPr>
+                <a:solidFill>
+                  <a:schemeClr val="tx2"/>
+                </a:solidFill>
+              </a:defRPr>
+            </a:lvl7pPr>
+            <a:lvl8pPr>
+              <a:defRPr>
+                <a:solidFill>
+                  <a:schemeClr val="tx2"/>
+                </a:solidFill>
+              </a:defRPr>
+            </a:lvl8pPr>
+            <a:lvl9pPr>
+              <a:defRPr>
+                <a:solidFill>
+                  <a:schemeClr val="tx2"/>
+                </a:solidFill>
+              </a:defRPr>
+            </a:lvl9pPr>
+          </a:lstStyle>
+          <a:p>
+            <a:pPr lvl="0"/>
+            <a:r>
+              <a:rPr lang="en-US" sz="8000" dirty="0">
+                <a:solidFill>
+                  <a:schemeClr val="tx1"/>
+                </a:solidFill>
+                <a:effectLst/>
+              </a:rPr>
+              <a:t>“</a:t>
+            </a:r>
+          </a:p>
+        </p:txBody>
+      </p:sp>
+      <p:sp>
+        <p:nvSpPr>
+          <p:cNvPr id="10" name="TextBox 9"/>
+          <p:cNvSpPr txBox="1"/>
+          <p:nvPr/>
+        </p:nvSpPr>
+        <p:spPr>
+          <a:xfrm>
+            <a:off x="10437812" y="2743200"/>
+            <a:ext cx="609600" cy="584776"/>
+          </a:xfrm>
+          <a:prstGeom prst="rect">
+            <a:avLst/>
+          </a:prstGeom>
+        </p:spPr>
+        <p:txBody>
+          <a:bodyPr vert="horz" lIns="91440" tIns="45720" rIns="91440" bIns="45720" rtlCol="0" anchor="ctr">
+            <a:noAutofit/>
+          </a:bodyPr>
+          <a:lstStyle>
+            <a:lvl1pPr>
+              <a:spcBef>
+                <a:spcPct val="0"/>
+              </a:spcBef>
+              <a:buNone/>
+              <a:defRPr sz="3200" b="0" cap="all">
+                <a:ln w="3175" cmpd="sng">
+                  <a:noFill/>
+                </a:ln>
+                <a:effectLst>
+                  <a:glow rad="38100">
+                    <a:schemeClr val="bg1">
+                      <a:lumMod val="65000"/>
+                      <a:lumOff val="35000"/>
+                      <a:alpha val="40000"/>
+                    </a:schemeClr>
+                  </a:glow>
+                  <a:outerShdw blurRad="28575" dist="38100" dir="14040000" algn="tl" rotWithShape="0">
+                    <a:srgbClr val="000000">
+                      <a:alpha val="25000"/>
+                    </a:srgbClr>
+                  </a:outerShdw>
+                </a:effectLst>
+              </a:defRPr>
+            </a:lvl1pPr>
+            <a:lvl2pPr>
+              <a:defRPr>
+                <a:solidFill>
+                  <a:schemeClr val="tx2"/>
+                </a:solidFill>
+              </a:defRPr>
+            </a:lvl2pPr>
+            <a:lvl3pPr>
+              <a:defRPr>
+                <a:solidFill>
+                  <a:schemeClr val="tx2"/>
+                </a:solidFill>
+              </a:defRPr>
+            </a:lvl3pPr>
+            <a:lvl4pPr>
+              <a:defRPr>
+                <a:solidFill>
+                  <a:schemeClr val="tx2"/>
+                </a:solidFill>
+              </a:defRPr>
+            </a:lvl4pPr>
+            <a:lvl5pPr>
+              <a:defRPr>
+                <a:solidFill>
+                  <a:schemeClr val="tx2"/>
+                </a:solidFill>
+              </a:defRPr>
+            </a:lvl5pPr>
+            <a:lvl6pPr>
+              <a:defRPr>
+                <a:solidFill>
+                  <a:schemeClr val="tx2"/>
+                </a:solidFill>
+              </a:defRPr>
+            </a:lvl6pPr>
+            <a:lvl7pPr>
+              <a:defRPr>
+                <a:solidFill>
+                  <a:schemeClr val="tx2"/>
+                </a:solidFill>
+              </a:defRPr>
+            </a:lvl7pPr>
+            <a:lvl8pPr>
+              <a:defRPr>
+                <a:solidFill>
+                  <a:schemeClr val="tx2"/>
+                </a:solidFill>
+              </a:defRPr>
+            </a:lvl8pPr>
+            <a:lvl9pPr>
+              <a:defRPr>
+                <a:solidFill>
+                  <a:schemeClr val="tx2"/>
+                </a:solidFill>
+              </a:defRPr>
+            </a:lvl9pPr>
+          </a:lstStyle>
+          <a:p>
+            <a:pPr lvl="0" algn="r"/>
+            <a:r>
+              <a:rPr lang="en-US" sz="8000" dirty="0">
+                <a:solidFill>
+                  <a:schemeClr val="tx1"/>
+                </a:solidFill>
+                <a:effectLst/>
+              </a:rPr>
+              <a:t>”</a:t>
+            </a:r>
+          </a:p>
+        </p:txBody>
+      </p:sp>
+    </p:spTree>
+    <p:extLst>
+      <p:ext uri="{BB962C8B-B14F-4D97-AF65-F5344CB8AC3E}">
+        <p14:creationId xmlns:p14="http://schemas.microsoft.com/office/powerpoint/2010/main" val="3834718346"/>
+      </p:ext>
+    </p:extLst>
+  </p:cSld>
+  <p:clrMapOvr>
+    <a:masterClrMapping/>
+  </p:clrMapOvr>
+</p:sldLayout>
+</file>
+
+<file path=ppt/slideLayouts/slideLayout13.xml><?xml version="1.0" encoding="utf-8"?>
+<p:sldLayout xmlns:a="http://schemas.openxmlformats.org/drawingml/2006/main" xmlns:r="http://schemas.openxmlformats.org/officeDocument/2006/relationships" xmlns:p="http://schemas.openxmlformats.org/presentationml/2006/main" preserve="1">
+  <p:cSld name="Name Card">
+    <p:spTree>
+      <p:nvGrpSpPr>
+        <p:cNvPr id="1" name=""/>
+        <p:cNvGrpSpPr/>
+        <p:nvPr/>
+      </p:nvGrpSpPr>
+      <p:grpSpPr>
+        <a:xfrm>
+          <a:off x="0" y="0"/>
+          <a:ext cx="0" cy="0"/>
+          <a:chOff x="0" y="0"/>
+          <a:chExt cx="0" cy="0"/>
+        </a:xfrm>
+      </p:grpSpPr>
+      <p:sp>
+        <p:nvSpPr>
+          <p:cNvPr id="2" name="Title 1"/>
+          <p:cNvSpPr>
+            <a:spLocks noGrp="1"/>
+          </p:cNvSpPr>
+          <p:nvPr>
+            <p:ph type="title"/>
+          </p:nvPr>
+        </p:nvSpPr>
+        <p:spPr>
+          <a:xfrm>
+            <a:off x="839788" y="2326967"/>
+            <a:ext cx="10515600" cy="2511835"/>
+          </a:xfrm>
+        </p:spPr>
+        <p:txBody>
+          <a:bodyPr anchor="b">
+            <a:normAutofit/>
+          </a:bodyPr>
+          <a:lstStyle>
+            <a:lvl1pPr>
+              <a:defRPr sz="5400"/>
+            </a:lvl1pPr>
+          </a:lstStyle>
+          <a:p>
+            <a:r>
+              <a:rPr lang="en-US"/>
+              <a:t>Click to edit Master title style</a:t>
+            </a:r>
+            <a:endParaRPr lang="en-US" dirty="0"/>
+          </a:p>
+        </p:txBody>
+      </p:sp>
+      <p:sp>
+        <p:nvSpPr>
+          <p:cNvPr id="4" name="Text Placeholder 3"/>
+          <p:cNvSpPr>
+            <a:spLocks noGrp="1"/>
+          </p:cNvSpPr>
+          <p:nvPr>
+            <p:ph type="body" sz="half" idx="2"/>
+          </p:nvPr>
+        </p:nvSpPr>
+        <p:spPr>
+          <a:xfrm>
+            <a:off x="839788" y="4850581"/>
+            <a:ext cx="10514012" cy="1140644"/>
+          </a:xfrm>
+        </p:spPr>
+        <p:txBody>
+          <a:bodyPr anchor="t"/>
+          <a:lstStyle>
+            <a:lvl1pPr marL="0" indent="0">
+              <a:buNone/>
+              <a:defRPr sz="1600"/>
+            </a:lvl1pPr>
+            <a:lvl2pPr marL="457200" indent="0">
+              <a:buNone/>
+              <a:defRPr sz="1400"/>
+            </a:lvl2pPr>
+            <a:lvl3pPr marL="914400" indent="0">
+              <a:buNone/>
+              <a:defRPr sz="1200"/>
+            </a:lvl3pPr>
+            <a:lvl4pPr marL="1371600" indent="0">
+              <a:buNone/>
+              <a:defRPr sz="1000"/>
+            </a:lvl4pPr>
+            <a:lvl5pPr marL="1828800" indent="0">
+              <a:buNone/>
+              <a:defRPr sz="1000"/>
+            </a:lvl5pPr>
+            <a:lvl6pPr marL="2286000" indent="0">
+              <a:buNone/>
+              <a:defRPr sz="1000"/>
+            </a:lvl6pPr>
+            <a:lvl7pPr marL="2743200" indent="0">
+              <a:buNone/>
+              <a:defRPr sz="1000"/>
+            </a:lvl7pPr>
+            <a:lvl8pPr marL="3200400" indent="0">
+              <a:buNone/>
+              <a:defRPr sz="1000"/>
+            </a:lvl8pPr>
+            <a:lvl9pPr marL="3657600" indent="0">
+              <a:buNone/>
+              <a:defRPr sz="1000"/>
+            </a:lvl9pPr>
+          </a:lstStyle>
+          <a:p>
+            <a:pPr lvl="0"/>
+            <a:r>
+              <a:rPr lang="en-US"/>
+              <a:t>Edit Master text styles</a:t>
+            </a:r>
+          </a:p>
+        </p:txBody>
+      </p:sp>
+      <p:sp>
+        <p:nvSpPr>
+          <p:cNvPr id="5" name="Date Placeholder 4"/>
+          <p:cNvSpPr>
+            <a:spLocks noGrp="1"/>
+          </p:cNvSpPr>
+          <p:nvPr>
+            <p:ph type="dt" sz="half" idx="10"/>
+          </p:nvPr>
+        </p:nvSpPr>
+        <p:spPr/>
+        <p:txBody>
+          <a:bodyPr/>
+          <a:lstStyle/>
+          <a:p>
+            <a:fld id="{15EEF4E6-CD4E-4E66-A637-5ABDF039D94B}" type="datetimeFigureOut">
+              <a:rPr lang="en-AU" smtClean="0"/>
+              <a:t>30/03/2021</a:t>
+            </a:fld>
+            <a:endParaRPr lang="en-AU"/>
+          </a:p>
+        </p:txBody>
+      </p:sp>
+      <p:sp>
+        <p:nvSpPr>
+          <p:cNvPr id="6" name="Footer Placeholder 5"/>
+          <p:cNvSpPr>
+            <a:spLocks noGrp="1"/>
+          </p:cNvSpPr>
+          <p:nvPr>
+            <p:ph type="ftr" sz="quarter" idx="11"/>
+          </p:nvPr>
+        </p:nvSpPr>
+        <p:spPr/>
+        <p:txBody>
+          <a:bodyPr/>
+          <a:lstStyle/>
+          <a:p>
+            <a:endParaRPr lang="en-AU"/>
+          </a:p>
+        </p:txBody>
+      </p:sp>
+      <p:sp>
+        <p:nvSpPr>
+          <p:cNvPr id="7" name="Slide Number Placeholder 6"/>
+          <p:cNvSpPr>
+            <a:spLocks noGrp="1"/>
+          </p:cNvSpPr>
+          <p:nvPr>
+            <p:ph type="sldNum" sz="quarter" idx="12"/>
+          </p:nvPr>
+        </p:nvSpPr>
+        <p:spPr/>
+        <p:txBody>
+          <a:bodyPr/>
+          <a:lstStyle/>
+          <a:p>
+            <a:fld id="{8EF50EE5-4904-485C-B589-8302A7676FA3}" type="slidenum">
+              <a:rPr lang="en-AU" smtClean="0"/>
+              <a:t>‹#›</a:t>
+            </a:fld>
+            <a:endParaRPr lang="en-AU"/>
+          </a:p>
+        </p:txBody>
+      </p:sp>
+    </p:spTree>
+    <p:extLst>
+      <p:ext uri="{BB962C8B-B14F-4D97-AF65-F5344CB8AC3E}">
+        <p14:creationId xmlns:p14="http://schemas.microsoft.com/office/powerpoint/2010/main" val="3819712856"/>
+      </p:ext>
+    </p:extLst>
+  </p:cSld>
+  <p:clrMapOvr>
+    <a:masterClrMapping/>
+  </p:clrMapOvr>
+</p:sldLayout>
+</file>
+
+<file path=ppt/slideLayouts/slideLayout14.xml><?xml version="1.0" encoding="utf-8"?>
+<p:sldLayout xmlns:a="http://schemas.openxmlformats.org/drawingml/2006/main" xmlns:r="http://schemas.openxmlformats.org/officeDocument/2006/relationships" xmlns:p="http://schemas.openxmlformats.org/presentationml/2006/main" preserve="1">
+  <p:cSld name="3 Column">
+    <p:spTree>
+      <p:nvGrpSpPr>
+        <p:cNvPr id="1" name=""/>
+        <p:cNvGrpSpPr/>
+        <p:nvPr/>
+      </p:nvGrpSpPr>
+      <p:grpSpPr>
+        <a:xfrm>
+          <a:off x="0" y="0"/>
+          <a:ext cx="0" cy="0"/>
+          <a:chOff x="0" y="0"/>
+          <a:chExt cx="0" cy="0"/>
+        </a:xfrm>
+      </p:grpSpPr>
+      <p:sp>
+        <p:nvSpPr>
+          <p:cNvPr id="15" name="Title 1"/>
+          <p:cNvSpPr>
+            <a:spLocks noGrp="1"/>
+          </p:cNvSpPr>
+          <p:nvPr>
+            <p:ph type="title"/>
+          </p:nvPr>
+        </p:nvSpPr>
+        <p:spPr>
+          <a:xfrm>
+            <a:off x="838200" y="365125"/>
+            <a:ext cx="10515600" cy="1325563"/>
+          </a:xfrm>
+        </p:spPr>
+        <p:txBody>
+          <a:bodyPr/>
+          <a:lstStyle/>
+          <a:p>
+            <a:r>
+              <a:rPr lang="en-US"/>
+              <a:t>Click to edit Master title style</a:t>
+            </a:r>
+            <a:endParaRPr lang="en-US" dirty="0"/>
+          </a:p>
+        </p:txBody>
+      </p:sp>
+      <p:sp>
+        <p:nvSpPr>
+          <p:cNvPr id="7" name="Text Placeholder 2"/>
+          <p:cNvSpPr>
+            <a:spLocks noGrp="1"/>
+          </p:cNvSpPr>
+          <p:nvPr>
+            <p:ph type="body" idx="1"/>
+          </p:nvPr>
+        </p:nvSpPr>
+        <p:spPr>
+          <a:xfrm>
+            <a:off x="1337282" y="1885950"/>
+            <a:ext cx="2946866" cy="576262"/>
+          </a:xfrm>
+        </p:spPr>
+        <p:txBody>
+          <a:bodyPr anchor="b">
+            <a:noAutofit/>
+          </a:bodyPr>
+          <a:lstStyle>
+            <a:lvl1pPr marL="0" indent="0">
+              <a:buNone/>
+              <a:defRPr sz="2400" b="0">
+                <a:gradFill>
+                  <a:gsLst>
+                    <a:gs pos="15000">
+                      <a:schemeClr val="tx2"/>
+                    </a:gs>
+                    <a:gs pos="73000">
+                      <a:schemeClr val="tx2">
+                        <a:lumMod val="60000"/>
+                        <a:lumOff val="40000"/>
+                      </a:schemeClr>
+                    </a:gs>
+                    <a:gs pos="0">
+                      <a:schemeClr val="tx2">
+                        <a:lumMod val="90000"/>
+                        <a:lumOff val="10000"/>
+                      </a:schemeClr>
+                    </a:gs>
+                    <a:gs pos="100000">
+                      <a:schemeClr val="tx2">
+                        <a:lumMod val="0"/>
+                        <a:lumOff val="100000"/>
+                      </a:schemeClr>
+                    </a:gs>
+                  </a:gsLst>
+                  <a:lin ang="16200000" scaled="1"/>
+                </a:gradFill>
+              </a:defRPr>
+            </a:lvl1pPr>
+            <a:lvl2pPr marL="457200" indent="0">
+              <a:buNone/>
+              <a:defRPr sz="2000" b="1"/>
+            </a:lvl2pPr>
+            <a:lvl3pPr marL="914400" indent="0">
+              <a:buNone/>
+              <a:defRPr sz="1800" b="1"/>
+            </a:lvl3pPr>
+            <a:lvl4pPr marL="1371600" indent="0">
+              <a:buNone/>
+              <a:defRPr sz="1600" b="1"/>
+            </a:lvl4pPr>
+            <a:lvl5pPr marL="1828800" indent="0">
+              <a:buNone/>
+              <a:defRPr sz="1600" b="1"/>
+            </a:lvl5pPr>
+            <a:lvl6pPr marL="2286000" indent="0">
+              <a:buNone/>
+              <a:defRPr sz="1600" b="1"/>
+            </a:lvl6pPr>
+            <a:lvl7pPr marL="2743200" indent="0">
+              <a:buNone/>
+              <a:defRPr sz="1600" b="1"/>
+            </a:lvl7pPr>
+            <a:lvl8pPr marL="3200400" indent="0">
+              <a:buNone/>
+              <a:defRPr sz="1600" b="1"/>
+            </a:lvl8pPr>
+            <a:lvl9pPr marL="3657600" indent="0">
+              <a:buNone/>
+              <a:defRPr sz="1600" b="1"/>
+            </a:lvl9pPr>
+          </a:lstStyle>
+          <a:p>
+            <a:pPr lvl="0"/>
+            <a:r>
+              <a:rPr lang="en-US"/>
+              <a:t>Edit Master text styles</a:t>
+            </a:r>
+          </a:p>
+        </p:txBody>
+      </p:sp>
+      <p:sp>
+        <p:nvSpPr>
+          <p:cNvPr id="8" name="Text Placeholder 3"/>
+          <p:cNvSpPr>
+            <a:spLocks noGrp="1"/>
+          </p:cNvSpPr>
+          <p:nvPr>
+            <p:ph type="body" sz="half" idx="15"/>
+          </p:nvPr>
+        </p:nvSpPr>
+        <p:spPr>
+          <a:xfrm>
+            <a:off x="1356798" y="2571750"/>
+            <a:ext cx="2927350" cy="3589338"/>
+          </a:xfrm>
+        </p:spPr>
+        <p:txBody>
+          <a:bodyPr anchor="t">
+            <a:normAutofit/>
+          </a:bodyPr>
+          <a:lstStyle>
+            <a:lvl1pPr marL="0" indent="0">
+              <a:buNone/>
+              <a:defRPr sz="1400"/>
+            </a:lvl1pPr>
+            <a:lvl2pPr marL="457200" indent="0">
+              <a:buNone/>
+              <a:defRPr sz="1200"/>
+            </a:lvl2pPr>
+            <a:lvl3pPr marL="914400" indent="0">
+              <a:buNone/>
+              <a:defRPr sz="1000"/>
+            </a:lvl3pPr>
+            <a:lvl4pPr marL="1371600" indent="0">
+              <a:buNone/>
+              <a:defRPr sz="900"/>
+            </a:lvl4pPr>
+            <a:lvl5pPr marL="1828800" indent="0">
+              <a:buNone/>
+              <a:defRPr sz="900"/>
+            </a:lvl5pPr>
+            <a:lvl6pPr marL="2286000" indent="0">
+              <a:buNone/>
+              <a:defRPr sz="900"/>
+            </a:lvl6pPr>
+            <a:lvl7pPr marL="2743200" indent="0">
+              <a:buNone/>
+              <a:defRPr sz="900"/>
+            </a:lvl7pPr>
+            <a:lvl8pPr marL="3200400" indent="0">
+              <a:buNone/>
+              <a:defRPr sz="900"/>
+            </a:lvl8pPr>
+            <a:lvl9pPr marL="3657600" indent="0">
+              <a:buNone/>
+              <a:defRPr sz="900"/>
+            </a:lvl9pPr>
+          </a:lstStyle>
+          <a:p>
+            <a:pPr lvl="0"/>
+            <a:r>
+              <a:rPr lang="en-US"/>
+              <a:t>Edit Master text styles</a:t>
+            </a:r>
+          </a:p>
+        </p:txBody>
+      </p:sp>
+      <p:sp>
+        <p:nvSpPr>
+          <p:cNvPr id="9" name="Text Placeholder 4"/>
+          <p:cNvSpPr>
+            <a:spLocks noGrp="1"/>
+          </p:cNvSpPr>
+          <p:nvPr>
+            <p:ph type="body" sz="quarter" idx="3"/>
+          </p:nvPr>
+        </p:nvSpPr>
+        <p:spPr>
+          <a:xfrm>
+            <a:off x="4587994" y="1885950"/>
+            <a:ext cx="2936241" cy="576262"/>
+          </a:xfrm>
+        </p:spPr>
+        <p:txBody>
+          <a:bodyPr vert="horz" lIns="91440" tIns="45720" rIns="91440" bIns="45720" rtlCol="0" anchor="b">
+            <a:noAutofit/>
+          </a:bodyPr>
+          <a:lstStyle>
+            <a:lvl1pPr>
+              <a:buNone/>
+              <a:defRPr lang="en-US" sz="2400" b="0">
+                <a:gradFill>
+                  <a:gsLst>
+                    <a:gs pos="15000">
+                      <a:schemeClr val="tx2"/>
+                    </a:gs>
+                    <a:gs pos="73000">
+                      <a:schemeClr val="tx2">
+                        <a:lumMod val="60000"/>
+                        <a:lumOff val="40000"/>
+                      </a:schemeClr>
+                    </a:gs>
+                    <a:gs pos="0">
+                      <a:schemeClr val="tx2">
+                        <a:lumMod val="90000"/>
+                        <a:lumOff val="10000"/>
+                      </a:schemeClr>
+                    </a:gs>
+                    <a:gs pos="100000">
+                      <a:schemeClr val="tx2">
+                        <a:lumMod val="0"/>
+                        <a:lumOff val="100000"/>
+                      </a:schemeClr>
+                    </a:gs>
+                  </a:gsLst>
+                  <a:lin ang="16200000" scaled="1"/>
+                </a:gradFill>
+              </a:defRPr>
+            </a:lvl1pPr>
+          </a:lstStyle>
+          <a:p>
+            <a:pPr marL="0" lvl="0" indent="0">
+              <a:buNone/>
+            </a:pPr>
+            <a:r>
+              <a:rPr lang="en-US"/>
+              <a:t>Edit Master text styles</a:t>
+            </a:r>
+          </a:p>
+        </p:txBody>
+      </p:sp>
+      <p:sp>
+        <p:nvSpPr>
+          <p:cNvPr id="10" name="Text Placeholder 3"/>
+          <p:cNvSpPr>
+            <a:spLocks noGrp="1"/>
+          </p:cNvSpPr>
+          <p:nvPr>
+            <p:ph type="body" sz="half" idx="16"/>
+          </p:nvPr>
+        </p:nvSpPr>
+        <p:spPr>
+          <a:xfrm>
+            <a:off x="4577441" y="2571750"/>
+            <a:ext cx="2946794" cy="3589338"/>
+          </a:xfrm>
+        </p:spPr>
+        <p:txBody>
+          <a:bodyPr anchor="t">
+            <a:normAutofit/>
+          </a:bodyPr>
+          <a:lstStyle>
+            <a:lvl1pPr marL="0" indent="0">
+              <a:buNone/>
+              <a:defRPr sz="1400"/>
+            </a:lvl1pPr>
+            <a:lvl2pPr marL="457200" indent="0">
+              <a:buNone/>
+              <a:defRPr sz="1200"/>
+            </a:lvl2pPr>
+            <a:lvl3pPr marL="914400" indent="0">
+              <a:buNone/>
+              <a:defRPr sz="1000"/>
+            </a:lvl3pPr>
+            <a:lvl4pPr marL="1371600" indent="0">
+              <a:buNone/>
+              <a:defRPr sz="900"/>
+            </a:lvl4pPr>
+            <a:lvl5pPr marL="1828800" indent="0">
+              <a:buNone/>
+              <a:defRPr sz="900"/>
+            </a:lvl5pPr>
+            <a:lvl6pPr marL="2286000" indent="0">
+              <a:buNone/>
+              <a:defRPr sz="900"/>
+            </a:lvl6pPr>
+            <a:lvl7pPr marL="2743200" indent="0">
+              <a:buNone/>
+              <a:defRPr sz="900"/>
+            </a:lvl7pPr>
+            <a:lvl8pPr marL="3200400" indent="0">
+              <a:buNone/>
+              <a:defRPr sz="900"/>
+            </a:lvl8pPr>
+            <a:lvl9pPr marL="3657600" indent="0">
+              <a:buNone/>
+              <a:defRPr sz="900"/>
+            </a:lvl9pPr>
+          </a:lstStyle>
+          <a:p>
+            <a:pPr lvl="0"/>
+            <a:r>
+              <a:rPr lang="en-US"/>
+              <a:t>Edit Master text styles</a:t>
+            </a:r>
+          </a:p>
+        </p:txBody>
+      </p:sp>
+      <p:sp>
+        <p:nvSpPr>
+          <p:cNvPr id="11" name="Text Placeholder 4"/>
+          <p:cNvSpPr>
+            <a:spLocks noGrp="1"/>
+          </p:cNvSpPr>
+          <p:nvPr>
+            <p:ph type="body" sz="quarter" idx="13"/>
+          </p:nvPr>
+        </p:nvSpPr>
+        <p:spPr>
+          <a:xfrm>
+            <a:off x="7829035" y="1885950"/>
+            <a:ext cx="2932113" cy="576262"/>
+          </a:xfrm>
+        </p:spPr>
+        <p:txBody>
+          <a:bodyPr vert="horz" lIns="91440" tIns="45720" rIns="91440" bIns="45720" rtlCol="0" anchor="b">
+            <a:noAutofit/>
+          </a:bodyPr>
+          <a:lstStyle>
+            <a:lvl1pPr>
+              <a:buNone/>
+              <a:defRPr lang="en-US" sz="2400" b="0" dirty="0">
+                <a:gradFill>
+                  <a:gsLst>
+                    <a:gs pos="15000">
+                      <a:schemeClr val="tx2"/>
+                    </a:gs>
+                    <a:gs pos="73000">
+                      <a:schemeClr val="tx2">
+                        <a:lumMod val="60000"/>
+                        <a:lumOff val="40000"/>
+                      </a:schemeClr>
+                    </a:gs>
+                    <a:gs pos="0">
+                      <a:schemeClr val="tx2">
+                        <a:lumMod val="90000"/>
+                        <a:lumOff val="10000"/>
+                      </a:schemeClr>
+                    </a:gs>
+                    <a:gs pos="100000">
+                      <a:schemeClr val="tx2">
+                        <a:lumMod val="0"/>
+                        <a:lumOff val="100000"/>
+                      </a:schemeClr>
+                    </a:gs>
+                  </a:gsLst>
+                  <a:lin ang="16200000" scaled="1"/>
+                </a:gradFill>
+              </a:defRPr>
+            </a:lvl1pPr>
+          </a:lstStyle>
+          <a:p>
+            <a:pPr marL="0" lvl="0" indent="0">
+              <a:buNone/>
+            </a:pPr>
+            <a:r>
+              <a:rPr lang="en-US"/>
+              <a:t>Edit Master text styles</a:t>
+            </a:r>
+          </a:p>
+        </p:txBody>
+      </p:sp>
+      <p:sp>
+        <p:nvSpPr>
+          <p:cNvPr id="12" name="Text Placeholder 3"/>
+          <p:cNvSpPr>
+            <a:spLocks noGrp="1"/>
+          </p:cNvSpPr>
+          <p:nvPr>
+            <p:ph type="body" sz="half" idx="17"/>
+          </p:nvPr>
+        </p:nvSpPr>
+        <p:spPr>
+          <a:xfrm>
+            <a:off x="7829035" y="2571750"/>
+            <a:ext cx="2932113" cy="3589338"/>
+          </a:xfrm>
+        </p:spPr>
+        <p:txBody>
+          <a:bodyPr anchor="t">
+            <a:normAutofit/>
+          </a:bodyPr>
+          <a:lstStyle>
+            <a:lvl1pPr marL="0" indent="0">
+              <a:buNone/>
+              <a:defRPr sz="1400"/>
+            </a:lvl1pPr>
+            <a:lvl2pPr marL="457200" indent="0">
+              <a:buNone/>
+              <a:defRPr sz="1200"/>
+            </a:lvl2pPr>
+            <a:lvl3pPr marL="914400" indent="0">
+              <a:buNone/>
+              <a:defRPr sz="1000"/>
+            </a:lvl3pPr>
+            <a:lvl4pPr marL="1371600" indent="0">
+              <a:buNone/>
+              <a:defRPr sz="900"/>
+            </a:lvl4pPr>
+            <a:lvl5pPr marL="1828800" indent="0">
+              <a:buNone/>
+              <a:defRPr sz="900"/>
+            </a:lvl5pPr>
+            <a:lvl6pPr marL="2286000" indent="0">
+              <a:buNone/>
+              <a:defRPr sz="900"/>
+            </a:lvl6pPr>
+            <a:lvl7pPr marL="2743200" indent="0">
+              <a:buNone/>
+              <a:defRPr sz="900"/>
+            </a:lvl7pPr>
+            <a:lvl8pPr marL="3200400" indent="0">
+              <a:buNone/>
+              <a:defRPr sz="900"/>
+            </a:lvl8pPr>
+            <a:lvl9pPr marL="3657600" indent="0">
+              <a:buNone/>
+              <a:defRPr sz="900"/>
+            </a:lvl9pPr>
+          </a:lstStyle>
+          <a:p>
+            <a:pPr lvl="0"/>
+            <a:r>
+              <a:rPr lang="en-US"/>
+              <a:t>Edit Master text styles</a:t>
+            </a:r>
+          </a:p>
+        </p:txBody>
+      </p:sp>
+      <p:sp>
+        <p:nvSpPr>
+          <p:cNvPr id="3" name="Date Placeholder 2"/>
+          <p:cNvSpPr>
+            <a:spLocks noGrp="1"/>
+          </p:cNvSpPr>
+          <p:nvPr>
+            <p:ph type="dt" sz="half" idx="10"/>
+          </p:nvPr>
+        </p:nvSpPr>
+        <p:spPr/>
+        <p:txBody>
+          <a:bodyPr/>
+          <a:lstStyle/>
+          <a:p>
+            <a:fld id="{15EEF4E6-CD4E-4E66-A637-5ABDF039D94B}" type="datetimeFigureOut">
+              <a:rPr lang="en-AU" smtClean="0"/>
+              <a:t>30/03/2021</a:t>
+            </a:fld>
+            <a:endParaRPr lang="en-AU"/>
+          </a:p>
+        </p:txBody>
+      </p:sp>
+      <p:sp>
+        <p:nvSpPr>
+          <p:cNvPr id="4" name="Footer Placeholder 3"/>
+          <p:cNvSpPr>
+            <a:spLocks noGrp="1"/>
+          </p:cNvSpPr>
+          <p:nvPr>
+            <p:ph type="ftr" sz="quarter" idx="11"/>
+          </p:nvPr>
+        </p:nvSpPr>
+        <p:spPr/>
+        <p:txBody>
+          <a:bodyPr/>
+          <a:lstStyle/>
+          <a:p>
+            <a:endParaRPr lang="en-AU"/>
+          </a:p>
+        </p:txBody>
+      </p:sp>
+      <p:sp>
+        <p:nvSpPr>
+          <p:cNvPr id="5" name="Slide Number Placeholder 4"/>
+          <p:cNvSpPr>
+            <a:spLocks noGrp="1"/>
+          </p:cNvSpPr>
+          <p:nvPr>
+            <p:ph type="sldNum" sz="quarter" idx="12"/>
+          </p:nvPr>
+        </p:nvSpPr>
+        <p:spPr/>
+        <p:txBody>
+          <a:bodyPr/>
+          <a:lstStyle/>
+          <a:p>
+            <a:fld id="{8EF50EE5-4904-485C-B589-8302A7676FA3}" type="slidenum">
+              <a:rPr lang="en-AU" smtClean="0"/>
+              <a:t>‹#›</a:t>
+            </a:fld>
+            <a:endParaRPr lang="en-AU"/>
+          </a:p>
+        </p:txBody>
+      </p:sp>
+    </p:spTree>
+    <p:extLst>
+      <p:ext uri="{BB962C8B-B14F-4D97-AF65-F5344CB8AC3E}">
+        <p14:creationId xmlns:p14="http://schemas.microsoft.com/office/powerpoint/2010/main" val="304137274"/>
+      </p:ext>
+    </p:extLst>
+  </p:cSld>
+  <p:clrMapOvr>
+    <a:masterClrMapping/>
+  </p:clrMapOvr>
+</p:sldLayout>
+</file>
+
+<file path=ppt/slideLayouts/slideLayout15.xml><?xml version="1.0" encoding="utf-8"?>
+<p:sldLayout xmlns:a="http://schemas.openxmlformats.org/drawingml/2006/main" xmlns:r="http://schemas.openxmlformats.org/officeDocument/2006/relationships" xmlns:p="http://schemas.openxmlformats.org/presentationml/2006/main" preserve="1">
+  <p:cSld name="3 Picture Column">
+    <p:spTree>
+      <p:nvGrpSpPr>
+        <p:cNvPr id="1" name=""/>
+        <p:cNvGrpSpPr/>
+        <p:nvPr/>
+      </p:nvGrpSpPr>
+      <p:grpSpPr>
+        <a:xfrm>
+          <a:off x="0" y="0"/>
+          <a:ext cx="0" cy="0"/>
+          <a:chOff x="0" y="0"/>
+          <a:chExt cx="0" cy="0"/>
+        </a:xfrm>
+      </p:grpSpPr>
+      <p:sp>
+        <p:nvSpPr>
+          <p:cNvPr id="30" name="Title 1"/>
+          <p:cNvSpPr>
+            <a:spLocks noGrp="1"/>
+          </p:cNvSpPr>
+          <p:nvPr>
+            <p:ph type="title"/>
+          </p:nvPr>
+        </p:nvSpPr>
+        <p:spPr>
+          <a:xfrm>
+            <a:off x="838200" y="365125"/>
+            <a:ext cx="10515600" cy="1325563"/>
+          </a:xfrm>
+        </p:spPr>
+        <p:txBody>
+          <a:bodyPr/>
+          <a:lstStyle/>
+          <a:p>
+            <a:r>
+              <a:rPr lang="en-US"/>
+              <a:t>Click to edit Master title style</a:t>
+            </a:r>
+            <a:endParaRPr lang="en-US" dirty="0"/>
+          </a:p>
+        </p:txBody>
+      </p:sp>
+      <p:sp>
+        <p:nvSpPr>
+          <p:cNvPr id="19" name="Text Placeholder 2"/>
+          <p:cNvSpPr>
+            <a:spLocks noGrp="1"/>
+          </p:cNvSpPr>
+          <p:nvPr>
+            <p:ph type="body" idx="1"/>
+          </p:nvPr>
+        </p:nvSpPr>
+        <p:spPr>
+          <a:xfrm>
+            <a:off x="1332085" y="4297503"/>
+            <a:ext cx="2940050" cy="576262"/>
+          </a:xfrm>
+        </p:spPr>
+        <p:txBody>
+          <a:bodyPr anchor="b">
+            <a:noAutofit/>
+          </a:bodyPr>
+          <a:lstStyle>
+            <a:lvl1pPr marL="0" indent="0">
+              <a:buNone/>
+              <a:defRPr sz="2400" b="0">
+                <a:gradFill>
+                  <a:gsLst>
+                    <a:gs pos="34000">
+                      <a:schemeClr val="tx1">
+                        <a:lumMod val="93000"/>
+                      </a:schemeClr>
+                    </a:gs>
+                    <a:gs pos="0">
+                      <a:schemeClr val="bg1">
+                        <a:lumMod val="41000"/>
+                        <a:lumOff val="59000"/>
+                      </a:schemeClr>
+                    </a:gs>
+                    <a:gs pos="100000">
+                      <a:schemeClr val="tx2">
+                        <a:lumMod val="0"/>
+                        <a:lumOff val="100000"/>
+                      </a:schemeClr>
+                    </a:gs>
+                  </a:gsLst>
+                  <a:lin ang="4800000" scaled="0"/>
+                </a:gradFill>
+              </a:defRPr>
+            </a:lvl1pPr>
+            <a:lvl2pPr marL="457200" indent="0">
+              <a:buNone/>
+              <a:defRPr sz="2000" b="1"/>
+            </a:lvl2pPr>
+            <a:lvl3pPr marL="914400" indent="0">
+              <a:buNone/>
+              <a:defRPr sz="1800" b="1"/>
+            </a:lvl3pPr>
+            <a:lvl4pPr marL="1371600" indent="0">
+              <a:buNone/>
+              <a:defRPr sz="1600" b="1"/>
+            </a:lvl4pPr>
+            <a:lvl5pPr marL="1828800" indent="0">
+              <a:buNone/>
+              <a:defRPr sz="1600" b="1"/>
+            </a:lvl5pPr>
+            <a:lvl6pPr marL="2286000" indent="0">
+              <a:buNone/>
+              <a:defRPr sz="1600" b="1"/>
+            </a:lvl6pPr>
+            <a:lvl7pPr marL="2743200" indent="0">
+              <a:buNone/>
+              <a:defRPr sz="1600" b="1"/>
+            </a:lvl7pPr>
+            <a:lvl8pPr marL="3200400" indent="0">
+              <a:buNone/>
+              <a:defRPr sz="1600" b="1"/>
+            </a:lvl8pPr>
+            <a:lvl9pPr marL="3657600" indent="0">
+              <a:buNone/>
+              <a:defRPr sz="1600" b="1"/>
+            </a:lvl9pPr>
+          </a:lstStyle>
+          <a:p>
+            <a:pPr lvl="0"/>
+            <a:r>
+              <a:rPr lang="en-US"/>
+              <a:t>Edit Master text styles</a:t>
+            </a:r>
+          </a:p>
+        </p:txBody>
+      </p:sp>
+      <p:sp>
+        <p:nvSpPr>
+          <p:cNvPr id="20" name="Picture Placeholder 2"/>
+          <p:cNvSpPr>
+            <a:spLocks noGrp="1" noChangeAspect="1"/>
+          </p:cNvSpPr>
+          <p:nvPr>
+            <p:ph type="pic" idx="15"/>
+          </p:nvPr>
+        </p:nvSpPr>
+        <p:spPr>
+          <a:xfrm>
+            <a:off x="1332085" y="2256354"/>
+            <a:ext cx="2940050" cy="1524000"/>
+          </a:xfrm>
+          <a:prstGeom prst="roundRect">
+            <a:avLst>
+              <a:gd name="adj" fmla="val 1858"/>
+            </a:avLst>
+          </a:prstGeom>
+          <a:effectLst>
+            <a:outerShdw blurRad="50800" dist="50800" dir="5400000" algn="tl" rotWithShape="0">
+              <a:srgbClr val="000000">
+                <a:alpha val="43000"/>
+              </a:srgbClr>
+            </a:outerShdw>
+          </a:effectLst>
+        </p:spPr>
+        <p:txBody>
+          <a:bodyPr anchor="t">
+            <a:normAutofit/>
+          </a:bodyPr>
+          <a:lstStyle>
+            <a:lvl1pPr marL="0" indent="0" algn="ctr">
+              <a:buNone/>
+              <a:defRPr sz="1600"/>
+            </a:lvl1pPr>
+            <a:lvl2pPr marL="457200" indent="0">
+              <a:buNone/>
+              <a:defRPr sz="1600"/>
+            </a:lvl2pPr>
+            <a:lvl3pPr marL="914400" indent="0">
+              <a:buNone/>
+              <a:defRPr sz="1600"/>
+            </a:lvl3pPr>
+            <a:lvl4pPr marL="1371600" indent="0">
+              <a:buNone/>
+              <a:defRPr sz="1600"/>
+            </a:lvl4pPr>
+            <a:lvl5pPr marL="1828800" indent="0">
+              <a:buNone/>
+              <a:defRPr sz="1600"/>
+            </a:lvl5pPr>
+            <a:lvl6pPr marL="2286000" indent="0">
+              <a:buNone/>
+              <a:defRPr sz="1600"/>
+            </a:lvl6pPr>
+            <a:lvl7pPr marL="2743200" indent="0">
+              <a:buNone/>
+              <a:defRPr sz="1600"/>
+            </a:lvl7pPr>
+            <a:lvl8pPr marL="3200400" indent="0">
+              <a:buNone/>
+              <a:defRPr sz="1600"/>
+            </a:lvl8pPr>
+            <a:lvl9pPr marL="3657600" indent="0">
+              <a:buNone/>
+              <a:defRPr sz="1600"/>
+            </a:lvl9pPr>
+          </a:lstStyle>
+          <a:p>
+            <a:r>
+              <a:rPr lang="en-US"/>
+              <a:t>Click icon to add picture</a:t>
+            </a:r>
+            <a:endParaRPr lang="en-US" dirty="0"/>
+          </a:p>
+        </p:txBody>
+      </p:sp>
+      <p:sp>
+        <p:nvSpPr>
+          <p:cNvPr id="21" name="Text Placeholder 3"/>
+          <p:cNvSpPr>
+            <a:spLocks noGrp="1"/>
+          </p:cNvSpPr>
+          <p:nvPr>
+            <p:ph type="body" sz="half" idx="18"/>
+          </p:nvPr>
+        </p:nvSpPr>
+        <p:spPr>
+          <a:xfrm>
+            <a:off x="1332085" y="4873765"/>
+            <a:ext cx="2940050" cy="659189"/>
+          </a:xfrm>
+        </p:spPr>
+        <p:txBody>
+          <a:bodyPr anchor="t">
+            <a:normAutofit/>
+          </a:bodyPr>
+          <a:lstStyle>
+            <a:lvl1pPr marL="0" indent="0">
+              <a:buNone/>
+              <a:defRPr sz="1400"/>
+            </a:lvl1pPr>
+            <a:lvl2pPr marL="457200" indent="0">
+              <a:buNone/>
+              <a:defRPr sz="1200"/>
+            </a:lvl2pPr>
+            <a:lvl3pPr marL="914400" indent="0">
+              <a:buNone/>
+              <a:defRPr sz="1000"/>
+            </a:lvl3pPr>
+            <a:lvl4pPr marL="1371600" indent="0">
+              <a:buNone/>
+              <a:defRPr sz="900"/>
+            </a:lvl4pPr>
+            <a:lvl5pPr marL="1828800" indent="0">
+              <a:buNone/>
+              <a:defRPr sz="900"/>
+            </a:lvl5pPr>
+            <a:lvl6pPr marL="2286000" indent="0">
+              <a:buNone/>
+              <a:defRPr sz="900"/>
+            </a:lvl6pPr>
+            <a:lvl7pPr marL="2743200" indent="0">
+              <a:buNone/>
+              <a:defRPr sz="900"/>
+            </a:lvl7pPr>
+            <a:lvl8pPr marL="3200400" indent="0">
+              <a:buNone/>
+              <a:defRPr sz="900"/>
+            </a:lvl8pPr>
+            <a:lvl9pPr marL="3657600" indent="0">
+              <a:buNone/>
+              <a:defRPr sz="900"/>
+            </a:lvl9pPr>
+          </a:lstStyle>
+          <a:p>
+            <a:pPr lvl="0"/>
+            <a:r>
+              <a:rPr lang="en-US"/>
+              <a:t>Edit Master text styles</a:t>
+            </a:r>
+          </a:p>
+        </p:txBody>
+      </p:sp>
+      <p:sp>
+        <p:nvSpPr>
+          <p:cNvPr id="22" name="Text Placeholder 4"/>
+          <p:cNvSpPr>
+            <a:spLocks noGrp="1"/>
+          </p:cNvSpPr>
+          <p:nvPr>
+            <p:ph type="body" sz="quarter" idx="3"/>
+          </p:nvPr>
+        </p:nvSpPr>
+        <p:spPr>
+          <a:xfrm>
+            <a:off x="4568997" y="4297503"/>
+            <a:ext cx="2930525" cy="576262"/>
+          </a:xfrm>
+        </p:spPr>
+        <p:txBody>
+          <a:bodyPr anchor="b">
+            <a:noAutofit/>
+          </a:bodyPr>
+          <a:lstStyle>
+            <a:lvl1pPr marL="0" indent="0">
+              <a:buNone/>
+              <a:defRPr sz="2400" b="0">
+                <a:gradFill>
+                  <a:gsLst>
+                    <a:gs pos="34000">
+                      <a:schemeClr val="tx1">
+                        <a:lumMod val="93000"/>
+                      </a:schemeClr>
+                    </a:gs>
+                    <a:gs pos="0">
+                      <a:schemeClr val="bg1">
+                        <a:lumMod val="41000"/>
+                        <a:lumOff val="59000"/>
+                      </a:schemeClr>
+                    </a:gs>
+                    <a:gs pos="100000">
+                      <a:schemeClr val="tx2">
+                        <a:lumMod val="0"/>
+                        <a:lumOff val="100000"/>
+                      </a:schemeClr>
+                    </a:gs>
+                  </a:gsLst>
+                  <a:lin ang="4800000" scaled="0"/>
+                </a:gradFill>
+              </a:defRPr>
+            </a:lvl1pPr>
+            <a:lvl2pPr marL="457200" indent="0">
+              <a:buNone/>
+              <a:defRPr sz="2000" b="1"/>
+            </a:lvl2pPr>
+            <a:lvl3pPr marL="914400" indent="0">
+              <a:buNone/>
+              <a:defRPr sz="1800" b="1"/>
+            </a:lvl3pPr>
+            <a:lvl4pPr marL="1371600" indent="0">
+              <a:buNone/>
+              <a:defRPr sz="1600" b="1"/>
+            </a:lvl4pPr>
+            <a:lvl5pPr marL="1828800" indent="0">
+              <a:buNone/>
+              <a:defRPr sz="1600" b="1"/>
+            </a:lvl5pPr>
+            <a:lvl6pPr marL="2286000" indent="0">
+              <a:buNone/>
+              <a:defRPr sz="1600" b="1"/>
+            </a:lvl6pPr>
+            <a:lvl7pPr marL="2743200" indent="0">
+              <a:buNone/>
+              <a:defRPr sz="1600" b="1"/>
+            </a:lvl7pPr>
+            <a:lvl8pPr marL="3200400" indent="0">
+              <a:buNone/>
+              <a:defRPr sz="1600" b="1"/>
+            </a:lvl8pPr>
+            <a:lvl9pPr marL="3657600" indent="0">
+              <a:buNone/>
+              <a:defRPr sz="1600" b="1"/>
+            </a:lvl9pPr>
+          </a:lstStyle>
+          <a:p>
+            <a:pPr lvl="0"/>
+            <a:r>
+              <a:rPr lang="en-US"/>
+              <a:t>Edit Master text styles</a:t>
+            </a:r>
+          </a:p>
+        </p:txBody>
+      </p:sp>
+      <p:sp>
+        <p:nvSpPr>
+          <p:cNvPr id="23" name="Picture Placeholder 2"/>
+          <p:cNvSpPr>
+            <a:spLocks noGrp="1" noChangeAspect="1"/>
+          </p:cNvSpPr>
+          <p:nvPr>
+            <p:ph type="pic" idx="21"/>
+          </p:nvPr>
+        </p:nvSpPr>
+        <p:spPr>
+          <a:xfrm>
+            <a:off x="4568996" y="2256354"/>
+            <a:ext cx="2930525" cy="1524000"/>
+          </a:xfrm>
+          <a:prstGeom prst="roundRect">
+            <a:avLst>
+              <a:gd name="adj" fmla="val 1858"/>
+            </a:avLst>
+          </a:prstGeom>
+          <a:effectLst>
+            <a:outerShdw blurRad="50800" dist="50800" dir="5400000" algn="tl" rotWithShape="0">
+              <a:srgbClr val="000000">
+                <a:alpha val="43000"/>
+              </a:srgbClr>
+            </a:outerShdw>
+          </a:effectLst>
+        </p:spPr>
+        <p:txBody>
+          <a:bodyPr anchor="t">
+            <a:normAutofit/>
+          </a:bodyPr>
+          <a:lstStyle>
+            <a:lvl1pPr marL="0" indent="0" algn="ctr">
+              <a:buNone/>
+              <a:defRPr sz="1600"/>
+            </a:lvl1pPr>
+            <a:lvl2pPr marL="457200" indent="0">
+              <a:buNone/>
+              <a:defRPr sz="1600"/>
+            </a:lvl2pPr>
+            <a:lvl3pPr marL="914400" indent="0">
+              <a:buNone/>
+              <a:defRPr sz="1600"/>
+            </a:lvl3pPr>
+            <a:lvl4pPr marL="1371600" indent="0">
+              <a:buNone/>
+              <a:defRPr sz="1600"/>
+            </a:lvl4pPr>
+            <a:lvl5pPr marL="1828800" indent="0">
+              <a:buNone/>
+              <a:defRPr sz="1600"/>
+            </a:lvl5pPr>
+            <a:lvl6pPr marL="2286000" indent="0">
+              <a:buNone/>
+              <a:defRPr sz="1600"/>
+            </a:lvl6pPr>
+            <a:lvl7pPr marL="2743200" indent="0">
+              <a:buNone/>
+              <a:defRPr sz="1600"/>
+            </a:lvl7pPr>
+            <a:lvl8pPr marL="3200400" indent="0">
+              <a:buNone/>
+              <a:defRPr sz="1600"/>
+            </a:lvl8pPr>
+            <a:lvl9pPr marL="3657600" indent="0">
+              <a:buNone/>
+              <a:defRPr sz="1600"/>
+            </a:lvl9pPr>
+          </a:lstStyle>
+          <a:p>
+            <a:r>
+              <a:rPr lang="en-US"/>
+              <a:t>Click icon to add picture</a:t>
+            </a:r>
+            <a:endParaRPr lang="en-US" dirty="0"/>
+          </a:p>
+        </p:txBody>
+      </p:sp>
+      <p:sp>
+        <p:nvSpPr>
+          <p:cNvPr id="24" name="Text Placeholder 3"/>
+          <p:cNvSpPr>
+            <a:spLocks noGrp="1"/>
+          </p:cNvSpPr>
+          <p:nvPr>
+            <p:ph type="body" sz="half" idx="19"/>
+          </p:nvPr>
+        </p:nvSpPr>
+        <p:spPr>
+          <a:xfrm>
+            <a:off x="4567644" y="4873764"/>
+            <a:ext cx="2934406" cy="659189"/>
+          </a:xfrm>
+        </p:spPr>
+        <p:txBody>
+          <a:bodyPr anchor="t">
+            <a:normAutofit/>
+          </a:bodyPr>
+          <a:lstStyle>
+            <a:lvl1pPr marL="0" indent="0">
+              <a:buNone/>
+              <a:defRPr sz="1400"/>
+            </a:lvl1pPr>
+            <a:lvl2pPr marL="457200" indent="0">
+              <a:buNone/>
+              <a:defRPr sz="1200"/>
+            </a:lvl2pPr>
+            <a:lvl3pPr marL="914400" indent="0">
+              <a:buNone/>
+              <a:defRPr sz="1000"/>
+            </a:lvl3pPr>
+            <a:lvl4pPr marL="1371600" indent="0">
+              <a:buNone/>
+              <a:defRPr sz="900"/>
+            </a:lvl4pPr>
+            <a:lvl5pPr marL="1828800" indent="0">
+              <a:buNone/>
+              <a:defRPr sz="900"/>
+            </a:lvl5pPr>
+            <a:lvl6pPr marL="2286000" indent="0">
+              <a:buNone/>
+              <a:defRPr sz="900"/>
+            </a:lvl6pPr>
+            <a:lvl7pPr marL="2743200" indent="0">
+              <a:buNone/>
+              <a:defRPr sz="900"/>
+            </a:lvl7pPr>
+            <a:lvl8pPr marL="3200400" indent="0">
+              <a:buNone/>
+              <a:defRPr sz="900"/>
+            </a:lvl8pPr>
+            <a:lvl9pPr marL="3657600" indent="0">
+              <a:buNone/>
+              <a:defRPr sz="900"/>
+            </a:lvl9pPr>
+          </a:lstStyle>
+          <a:p>
+            <a:pPr lvl="0"/>
+            <a:r>
+              <a:rPr lang="en-US"/>
+              <a:t>Edit Master text styles</a:t>
+            </a:r>
+          </a:p>
+        </p:txBody>
+      </p:sp>
+      <p:sp>
+        <p:nvSpPr>
+          <p:cNvPr id="25" name="Text Placeholder 4"/>
+          <p:cNvSpPr>
+            <a:spLocks noGrp="1"/>
+          </p:cNvSpPr>
+          <p:nvPr>
+            <p:ph type="body" sz="quarter" idx="13"/>
+          </p:nvPr>
+        </p:nvSpPr>
+        <p:spPr>
+          <a:xfrm>
+            <a:off x="7804322" y="4297503"/>
+            <a:ext cx="2932113" cy="576262"/>
+          </a:xfrm>
+        </p:spPr>
+        <p:txBody>
+          <a:bodyPr anchor="b">
+            <a:noAutofit/>
+          </a:bodyPr>
+          <a:lstStyle>
+            <a:lvl1pPr marL="0" indent="0">
+              <a:buNone/>
+              <a:defRPr sz="2400" b="0">
+                <a:gradFill>
+                  <a:gsLst>
+                    <a:gs pos="34000">
+                      <a:schemeClr val="tx1">
+                        <a:lumMod val="93000"/>
+                      </a:schemeClr>
+                    </a:gs>
+                    <a:gs pos="0">
+                      <a:schemeClr val="bg1">
+                        <a:lumMod val="41000"/>
+                        <a:lumOff val="59000"/>
+                      </a:schemeClr>
+                    </a:gs>
+                    <a:gs pos="100000">
+                      <a:schemeClr val="tx2">
+                        <a:lumMod val="0"/>
+                        <a:lumOff val="100000"/>
+                      </a:schemeClr>
+                    </a:gs>
+                  </a:gsLst>
+                  <a:lin ang="4800000" scaled="0"/>
+                </a:gradFill>
+              </a:defRPr>
+            </a:lvl1pPr>
+            <a:lvl2pPr marL="457200" indent="0">
+              <a:buNone/>
+              <a:defRPr sz="2000" b="1"/>
+            </a:lvl2pPr>
+            <a:lvl3pPr marL="914400" indent="0">
+              <a:buNone/>
+              <a:defRPr sz="1800" b="1"/>
+            </a:lvl3pPr>
+            <a:lvl4pPr marL="1371600" indent="0">
+              <a:buNone/>
+              <a:defRPr sz="1600" b="1"/>
+            </a:lvl4pPr>
+            <a:lvl5pPr marL="1828800" indent="0">
+              <a:buNone/>
+              <a:defRPr sz="1600" b="1"/>
+            </a:lvl5pPr>
+            <a:lvl6pPr marL="2286000" indent="0">
+              <a:buNone/>
+              <a:defRPr sz="1600" b="1"/>
+            </a:lvl6pPr>
+            <a:lvl7pPr marL="2743200" indent="0">
+              <a:buNone/>
+              <a:defRPr sz="1600" b="1"/>
+            </a:lvl7pPr>
+            <a:lvl8pPr marL="3200400" indent="0">
+              <a:buNone/>
+              <a:defRPr sz="1600" b="1"/>
+            </a:lvl8pPr>
+            <a:lvl9pPr marL="3657600" indent="0">
+              <a:buNone/>
+              <a:defRPr sz="1600" b="1"/>
+            </a:lvl9pPr>
+          </a:lstStyle>
+          <a:p>
+            <a:pPr lvl="0"/>
+            <a:r>
+              <a:rPr lang="en-US"/>
+              <a:t>Edit Master text styles</a:t>
+            </a:r>
+          </a:p>
+        </p:txBody>
+      </p:sp>
+      <p:sp>
+        <p:nvSpPr>
+          <p:cNvPr id="26" name="Picture Placeholder 2"/>
+          <p:cNvSpPr>
+            <a:spLocks noGrp="1" noChangeAspect="1"/>
+          </p:cNvSpPr>
+          <p:nvPr>
+            <p:ph type="pic" idx="22"/>
+          </p:nvPr>
+        </p:nvSpPr>
+        <p:spPr>
+          <a:xfrm>
+            <a:off x="7804321" y="2256354"/>
+            <a:ext cx="2932113" cy="1524000"/>
+          </a:xfrm>
+          <a:prstGeom prst="roundRect">
+            <a:avLst>
+              <a:gd name="adj" fmla="val 1858"/>
+            </a:avLst>
+          </a:prstGeom>
+          <a:effectLst>
+            <a:outerShdw blurRad="50800" dist="50800" dir="5400000" algn="tl" rotWithShape="0">
+              <a:srgbClr val="000000">
+                <a:alpha val="43000"/>
+              </a:srgbClr>
+            </a:outerShdw>
+          </a:effectLst>
+        </p:spPr>
+        <p:txBody>
+          <a:bodyPr anchor="t">
+            <a:normAutofit/>
+          </a:bodyPr>
+          <a:lstStyle>
+            <a:lvl1pPr marL="0" indent="0" algn="ctr">
+              <a:buNone/>
+              <a:defRPr sz="1600"/>
+            </a:lvl1pPr>
+            <a:lvl2pPr marL="457200" indent="0">
+              <a:buNone/>
+              <a:defRPr sz="1600"/>
+            </a:lvl2pPr>
+            <a:lvl3pPr marL="914400" indent="0">
+              <a:buNone/>
+              <a:defRPr sz="1600"/>
+            </a:lvl3pPr>
+            <a:lvl4pPr marL="1371600" indent="0">
+              <a:buNone/>
+              <a:defRPr sz="1600"/>
+            </a:lvl4pPr>
+            <a:lvl5pPr marL="1828800" indent="0">
+              <a:buNone/>
+              <a:defRPr sz="1600"/>
+            </a:lvl5pPr>
+            <a:lvl6pPr marL="2286000" indent="0">
+              <a:buNone/>
+              <a:defRPr sz="1600"/>
+            </a:lvl6pPr>
+            <a:lvl7pPr marL="2743200" indent="0">
+              <a:buNone/>
+              <a:defRPr sz="1600"/>
+            </a:lvl7pPr>
+            <a:lvl8pPr marL="3200400" indent="0">
+              <a:buNone/>
+              <a:defRPr sz="1600"/>
+            </a:lvl8pPr>
+            <a:lvl9pPr marL="3657600" indent="0">
+              <a:buNone/>
+              <a:defRPr sz="1600"/>
+            </a:lvl9pPr>
+          </a:lstStyle>
+          <a:p>
+            <a:r>
+              <a:rPr lang="en-US"/>
+              <a:t>Click icon to add picture</a:t>
+            </a:r>
+            <a:endParaRPr lang="en-US" dirty="0"/>
+          </a:p>
+        </p:txBody>
+      </p:sp>
+      <p:sp>
+        <p:nvSpPr>
+          <p:cNvPr id="27" name="Text Placeholder 3"/>
+          <p:cNvSpPr>
+            <a:spLocks noGrp="1"/>
+          </p:cNvSpPr>
+          <p:nvPr>
+            <p:ph type="body" sz="half" idx="20"/>
+          </p:nvPr>
+        </p:nvSpPr>
+        <p:spPr>
+          <a:xfrm>
+            <a:off x="7804197" y="4873762"/>
+            <a:ext cx="2935997" cy="659189"/>
+          </a:xfrm>
+        </p:spPr>
+        <p:txBody>
+          <a:bodyPr anchor="t">
+            <a:normAutofit/>
+          </a:bodyPr>
+          <a:lstStyle>
+            <a:lvl1pPr marL="0" indent="0">
+              <a:buNone/>
+              <a:defRPr sz="1400"/>
+            </a:lvl1pPr>
+            <a:lvl2pPr marL="457200" indent="0">
+              <a:buNone/>
+              <a:defRPr sz="1200"/>
+            </a:lvl2pPr>
+            <a:lvl3pPr marL="914400" indent="0">
+              <a:buNone/>
+              <a:defRPr sz="1000"/>
+            </a:lvl3pPr>
+            <a:lvl4pPr marL="1371600" indent="0">
+              <a:buNone/>
+              <a:defRPr sz="900"/>
+            </a:lvl4pPr>
+            <a:lvl5pPr marL="1828800" indent="0">
+              <a:buNone/>
+              <a:defRPr sz="900"/>
+            </a:lvl5pPr>
+            <a:lvl6pPr marL="2286000" indent="0">
+              <a:buNone/>
+              <a:defRPr sz="900"/>
+            </a:lvl6pPr>
+            <a:lvl7pPr marL="2743200" indent="0">
+              <a:buNone/>
+              <a:defRPr sz="900"/>
+            </a:lvl7pPr>
+            <a:lvl8pPr marL="3200400" indent="0">
+              <a:buNone/>
+              <a:defRPr sz="900"/>
+            </a:lvl8pPr>
+            <a:lvl9pPr marL="3657600" indent="0">
+              <a:buNone/>
+              <a:defRPr sz="900"/>
+            </a:lvl9pPr>
+          </a:lstStyle>
+          <a:p>
+            <a:pPr lvl="0"/>
+            <a:r>
+              <a:rPr lang="en-US"/>
+              <a:t>Edit Master text styles</a:t>
+            </a:r>
+          </a:p>
+        </p:txBody>
+      </p:sp>
+      <p:sp>
+        <p:nvSpPr>
+          <p:cNvPr id="3" name="Date Placeholder 2"/>
+          <p:cNvSpPr>
+            <a:spLocks noGrp="1"/>
+          </p:cNvSpPr>
+          <p:nvPr>
+            <p:ph type="dt" sz="half" idx="10"/>
+          </p:nvPr>
+        </p:nvSpPr>
+        <p:spPr/>
+        <p:txBody>
+          <a:bodyPr/>
+          <a:lstStyle/>
+          <a:p>
+            <a:fld id="{15EEF4E6-CD4E-4E66-A637-5ABDF039D94B}" type="datetimeFigureOut">
+              <a:rPr lang="en-AU" smtClean="0"/>
+              <a:t>30/03/2021</a:t>
+            </a:fld>
+            <a:endParaRPr lang="en-AU"/>
+          </a:p>
+        </p:txBody>
+      </p:sp>
+      <p:sp>
+        <p:nvSpPr>
+          <p:cNvPr id="4" name="Footer Placeholder 3"/>
+          <p:cNvSpPr>
+            <a:spLocks noGrp="1"/>
+          </p:cNvSpPr>
+          <p:nvPr>
+            <p:ph type="ftr" sz="quarter" idx="11"/>
+          </p:nvPr>
+        </p:nvSpPr>
+        <p:spPr/>
+        <p:txBody>
+          <a:bodyPr/>
+          <a:lstStyle/>
+          <a:p>
+            <a:endParaRPr lang="en-AU"/>
+          </a:p>
+        </p:txBody>
+      </p:sp>
+      <p:sp>
+        <p:nvSpPr>
+          <p:cNvPr id="5" name="Slide Number Placeholder 4"/>
+          <p:cNvSpPr>
+            <a:spLocks noGrp="1"/>
+          </p:cNvSpPr>
+          <p:nvPr>
+            <p:ph type="sldNum" sz="quarter" idx="12"/>
+          </p:nvPr>
+        </p:nvSpPr>
+        <p:spPr/>
+        <p:txBody>
+          <a:bodyPr/>
+          <a:lstStyle/>
+          <a:p>
+            <a:fld id="{8EF50EE5-4904-485C-B589-8302A7676FA3}" type="slidenum">
+              <a:rPr lang="en-AU" smtClean="0"/>
+              <a:t>‹#›</a:t>
+            </a:fld>
+            <a:endParaRPr lang="en-AU"/>
+          </a:p>
+        </p:txBody>
+      </p:sp>
+    </p:spTree>
+    <p:extLst>
+      <p:ext uri="{BB962C8B-B14F-4D97-AF65-F5344CB8AC3E}">
+        <p14:creationId xmlns:p14="http://schemas.microsoft.com/office/powerpoint/2010/main" val="90939308"/>
+      </p:ext>
+    </p:extLst>
+  </p:cSld>
+  <p:clrMapOvr>
+    <a:masterClrMapping/>
+  </p:clrMapOvr>
+</p:sldLayout>
+</file>
+
+<file path=ppt/slideLayouts/slideLayout16.xml><?xml version="1.0" encoding="utf-8"?>
 <p:sldLayout xmlns:a="http://schemas.openxmlformats.org/drawingml/2006/main" xmlns:r="http://schemas.openxmlformats.org/officeDocument/2006/relationships" xmlns:p="http://schemas.openxmlformats.org/presentationml/2006/main" type="vertTx" preserve="1">
   <p:cSld name="Title and Vertical Text">
     <p:spTree>
@@ -349,13 +2926,7 @@
       </p:grpSpPr>
       <p:sp>
         <p:nvSpPr>
-          <p:cNvPr id="2" name="Title 1">
-            <a:extLst>
-              <a:ext uri="{FF2B5EF4-FFF2-40B4-BE49-F238E27FC236}">
-                <a16:creationId xmlns:a16="http://schemas.microsoft.com/office/drawing/2014/main" id="{C6020A20-F3B9-4128-BEDE-C2EAD277ADC5}"/>
-              </a:ext>
-            </a:extLst>
-          </p:cNvPr>
+          <p:cNvPr id="2" name="Title 1"/>
           <p:cNvSpPr>
             <a:spLocks noGrp="1"/>
           </p:cNvSpPr>
@@ -372,19 +2943,13 @@
               <a:rPr lang="en-US"/>
               <a:t>Click to edit Master title style</a:t>
             </a:r>
-            <a:endParaRPr lang="en-AU"/>
-          </a:p>
-        </p:txBody>
-      </p:sp>
-      <p:sp>
-        <p:nvSpPr>
-          <p:cNvPr id="3" name="Vertical Text Placeholder 2">
-            <a:extLst>
-              <a:ext uri="{FF2B5EF4-FFF2-40B4-BE49-F238E27FC236}">
-                <a16:creationId xmlns:a16="http://schemas.microsoft.com/office/drawing/2014/main" id="{EB09F15C-BC64-4A06-9FDB-410C5633E012}"/>
-              </a:ext>
-            </a:extLst>
-          </p:cNvPr>
+            <a:endParaRPr lang="en-US" dirty="0"/>
+          </a:p>
+        </p:txBody>
+      </p:sp>
+      <p:sp>
+        <p:nvSpPr>
+          <p:cNvPr id="3" name="Vertical Text Placeholder 2"/>
           <p:cNvSpPr>
             <a:spLocks noGrp="1"/>
           </p:cNvSpPr>
@@ -400,7 +2965,7 @@
             <a:pPr lvl="0"/>
             <a:r>
               <a:rPr lang="en-US"/>
-              <a:t>Click to edit Master text styles</a:t>
+              <a:t>Edit Master text styles</a:t>
             </a:r>
           </a:p>
           <a:p>
@@ -430,19 +2995,13 @@
               <a:rPr lang="en-US"/>
               <a:t>Fifth level</a:t>
             </a:r>
-            <a:endParaRPr lang="en-AU"/>
-          </a:p>
-        </p:txBody>
-      </p:sp>
-      <p:sp>
-        <p:nvSpPr>
-          <p:cNvPr id="4" name="Date Placeholder 3">
-            <a:extLst>
-              <a:ext uri="{FF2B5EF4-FFF2-40B4-BE49-F238E27FC236}">
-                <a16:creationId xmlns:a16="http://schemas.microsoft.com/office/drawing/2014/main" id="{253B029B-D2D4-4A62-823C-BCA3D1BD5697}"/>
-              </a:ext>
-            </a:extLst>
-          </p:cNvPr>
+            <a:endParaRPr lang="en-US" dirty="0"/>
+          </a:p>
+        </p:txBody>
+      </p:sp>
+      <p:sp>
+        <p:nvSpPr>
+          <p:cNvPr id="4" name="Date Placeholder 3"/>
           <p:cNvSpPr>
             <a:spLocks noGrp="1"/>
           </p:cNvSpPr>
@@ -457,7 +3016,7 @@
           <a:p>
             <a:fld id="{15EEF4E6-CD4E-4E66-A637-5ABDF039D94B}" type="datetimeFigureOut">
               <a:rPr lang="en-AU" smtClean="0"/>
-              <a:t>26/03/2021</a:t>
+              <a:t>30/03/2021</a:t>
             </a:fld>
             <a:endParaRPr lang="en-AU"/>
           </a:p>
@@ -465,13 +3024,7 @@
       </p:sp>
       <p:sp>
         <p:nvSpPr>
-          <p:cNvPr id="5" name="Footer Placeholder 4">
-            <a:extLst>
-              <a:ext uri="{FF2B5EF4-FFF2-40B4-BE49-F238E27FC236}">
-                <a16:creationId xmlns:a16="http://schemas.microsoft.com/office/drawing/2014/main" id="{BA82E985-9C2B-467E-8B09-BBEE280C8B01}"/>
-              </a:ext>
-            </a:extLst>
-          </p:cNvPr>
+          <p:cNvPr id="5" name="Footer Placeholder 4"/>
           <p:cNvSpPr>
             <a:spLocks noGrp="1"/>
           </p:cNvSpPr>
@@ -490,13 +3043,7 @@
       </p:sp>
       <p:sp>
         <p:nvSpPr>
-          <p:cNvPr id="6" name="Slide Number Placeholder 5">
-            <a:extLst>
-              <a:ext uri="{FF2B5EF4-FFF2-40B4-BE49-F238E27FC236}">
-                <a16:creationId xmlns:a16="http://schemas.microsoft.com/office/drawing/2014/main" id="{5F46D0A4-4AE8-4FFB-B4F6-DF20A812FAC4}"/>
-              </a:ext>
-            </a:extLst>
-          </p:cNvPr>
+          <p:cNvPr id="6" name="Slide Number Placeholder 5"/>
           <p:cNvSpPr>
             <a:spLocks noGrp="1"/>
           </p:cNvSpPr>
@@ -520,7 +3067,7 @@
     </p:spTree>
     <p:extLst>
       <p:ext uri="{BB962C8B-B14F-4D97-AF65-F5344CB8AC3E}">
-        <p14:creationId xmlns:p14="http://schemas.microsoft.com/office/powerpoint/2010/main" val="1233559561"/>
+        <p14:creationId xmlns:p14="http://schemas.microsoft.com/office/powerpoint/2010/main" val="1199483265"/>
       </p:ext>
     </p:extLst>
   </p:cSld>
@@ -530,7 +3077,7 @@
 </p:sldLayout>
 </file>
 
-<file path=ppt/slideLayouts/slideLayout11.xml><?xml version="1.0" encoding="utf-8"?>
+<file path=ppt/slideLayouts/slideLayout17.xml><?xml version="1.0" encoding="utf-8"?>
 <p:sldLayout xmlns:a="http://schemas.openxmlformats.org/drawingml/2006/main" xmlns:r="http://schemas.openxmlformats.org/officeDocument/2006/relationships" xmlns:p="http://schemas.openxmlformats.org/presentationml/2006/main" type="vertTitleAndTx" preserve="1">
   <p:cSld name="Vertical Title and Text">
     <p:spTree>
@@ -549,13 +3096,7 @@
       </p:grpSpPr>
       <p:sp>
         <p:nvSpPr>
-          <p:cNvPr id="2" name="Vertical Title 1">
-            <a:extLst>
-              <a:ext uri="{FF2B5EF4-FFF2-40B4-BE49-F238E27FC236}">
-                <a16:creationId xmlns:a16="http://schemas.microsoft.com/office/drawing/2014/main" id="{5A1E1B7C-9834-463D-9861-E4790005A8E2}"/>
-              </a:ext>
-            </a:extLst>
-          </p:cNvPr>
+          <p:cNvPr id="2" name="Vertical Title 1"/>
           <p:cNvSpPr>
             <a:spLocks noGrp="1"/>
           </p:cNvSpPr>
@@ -577,19 +3118,13 @@
               <a:rPr lang="en-US"/>
               <a:t>Click to edit Master title style</a:t>
             </a:r>
-            <a:endParaRPr lang="en-AU"/>
-          </a:p>
-        </p:txBody>
-      </p:sp>
-      <p:sp>
-        <p:nvSpPr>
-          <p:cNvPr id="3" name="Vertical Text Placeholder 2">
-            <a:extLst>
-              <a:ext uri="{FF2B5EF4-FFF2-40B4-BE49-F238E27FC236}">
-                <a16:creationId xmlns:a16="http://schemas.microsoft.com/office/drawing/2014/main" id="{B7245B6C-4ADA-432F-800A-E9D74893F1FD}"/>
-              </a:ext>
-            </a:extLst>
-          </p:cNvPr>
+            <a:endParaRPr lang="en-US" dirty="0"/>
+          </a:p>
+        </p:txBody>
+      </p:sp>
+      <p:sp>
+        <p:nvSpPr>
+          <p:cNvPr id="3" name="Vertical Text Placeholder 2"/>
           <p:cNvSpPr>
             <a:spLocks noGrp="1"/>
           </p:cNvSpPr>
@@ -610,7 +3145,7 @@
             <a:pPr lvl="0"/>
             <a:r>
               <a:rPr lang="en-US"/>
-              <a:t>Click to edit Master text styles</a:t>
+              <a:t>Edit Master text styles</a:t>
             </a:r>
           </a:p>
           <a:p>
@@ -640,19 +3175,13 @@
               <a:rPr lang="en-US"/>
               <a:t>Fifth level</a:t>
             </a:r>
-            <a:endParaRPr lang="en-AU"/>
-          </a:p>
-        </p:txBody>
-      </p:sp>
-      <p:sp>
-        <p:nvSpPr>
-          <p:cNvPr id="4" name="Date Placeholder 3">
-            <a:extLst>
-              <a:ext uri="{FF2B5EF4-FFF2-40B4-BE49-F238E27FC236}">
-                <a16:creationId xmlns:a16="http://schemas.microsoft.com/office/drawing/2014/main" id="{99B30C60-2156-499A-A78E-D5F31DE0CC59}"/>
-              </a:ext>
-            </a:extLst>
-          </p:cNvPr>
+            <a:endParaRPr lang="en-US" dirty="0"/>
+          </a:p>
+        </p:txBody>
+      </p:sp>
+      <p:sp>
+        <p:nvSpPr>
+          <p:cNvPr id="4" name="Date Placeholder 3"/>
           <p:cNvSpPr>
             <a:spLocks noGrp="1"/>
           </p:cNvSpPr>
@@ -667,7 +3196,7 @@
           <a:p>
             <a:fld id="{15EEF4E6-CD4E-4E66-A637-5ABDF039D94B}" type="datetimeFigureOut">
               <a:rPr lang="en-AU" smtClean="0"/>
-              <a:t>26/03/2021</a:t>
+              <a:t>30/03/2021</a:t>
             </a:fld>
             <a:endParaRPr lang="en-AU"/>
           </a:p>
@@ -675,13 +3204,7 @@
       </p:sp>
       <p:sp>
         <p:nvSpPr>
-          <p:cNvPr id="5" name="Footer Placeholder 4">
-            <a:extLst>
-              <a:ext uri="{FF2B5EF4-FFF2-40B4-BE49-F238E27FC236}">
-                <a16:creationId xmlns:a16="http://schemas.microsoft.com/office/drawing/2014/main" id="{AA602B04-3275-4D9B-9DED-C48727A89FF8}"/>
-              </a:ext>
-            </a:extLst>
-          </p:cNvPr>
+          <p:cNvPr id="5" name="Footer Placeholder 4"/>
           <p:cNvSpPr>
             <a:spLocks noGrp="1"/>
           </p:cNvSpPr>
@@ -700,13 +3223,7 @@
       </p:sp>
       <p:sp>
         <p:nvSpPr>
-          <p:cNvPr id="6" name="Slide Number Placeholder 5">
-            <a:extLst>
-              <a:ext uri="{FF2B5EF4-FFF2-40B4-BE49-F238E27FC236}">
-                <a16:creationId xmlns:a16="http://schemas.microsoft.com/office/drawing/2014/main" id="{5DEEF462-F2D2-47CA-AB4F-1173E33489BC}"/>
-              </a:ext>
-            </a:extLst>
-          </p:cNvPr>
+          <p:cNvPr id="6" name="Slide Number Placeholder 5"/>
           <p:cNvSpPr>
             <a:spLocks noGrp="1"/>
           </p:cNvSpPr>
@@ -730,7 +3247,7 @@
     </p:spTree>
     <p:extLst>
       <p:ext uri="{BB962C8B-B14F-4D97-AF65-F5344CB8AC3E}">
-        <p14:creationId xmlns:p14="http://schemas.microsoft.com/office/powerpoint/2010/main" val="815495214"/>
+        <p14:creationId xmlns:p14="http://schemas.microsoft.com/office/powerpoint/2010/main" val="842492384"/>
       </p:ext>
     </p:extLst>
   </p:cSld>
@@ -759,13 +3276,7 @@
       </p:grpSpPr>
       <p:sp>
         <p:nvSpPr>
-          <p:cNvPr id="2" name="Title 1">
-            <a:extLst>
-              <a:ext uri="{FF2B5EF4-FFF2-40B4-BE49-F238E27FC236}">
-                <a16:creationId xmlns:a16="http://schemas.microsoft.com/office/drawing/2014/main" id="{44167ADF-FB7B-44FA-ABC2-F1E6EA896205}"/>
-              </a:ext>
-            </a:extLst>
-          </p:cNvPr>
+          <p:cNvPr id="8" name="Title 1"/>
           <p:cNvSpPr>
             <a:spLocks noGrp="1"/>
           </p:cNvSpPr>
@@ -782,19 +3293,13 @@
               <a:rPr lang="en-US"/>
               <a:t>Click to edit Master title style</a:t>
             </a:r>
-            <a:endParaRPr lang="en-AU"/>
-          </a:p>
-        </p:txBody>
-      </p:sp>
-      <p:sp>
-        <p:nvSpPr>
-          <p:cNvPr id="3" name="Content Placeholder 2">
-            <a:extLst>
-              <a:ext uri="{FF2B5EF4-FFF2-40B4-BE49-F238E27FC236}">
-                <a16:creationId xmlns:a16="http://schemas.microsoft.com/office/drawing/2014/main" id="{ABBF18DD-EFA2-49ED-86BF-AC356CE5C3F9}"/>
-              </a:ext>
-            </a:extLst>
-          </p:cNvPr>
+            <a:endParaRPr lang="en-US" dirty="0"/>
+          </a:p>
+        </p:txBody>
+      </p:sp>
+      <p:sp>
+        <p:nvSpPr>
+          <p:cNvPr id="3" name="Content Placeholder 2"/>
           <p:cNvSpPr>
             <a:spLocks noGrp="1"/>
           </p:cNvSpPr>
@@ -810,7 +3315,7 @@
             <a:pPr lvl="0"/>
             <a:r>
               <a:rPr lang="en-US"/>
-              <a:t>Click to edit Master text styles</a:t>
+              <a:t>Edit Master text styles</a:t>
             </a:r>
           </a:p>
           <a:p>
@@ -840,19 +3345,13 @@
               <a:rPr lang="en-US"/>
               <a:t>Fifth level</a:t>
             </a:r>
-            <a:endParaRPr lang="en-AU"/>
-          </a:p>
-        </p:txBody>
-      </p:sp>
-      <p:sp>
-        <p:nvSpPr>
-          <p:cNvPr id="4" name="Date Placeholder 3">
-            <a:extLst>
-              <a:ext uri="{FF2B5EF4-FFF2-40B4-BE49-F238E27FC236}">
-                <a16:creationId xmlns:a16="http://schemas.microsoft.com/office/drawing/2014/main" id="{E1B01D31-9A6A-437B-89DD-FC1111B53EDB}"/>
-              </a:ext>
-            </a:extLst>
-          </p:cNvPr>
+            <a:endParaRPr lang="en-US" dirty="0"/>
+          </a:p>
+        </p:txBody>
+      </p:sp>
+      <p:sp>
+        <p:nvSpPr>
+          <p:cNvPr id="4" name="Date Placeholder 3"/>
           <p:cNvSpPr>
             <a:spLocks noGrp="1"/>
           </p:cNvSpPr>
@@ -867,7 +3366,7 @@
           <a:p>
             <a:fld id="{15EEF4E6-CD4E-4E66-A637-5ABDF039D94B}" type="datetimeFigureOut">
               <a:rPr lang="en-AU" smtClean="0"/>
-              <a:t>26/03/2021</a:t>
+              <a:t>30/03/2021</a:t>
             </a:fld>
             <a:endParaRPr lang="en-AU"/>
           </a:p>
@@ -875,13 +3374,7 @@
       </p:sp>
       <p:sp>
         <p:nvSpPr>
-          <p:cNvPr id="5" name="Footer Placeholder 4">
-            <a:extLst>
-              <a:ext uri="{FF2B5EF4-FFF2-40B4-BE49-F238E27FC236}">
-                <a16:creationId xmlns:a16="http://schemas.microsoft.com/office/drawing/2014/main" id="{1FF47E03-DF91-4E0E-928E-BB37E15B552B}"/>
-              </a:ext>
-            </a:extLst>
-          </p:cNvPr>
+          <p:cNvPr id="5" name="Footer Placeholder 4"/>
           <p:cNvSpPr>
             <a:spLocks noGrp="1"/>
           </p:cNvSpPr>
@@ -900,13 +3393,7 @@
       </p:sp>
       <p:sp>
         <p:nvSpPr>
-          <p:cNvPr id="6" name="Slide Number Placeholder 5">
-            <a:extLst>
-              <a:ext uri="{FF2B5EF4-FFF2-40B4-BE49-F238E27FC236}">
-                <a16:creationId xmlns:a16="http://schemas.microsoft.com/office/drawing/2014/main" id="{D0EC4794-E615-433D-AF44-9DBCC61BF9C5}"/>
-              </a:ext>
-            </a:extLst>
-          </p:cNvPr>
+          <p:cNvPr id="6" name="Slide Number Placeholder 5"/>
           <p:cNvSpPr>
             <a:spLocks noGrp="1"/>
           </p:cNvSpPr>
@@ -930,7 +3417,7 @@
     </p:spTree>
     <p:extLst>
       <p:ext uri="{BB962C8B-B14F-4D97-AF65-F5344CB8AC3E}">
-        <p14:creationId xmlns:p14="http://schemas.microsoft.com/office/powerpoint/2010/main" val="856596839"/>
+        <p14:creationId xmlns:p14="http://schemas.microsoft.com/office/powerpoint/2010/main" val="4273448226"/>
       </p:ext>
     </p:extLst>
   </p:cSld>
@@ -959,31 +3446,59 @@
       </p:grpSpPr>
       <p:sp>
         <p:nvSpPr>
-          <p:cNvPr id="2" name="Title 1">
-            <a:extLst>
-              <a:ext uri="{FF2B5EF4-FFF2-40B4-BE49-F238E27FC236}">
-                <a16:creationId xmlns:a16="http://schemas.microsoft.com/office/drawing/2014/main" id="{E83CA9CB-7072-4436-965E-458407B41627}"/>
-              </a:ext>
-            </a:extLst>
-          </p:cNvPr>
-          <p:cNvSpPr>
-            <a:spLocks noGrp="1"/>
-          </p:cNvSpPr>
-          <p:nvPr>
-            <p:ph type="title"/>
-          </p:nvPr>
-        </p:nvSpPr>
-        <p:spPr>
-          <a:xfrm>
-            <a:off x="831850" y="1709738"/>
-            <a:ext cx="10515600" cy="2852737"/>
-          </a:xfrm>
-        </p:spPr>
-        <p:txBody>
-          <a:bodyPr anchor="b"/>
+          <p:cNvPr id="7" name="Title 1"/>
+          <p:cNvSpPr>
+            <a:spLocks noGrp="1"/>
+          </p:cNvSpPr>
+          <p:nvPr>
+            <p:ph type="ctrTitle"/>
+          </p:nvPr>
+        </p:nvSpPr>
+        <p:spPr>
+          <a:xfrm>
+            <a:off x="854532" y="4464028"/>
+            <a:ext cx="9144000" cy="1641490"/>
+          </a:xfrm>
+        </p:spPr>
+        <p:txBody>
+          <a:bodyPr wrap="none" anchor="t">
+            <a:normAutofit/>
+          </a:bodyPr>
           <a:lstStyle>
-            <a:lvl1pPr>
-              <a:defRPr sz="6000"/>
+            <a:lvl1pPr algn="l">
+              <a:defRPr sz="9600" b="0" spc="-300">
+                <a:gradFill flip="none" rotWithShape="1">
+                  <a:gsLst>
+                    <a:gs pos="32000">
+                      <a:schemeClr val="tx1">
+                        <a:lumMod val="89000"/>
+                      </a:schemeClr>
+                    </a:gs>
+                    <a:gs pos="0">
+                      <a:schemeClr val="bg1">
+                        <a:lumMod val="47000"/>
+                        <a:lumOff val="53000"/>
+                      </a:schemeClr>
+                    </a:gs>
+                    <a:gs pos="100000">
+                      <a:schemeClr val="tx2">
+                        <a:lumMod val="0"/>
+                        <a:lumOff val="100000"/>
+                      </a:schemeClr>
+                    </a:gs>
+                  </a:gsLst>
+                  <a:lin ang="8100000" scaled="1"/>
+                  <a:tileRect/>
+                </a:gradFill>
+                <a:effectLst>
+                  <a:outerShdw blurRad="469900" dist="342900" dir="5400000" sy="-20000" rotWithShape="0">
+                    <a:prstClr val="black">
+                      <a:alpha val="66000"/>
+                    </a:prstClr>
+                  </a:outerShdw>
+                </a:effectLst>
+                <a:latin typeface="+mj-lt"/>
+              </a:defRPr>
             </a:lvl1pPr>
           </a:lstStyle>
           <a:p>
@@ -991,144 +3506,109 @@
               <a:rPr lang="en-US"/>
               <a:t>Click to edit Master title style</a:t>
             </a:r>
-            <a:endParaRPr lang="en-AU"/>
-          </a:p>
-        </p:txBody>
-      </p:sp>
-      <p:sp>
-        <p:nvSpPr>
-          <p:cNvPr id="3" name="Text Placeholder 2">
-            <a:extLst>
-              <a:ext uri="{FF2B5EF4-FFF2-40B4-BE49-F238E27FC236}">
-                <a16:creationId xmlns:a16="http://schemas.microsoft.com/office/drawing/2014/main" id="{21C51F92-7A66-453D-996E-B2C7D370A5FB}"/>
-              </a:ext>
-            </a:extLst>
-          </p:cNvPr>
-          <p:cNvSpPr>
-            <a:spLocks noGrp="1"/>
-          </p:cNvSpPr>
-          <p:nvPr>
-            <p:ph type="body" idx="1"/>
-          </p:nvPr>
-        </p:nvSpPr>
-        <p:spPr>
-          <a:xfrm>
-            <a:off x="831850" y="4589463"/>
-            <a:ext cx="10515600" cy="1500187"/>
-          </a:xfrm>
-        </p:spPr>
-        <p:txBody>
-          <a:bodyPr/>
+            <a:endParaRPr lang="en-US" dirty="0"/>
+          </a:p>
+        </p:txBody>
+      </p:sp>
+      <p:sp>
+        <p:nvSpPr>
+          <p:cNvPr id="8" name="Subtitle 2"/>
+          <p:cNvSpPr>
+            <a:spLocks noGrp="1"/>
+          </p:cNvSpPr>
+          <p:nvPr>
+            <p:ph type="subTitle" idx="1"/>
+          </p:nvPr>
+        </p:nvSpPr>
+        <p:spPr>
+          <a:xfrm>
+            <a:off x="854532" y="3693674"/>
+            <a:ext cx="9144000" cy="754025"/>
+          </a:xfrm>
+        </p:spPr>
+        <p:txBody>
+          <a:bodyPr anchor="b">
+            <a:normAutofit/>
+          </a:bodyPr>
           <a:lstStyle>
-            <a:lvl1pPr marL="0" indent="0">
-              <a:buNone/>
-              <a:defRPr sz="2400">
-                <a:solidFill>
-                  <a:schemeClr val="tx1">
-                    <a:tint val="75000"/>
-                  </a:schemeClr>
-                </a:solidFill>
+            <a:lvl1pPr marL="0" indent="0" algn="l">
+              <a:buNone/>
+              <a:defRPr sz="3200" b="0">
+                <a:gradFill flip="none" rotWithShape="1">
+                  <a:gsLst>
+                    <a:gs pos="15000">
+                      <a:schemeClr val="tx2"/>
+                    </a:gs>
+                    <a:gs pos="73000">
+                      <a:schemeClr val="tx2">
+                        <a:lumMod val="60000"/>
+                        <a:lumOff val="40000"/>
+                      </a:schemeClr>
+                    </a:gs>
+                    <a:gs pos="0">
+                      <a:schemeClr val="tx2">
+                        <a:lumMod val="90000"/>
+                        <a:lumOff val="10000"/>
+                      </a:schemeClr>
+                    </a:gs>
+                    <a:gs pos="100000">
+                      <a:schemeClr val="tx2">
+                        <a:lumMod val="0"/>
+                        <a:lumOff val="100000"/>
+                      </a:schemeClr>
+                    </a:gs>
+                  </a:gsLst>
+                  <a:lin ang="16200000" scaled="1"/>
+                  <a:tileRect/>
+                </a:gradFill>
+                <a:latin typeface="+mj-lt"/>
               </a:defRPr>
             </a:lvl1pPr>
-            <a:lvl2pPr marL="457200" indent="0">
-              <a:buNone/>
-              <a:defRPr sz="2000">
-                <a:solidFill>
-                  <a:schemeClr val="tx1">
-                    <a:tint val="75000"/>
-                  </a:schemeClr>
-                </a:solidFill>
-              </a:defRPr>
+            <a:lvl2pPr marL="457200" indent="0" algn="ctr">
+              <a:buNone/>
+              <a:defRPr sz="2000"/>
             </a:lvl2pPr>
-            <a:lvl3pPr marL="914400" indent="0">
-              <a:buNone/>
-              <a:defRPr sz="1800">
-                <a:solidFill>
-                  <a:schemeClr val="tx1">
-                    <a:tint val="75000"/>
-                  </a:schemeClr>
-                </a:solidFill>
-              </a:defRPr>
+            <a:lvl3pPr marL="914400" indent="0" algn="ctr">
+              <a:buNone/>
+              <a:defRPr sz="1800"/>
             </a:lvl3pPr>
-            <a:lvl4pPr marL="1371600" indent="0">
-              <a:buNone/>
-              <a:defRPr sz="1600">
-                <a:solidFill>
-                  <a:schemeClr val="tx1">
-                    <a:tint val="75000"/>
-                  </a:schemeClr>
-                </a:solidFill>
-              </a:defRPr>
+            <a:lvl4pPr marL="1371600" indent="0" algn="ctr">
+              <a:buNone/>
+              <a:defRPr sz="1600"/>
             </a:lvl4pPr>
-            <a:lvl5pPr marL="1828800" indent="0">
-              <a:buNone/>
-              <a:defRPr sz="1600">
-                <a:solidFill>
-                  <a:schemeClr val="tx1">
-                    <a:tint val="75000"/>
-                  </a:schemeClr>
-                </a:solidFill>
-              </a:defRPr>
+            <a:lvl5pPr marL="1828800" indent="0" algn="ctr">
+              <a:buNone/>
+              <a:defRPr sz="1600"/>
             </a:lvl5pPr>
-            <a:lvl6pPr marL="2286000" indent="0">
-              <a:buNone/>
-              <a:defRPr sz="1600">
-                <a:solidFill>
-                  <a:schemeClr val="tx1">
-                    <a:tint val="75000"/>
-                  </a:schemeClr>
-                </a:solidFill>
-              </a:defRPr>
+            <a:lvl6pPr marL="2286000" indent="0" algn="ctr">
+              <a:buNone/>
+              <a:defRPr sz="1600"/>
             </a:lvl6pPr>
-            <a:lvl7pPr marL="2743200" indent="0">
-              <a:buNone/>
-              <a:defRPr sz="1600">
-                <a:solidFill>
-                  <a:schemeClr val="tx1">
-                    <a:tint val="75000"/>
-                  </a:schemeClr>
-                </a:solidFill>
-              </a:defRPr>
+            <a:lvl7pPr marL="2743200" indent="0" algn="ctr">
+              <a:buNone/>
+              <a:defRPr sz="1600"/>
             </a:lvl7pPr>
-            <a:lvl8pPr marL="3200400" indent="0">
-              <a:buNone/>
-              <a:defRPr sz="1600">
-                <a:solidFill>
-                  <a:schemeClr val="tx1">
-                    <a:tint val="75000"/>
-                  </a:schemeClr>
-                </a:solidFill>
-              </a:defRPr>
+            <a:lvl8pPr marL="3200400" indent="0" algn="ctr">
+              <a:buNone/>
+              <a:defRPr sz="1600"/>
             </a:lvl8pPr>
-            <a:lvl9pPr marL="3657600" indent="0">
-              <a:buNone/>
-              <a:defRPr sz="1600">
-                <a:solidFill>
-                  <a:schemeClr val="tx1">
-                    <a:tint val="75000"/>
-                  </a:schemeClr>
-                </a:solidFill>
-              </a:defRPr>
+            <a:lvl9pPr marL="3657600" indent="0" algn="ctr">
+              <a:buNone/>
+              <a:defRPr sz="1600"/>
             </a:lvl9pPr>
           </a:lstStyle>
           <a:p>
-            <a:pPr lvl="0"/>
-            <a:r>
-              <a:rPr lang="en-US"/>
-              <a:t>Click to edit Master text styles</a:t>
-            </a:r>
-          </a:p>
-        </p:txBody>
-      </p:sp>
-      <p:sp>
-        <p:nvSpPr>
-          <p:cNvPr id="4" name="Date Placeholder 3">
-            <a:extLst>
-              <a:ext uri="{FF2B5EF4-FFF2-40B4-BE49-F238E27FC236}">
-                <a16:creationId xmlns:a16="http://schemas.microsoft.com/office/drawing/2014/main" id="{12CA0867-E220-47B1-BA9A-8BA00F112760}"/>
-              </a:ext>
-            </a:extLst>
-          </p:cNvPr>
+            <a:r>
+              <a:rPr lang="en-US"/>
+              <a:t>Click to edit Master subtitle style</a:t>
+            </a:r>
+            <a:endParaRPr lang="en-US" dirty="0"/>
+          </a:p>
+        </p:txBody>
+      </p:sp>
+      <p:sp>
+        <p:nvSpPr>
+          <p:cNvPr id="4" name="Date Placeholder 3"/>
           <p:cNvSpPr>
             <a:spLocks noGrp="1"/>
           </p:cNvSpPr>
@@ -1143,7 +3623,7 @@
           <a:p>
             <a:fld id="{15EEF4E6-CD4E-4E66-A637-5ABDF039D94B}" type="datetimeFigureOut">
               <a:rPr lang="en-AU" smtClean="0"/>
-              <a:t>26/03/2021</a:t>
+              <a:t>30/03/2021</a:t>
             </a:fld>
             <a:endParaRPr lang="en-AU"/>
           </a:p>
@@ -1151,13 +3631,7 @@
       </p:sp>
       <p:sp>
         <p:nvSpPr>
-          <p:cNvPr id="5" name="Footer Placeholder 4">
-            <a:extLst>
-              <a:ext uri="{FF2B5EF4-FFF2-40B4-BE49-F238E27FC236}">
-                <a16:creationId xmlns:a16="http://schemas.microsoft.com/office/drawing/2014/main" id="{E1539B23-62A8-428E-8259-DDBFF289E548}"/>
-              </a:ext>
-            </a:extLst>
-          </p:cNvPr>
+          <p:cNvPr id="5" name="Footer Placeholder 4"/>
           <p:cNvSpPr>
             <a:spLocks noGrp="1"/>
           </p:cNvSpPr>
@@ -1176,13 +3650,7 @@
       </p:sp>
       <p:sp>
         <p:nvSpPr>
-          <p:cNvPr id="6" name="Slide Number Placeholder 5">
-            <a:extLst>
-              <a:ext uri="{FF2B5EF4-FFF2-40B4-BE49-F238E27FC236}">
-                <a16:creationId xmlns:a16="http://schemas.microsoft.com/office/drawing/2014/main" id="{B9DF30DE-D356-4FD7-9408-549239544422}"/>
-              </a:ext>
-            </a:extLst>
-          </p:cNvPr>
+          <p:cNvPr id="6" name="Slide Number Placeholder 5"/>
           <p:cNvSpPr>
             <a:spLocks noGrp="1"/>
           </p:cNvSpPr>
@@ -1206,7 +3674,7 @@
     </p:spTree>
     <p:extLst>
       <p:ext uri="{BB962C8B-B14F-4D97-AF65-F5344CB8AC3E}">
-        <p14:creationId xmlns:p14="http://schemas.microsoft.com/office/powerpoint/2010/main" val="3469540042"/>
+        <p14:creationId xmlns:p14="http://schemas.microsoft.com/office/powerpoint/2010/main" val="2517017785"/>
       </p:ext>
     </p:extLst>
   </p:cSld>
@@ -1235,13 +3703,7 @@
       </p:grpSpPr>
       <p:sp>
         <p:nvSpPr>
-          <p:cNvPr id="2" name="Title 1">
-            <a:extLst>
-              <a:ext uri="{FF2B5EF4-FFF2-40B4-BE49-F238E27FC236}">
-                <a16:creationId xmlns:a16="http://schemas.microsoft.com/office/drawing/2014/main" id="{E4A9BD48-4F9D-48E2-A75F-4EC9D2EA87B5}"/>
-              </a:ext>
-            </a:extLst>
-          </p:cNvPr>
+          <p:cNvPr id="2" name="Title 1"/>
           <p:cNvSpPr>
             <a:spLocks noGrp="1"/>
           </p:cNvSpPr>
@@ -1258,19 +3720,13 @@
               <a:rPr lang="en-US"/>
               <a:t>Click to edit Master title style</a:t>
             </a:r>
-            <a:endParaRPr lang="en-AU"/>
-          </a:p>
-        </p:txBody>
-      </p:sp>
-      <p:sp>
-        <p:nvSpPr>
-          <p:cNvPr id="3" name="Content Placeholder 2">
-            <a:extLst>
-              <a:ext uri="{FF2B5EF4-FFF2-40B4-BE49-F238E27FC236}">
-                <a16:creationId xmlns:a16="http://schemas.microsoft.com/office/drawing/2014/main" id="{D3A3DEFB-A65E-4789-863A-18119DB76456}"/>
-              </a:ext>
-            </a:extLst>
-          </p:cNvPr>
+            <a:endParaRPr lang="en-US" dirty="0"/>
+          </a:p>
+        </p:txBody>
+      </p:sp>
+      <p:sp>
+        <p:nvSpPr>
+          <p:cNvPr id="3" name="Content Placeholder 2"/>
           <p:cNvSpPr>
             <a:spLocks noGrp="1"/>
           </p:cNvSpPr>
@@ -1280,8 +3736,8 @@
         </p:nvSpPr>
         <p:spPr>
           <a:xfrm>
-            <a:off x="838200" y="1825625"/>
-            <a:ext cx="5181600" cy="4351338"/>
+            <a:off x="1120000" y="1825625"/>
+            <a:ext cx="5025216" cy="4351338"/>
           </a:xfrm>
         </p:spPr>
         <p:txBody>
@@ -1291,7 +3747,7 @@
             <a:pPr lvl="0"/>
             <a:r>
               <a:rPr lang="en-US"/>
-              <a:t>Click to edit Master text styles</a:t>
+              <a:t>Edit Master text styles</a:t>
             </a:r>
           </a:p>
           <a:p>
@@ -1321,19 +3777,13 @@
               <a:rPr lang="en-US"/>
               <a:t>Fifth level</a:t>
             </a:r>
-            <a:endParaRPr lang="en-AU"/>
-          </a:p>
-        </p:txBody>
-      </p:sp>
-      <p:sp>
-        <p:nvSpPr>
-          <p:cNvPr id="4" name="Content Placeholder 3">
-            <a:extLst>
-              <a:ext uri="{FF2B5EF4-FFF2-40B4-BE49-F238E27FC236}">
-                <a16:creationId xmlns:a16="http://schemas.microsoft.com/office/drawing/2014/main" id="{C2EE8209-D7BC-4B66-97FA-4423EFD0B0B1}"/>
-              </a:ext>
-            </a:extLst>
-          </p:cNvPr>
+            <a:endParaRPr lang="en-US" dirty="0"/>
+          </a:p>
+        </p:txBody>
+      </p:sp>
+      <p:sp>
+        <p:nvSpPr>
+          <p:cNvPr id="4" name="Content Placeholder 3"/>
           <p:cNvSpPr>
             <a:spLocks noGrp="1"/>
           </p:cNvSpPr>
@@ -1343,8 +3793,8 @@
         </p:nvSpPr>
         <p:spPr>
           <a:xfrm>
-            <a:off x="6172200" y="1825625"/>
-            <a:ext cx="5181600" cy="4351338"/>
+            <a:off x="6319840" y="1825625"/>
+            <a:ext cx="5033960" cy="4351338"/>
           </a:xfrm>
         </p:spPr>
         <p:txBody>
@@ -1354,7 +3804,7 @@
             <a:pPr lvl="0"/>
             <a:r>
               <a:rPr lang="en-US"/>
-              <a:t>Click to edit Master text styles</a:t>
+              <a:t>Edit Master text styles</a:t>
             </a:r>
           </a:p>
           <a:p>
@@ -1384,19 +3834,13 @@
               <a:rPr lang="en-US"/>
               <a:t>Fifth level</a:t>
             </a:r>
-            <a:endParaRPr lang="en-AU"/>
-          </a:p>
-        </p:txBody>
-      </p:sp>
-      <p:sp>
-        <p:nvSpPr>
-          <p:cNvPr id="5" name="Date Placeholder 4">
-            <a:extLst>
-              <a:ext uri="{FF2B5EF4-FFF2-40B4-BE49-F238E27FC236}">
-                <a16:creationId xmlns:a16="http://schemas.microsoft.com/office/drawing/2014/main" id="{5AE8DD04-AAD2-4895-A452-724B4453BC18}"/>
-              </a:ext>
-            </a:extLst>
-          </p:cNvPr>
+            <a:endParaRPr lang="en-US" dirty="0"/>
+          </a:p>
+        </p:txBody>
+      </p:sp>
+      <p:sp>
+        <p:nvSpPr>
+          <p:cNvPr id="5" name="Date Placeholder 4"/>
           <p:cNvSpPr>
             <a:spLocks noGrp="1"/>
           </p:cNvSpPr>
@@ -1411,7 +3855,7 @@
           <a:p>
             <a:fld id="{15EEF4E6-CD4E-4E66-A637-5ABDF039D94B}" type="datetimeFigureOut">
               <a:rPr lang="en-AU" smtClean="0"/>
-              <a:t>26/03/2021</a:t>
+              <a:t>30/03/2021</a:t>
             </a:fld>
             <a:endParaRPr lang="en-AU"/>
           </a:p>
@@ -1419,13 +3863,7 @@
       </p:sp>
       <p:sp>
         <p:nvSpPr>
-          <p:cNvPr id="6" name="Footer Placeholder 5">
-            <a:extLst>
-              <a:ext uri="{FF2B5EF4-FFF2-40B4-BE49-F238E27FC236}">
-                <a16:creationId xmlns:a16="http://schemas.microsoft.com/office/drawing/2014/main" id="{35AB0D8C-284C-4407-8F70-B353A415FCF2}"/>
-              </a:ext>
-            </a:extLst>
-          </p:cNvPr>
+          <p:cNvPr id="6" name="Footer Placeholder 5"/>
           <p:cNvSpPr>
             <a:spLocks noGrp="1"/>
           </p:cNvSpPr>
@@ -1444,13 +3882,7 @@
       </p:sp>
       <p:sp>
         <p:nvSpPr>
-          <p:cNvPr id="7" name="Slide Number Placeholder 6">
-            <a:extLst>
-              <a:ext uri="{FF2B5EF4-FFF2-40B4-BE49-F238E27FC236}">
-                <a16:creationId xmlns:a16="http://schemas.microsoft.com/office/drawing/2014/main" id="{F4556077-0DD7-43BB-8009-2825BA1D1177}"/>
-              </a:ext>
-            </a:extLst>
-          </p:cNvPr>
+          <p:cNvPr id="7" name="Slide Number Placeholder 6"/>
           <p:cNvSpPr>
             <a:spLocks noGrp="1"/>
           </p:cNvSpPr>
@@ -1474,7 +3906,7 @@
     </p:spTree>
     <p:extLst>
       <p:ext uri="{BB962C8B-B14F-4D97-AF65-F5344CB8AC3E}">
-        <p14:creationId xmlns:p14="http://schemas.microsoft.com/office/powerpoint/2010/main" val="3258295361"/>
+        <p14:creationId xmlns:p14="http://schemas.microsoft.com/office/powerpoint/2010/main" val="2541975596"/>
       </p:ext>
     </p:extLst>
   </p:cSld>
@@ -1503,13 +3935,7 @@
       </p:grpSpPr>
       <p:sp>
         <p:nvSpPr>
-          <p:cNvPr id="2" name="Title 1">
-            <a:extLst>
-              <a:ext uri="{FF2B5EF4-FFF2-40B4-BE49-F238E27FC236}">
-                <a16:creationId xmlns:a16="http://schemas.microsoft.com/office/drawing/2014/main" id="{7DE8AA04-A8EA-4774-82F7-83788A1580E8}"/>
-              </a:ext>
-            </a:extLst>
-          </p:cNvPr>
+          <p:cNvPr id="2" name="Title 1"/>
           <p:cNvSpPr>
             <a:spLocks noGrp="1"/>
           </p:cNvSpPr>
@@ -1531,19 +3957,13 @@
               <a:rPr lang="en-US"/>
               <a:t>Click to edit Master title style</a:t>
             </a:r>
-            <a:endParaRPr lang="en-AU"/>
-          </a:p>
-        </p:txBody>
-      </p:sp>
-      <p:sp>
-        <p:nvSpPr>
-          <p:cNvPr id="3" name="Text Placeholder 2">
-            <a:extLst>
-              <a:ext uri="{FF2B5EF4-FFF2-40B4-BE49-F238E27FC236}">
-                <a16:creationId xmlns:a16="http://schemas.microsoft.com/office/drawing/2014/main" id="{5CE2F6CF-4BF4-464A-B4D3-45D27F917DA2}"/>
-              </a:ext>
-            </a:extLst>
-          </p:cNvPr>
+            <a:endParaRPr lang="en-US" dirty="0"/>
+          </a:p>
+        </p:txBody>
+      </p:sp>
+      <p:sp>
+        <p:nvSpPr>
+          <p:cNvPr id="3" name="Text Placeholder 2"/>
           <p:cNvSpPr>
             <a:spLocks noGrp="1"/>
           </p:cNvSpPr>
@@ -1553,8 +3973,8 @@
         </p:nvSpPr>
         <p:spPr>
           <a:xfrm>
-            <a:off x="839788" y="1681163"/>
-            <a:ext cx="5157787" cy="823912"/>
+            <a:off x="1120000" y="1681163"/>
+            <a:ext cx="5025216" cy="823912"/>
           </a:xfrm>
         </p:spPr>
         <p:txBody>
@@ -1562,7 +3982,34 @@
           <a:lstStyle>
             <a:lvl1pPr marL="0" indent="0">
               <a:buNone/>
-              <a:defRPr sz="2400" b="1"/>
+              <a:defRPr sz="2400" b="0">
+                <a:gradFill>
+                  <a:gsLst>
+                    <a:gs pos="15000">
+                      <a:schemeClr val="tx2"/>
+                    </a:gs>
+                    <a:gs pos="73000">
+                      <a:schemeClr val="tx2">
+                        <a:lumMod val="60000"/>
+                        <a:lumOff val="40000"/>
+                      </a:schemeClr>
+                    </a:gs>
+                    <a:gs pos="0">
+                      <a:schemeClr val="tx2">
+                        <a:lumMod val="90000"/>
+                        <a:lumOff val="10000"/>
+                      </a:schemeClr>
+                    </a:gs>
+                    <a:gs pos="100000">
+                      <a:schemeClr val="tx2">
+                        <a:lumMod val="0"/>
+                        <a:lumOff val="100000"/>
+                      </a:schemeClr>
+                    </a:gs>
+                  </a:gsLst>
+                  <a:lin ang="16200000" scaled="1"/>
+                </a:gradFill>
+              </a:defRPr>
             </a:lvl1pPr>
             <a:lvl2pPr marL="457200" indent="0">
               <a:buNone/>
@@ -1601,20 +4048,14 @@
             <a:pPr lvl="0"/>
             <a:r>
               <a:rPr lang="en-US"/>
-              <a:t>Click to edit Master text styles</a:t>
-            </a:r>
-          </a:p>
-        </p:txBody>
-      </p:sp>
-      <p:sp>
-        <p:nvSpPr>
-          <p:cNvPr id="4" name="Content Placeholder 3">
-            <a:extLst>
-              <a:ext uri="{FF2B5EF4-FFF2-40B4-BE49-F238E27FC236}">
-                <a16:creationId xmlns:a16="http://schemas.microsoft.com/office/drawing/2014/main" id="{8FDD7C5C-9F1B-41DE-A764-D709B83842C0}"/>
-              </a:ext>
-            </a:extLst>
-          </p:cNvPr>
+              <a:t>Edit Master text styles</a:t>
+            </a:r>
+          </a:p>
+        </p:txBody>
+      </p:sp>
+      <p:sp>
+        <p:nvSpPr>
+          <p:cNvPr id="4" name="Content Placeholder 3"/>
           <p:cNvSpPr>
             <a:spLocks noGrp="1"/>
           </p:cNvSpPr>
@@ -1624,8 +4065,8 @@
         </p:nvSpPr>
         <p:spPr>
           <a:xfrm>
-            <a:off x="839788" y="2505075"/>
-            <a:ext cx="5157787" cy="3684588"/>
+            <a:off x="1120000" y="2505075"/>
+            <a:ext cx="5025216" cy="3684588"/>
           </a:xfrm>
         </p:spPr>
         <p:txBody>
@@ -1635,7 +4076,7 @@
             <a:pPr lvl="0"/>
             <a:r>
               <a:rPr lang="en-US"/>
-              <a:t>Click to edit Master text styles</a:t>
+              <a:t>Edit Master text styles</a:t>
             </a:r>
           </a:p>
           <a:p>
@@ -1665,19 +4106,13 @@
               <a:rPr lang="en-US"/>
               <a:t>Fifth level</a:t>
             </a:r>
-            <a:endParaRPr lang="en-AU"/>
-          </a:p>
-        </p:txBody>
-      </p:sp>
-      <p:sp>
-        <p:nvSpPr>
-          <p:cNvPr id="5" name="Text Placeholder 4">
-            <a:extLst>
-              <a:ext uri="{FF2B5EF4-FFF2-40B4-BE49-F238E27FC236}">
-                <a16:creationId xmlns:a16="http://schemas.microsoft.com/office/drawing/2014/main" id="{B4CE9D94-6BD0-42F9-A6A6-AC7A3C8A72DB}"/>
-              </a:ext>
-            </a:extLst>
-          </p:cNvPr>
+            <a:endParaRPr lang="en-US" dirty="0"/>
+          </a:p>
+        </p:txBody>
+      </p:sp>
+      <p:sp>
+        <p:nvSpPr>
+          <p:cNvPr id="5" name="Text Placeholder 4"/>
           <p:cNvSpPr>
             <a:spLocks noGrp="1"/>
           </p:cNvSpPr>
@@ -1687,89 +4122,82 @@
         </p:nvSpPr>
         <p:spPr>
           <a:xfrm>
-            <a:off x="6172200" y="1681163"/>
-            <a:ext cx="5183188" cy="823912"/>
-          </a:xfrm>
-        </p:spPr>
-        <p:txBody>
-          <a:bodyPr anchor="b"/>
+            <a:off x="6319840" y="1681163"/>
+            <a:ext cx="5035548" cy="823912"/>
+          </a:xfrm>
+        </p:spPr>
+        <p:txBody>
+          <a:bodyPr vert="horz" lIns="91440" tIns="45720" rIns="91440" bIns="45720" rtlCol="0" anchor="b">
+            <a:normAutofit/>
+          </a:bodyPr>
           <a:lstStyle>
-            <a:lvl1pPr marL="0" indent="0">
-              <a:buNone/>
-              <a:defRPr sz="2400" b="1"/>
+            <a:lvl1pPr>
+              <a:buNone/>
+              <a:defRPr lang="en-US" sz="2400" b="0">
+                <a:gradFill>
+                  <a:gsLst>
+                    <a:gs pos="15000">
+                      <a:schemeClr val="tx2"/>
+                    </a:gs>
+                    <a:gs pos="73000">
+                      <a:schemeClr val="tx2">
+                        <a:lumMod val="60000"/>
+                        <a:lumOff val="40000"/>
+                      </a:schemeClr>
+                    </a:gs>
+                    <a:gs pos="0">
+                      <a:schemeClr val="tx2">
+                        <a:lumMod val="90000"/>
+                        <a:lumOff val="10000"/>
+                      </a:schemeClr>
+                    </a:gs>
+                    <a:gs pos="100000">
+                      <a:schemeClr val="tx2">
+                        <a:lumMod val="0"/>
+                        <a:lumOff val="100000"/>
+                      </a:schemeClr>
+                    </a:gs>
+                  </a:gsLst>
+                  <a:lin ang="16200000" scaled="1"/>
+                </a:gradFill>
+              </a:defRPr>
             </a:lvl1pPr>
-            <a:lvl2pPr marL="457200" indent="0">
-              <a:buNone/>
-              <a:defRPr sz="2000" b="1"/>
-            </a:lvl2pPr>
-            <a:lvl3pPr marL="914400" indent="0">
-              <a:buNone/>
-              <a:defRPr sz="1800" b="1"/>
-            </a:lvl3pPr>
-            <a:lvl4pPr marL="1371600" indent="0">
-              <a:buNone/>
-              <a:defRPr sz="1600" b="1"/>
-            </a:lvl4pPr>
-            <a:lvl5pPr marL="1828800" indent="0">
-              <a:buNone/>
-              <a:defRPr sz="1600" b="1"/>
-            </a:lvl5pPr>
-            <a:lvl6pPr marL="2286000" indent="0">
-              <a:buNone/>
-              <a:defRPr sz="1600" b="1"/>
-            </a:lvl6pPr>
-            <a:lvl7pPr marL="2743200" indent="0">
-              <a:buNone/>
-              <a:defRPr sz="1600" b="1"/>
-            </a:lvl7pPr>
-            <a:lvl8pPr marL="3200400" indent="0">
-              <a:buNone/>
-              <a:defRPr sz="1600" b="1"/>
-            </a:lvl8pPr>
-            <a:lvl9pPr marL="3657600" indent="0">
-              <a:buNone/>
-              <a:defRPr sz="1600" b="1"/>
-            </a:lvl9pPr>
           </a:lstStyle>
           <a:p>
+            <a:pPr marL="0" lvl="0" indent="0">
+              <a:buNone/>
+            </a:pPr>
+            <a:r>
+              <a:rPr lang="en-US"/>
+              <a:t>Edit Master text styles</a:t>
+            </a:r>
+          </a:p>
+        </p:txBody>
+      </p:sp>
+      <p:sp>
+        <p:nvSpPr>
+          <p:cNvPr id="6" name="Content Placeholder 5"/>
+          <p:cNvSpPr>
+            <a:spLocks noGrp="1"/>
+          </p:cNvSpPr>
+          <p:nvPr>
+            <p:ph sz="quarter" idx="4"/>
+          </p:nvPr>
+        </p:nvSpPr>
+        <p:spPr>
+          <a:xfrm>
+            <a:off x="6319840" y="2505075"/>
+            <a:ext cx="5035548" cy="3684588"/>
+          </a:xfrm>
+        </p:spPr>
+        <p:txBody>
+          <a:bodyPr/>
+          <a:lstStyle/>
+          <a:p>
             <a:pPr lvl="0"/>
             <a:r>
               <a:rPr lang="en-US"/>
-              <a:t>Click to edit Master text styles</a:t>
-            </a:r>
-          </a:p>
-        </p:txBody>
-      </p:sp>
-      <p:sp>
-        <p:nvSpPr>
-          <p:cNvPr id="6" name="Content Placeholder 5">
-            <a:extLst>
-              <a:ext uri="{FF2B5EF4-FFF2-40B4-BE49-F238E27FC236}">
-                <a16:creationId xmlns:a16="http://schemas.microsoft.com/office/drawing/2014/main" id="{2E27C9B6-479A-4046-A4BE-C93AAEE32479}"/>
-              </a:ext>
-            </a:extLst>
-          </p:cNvPr>
-          <p:cNvSpPr>
-            <a:spLocks noGrp="1"/>
-          </p:cNvSpPr>
-          <p:nvPr>
-            <p:ph sz="quarter" idx="4"/>
-          </p:nvPr>
-        </p:nvSpPr>
-        <p:spPr>
-          <a:xfrm>
-            <a:off x="6172200" y="2505075"/>
-            <a:ext cx="5183188" cy="3684588"/>
-          </a:xfrm>
-        </p:spPr>
-        <p:txBody>
-          <a:bodyPr/>
-          <a:lstStyle/>
-          <a:p>
-            <a:pPr lvl="0"/>
-            <a:r>
-              <a:rPr lang="en-US"/>
-              <a:t>Click to edit Master text styles</a:t>
+              <a:t>Edit Master text styles</a:t>
             </a:r>
           </a:p>
           <a:p>
@@ -1799,19 +4227,13 @@
               <a:rPr lang="en-US"/>
               <a:t>Fifth level</a:t>
             </a:r>
-            <a:endParaRPr lang="en-AU"/>
-          </a:p>
-        </p:txBody>
-      </p:sp>
-      <p:sp>
-        <p:nvSpPr>
-          <p:cNvPr id="7" name="Date Placeholder 6">
-            <a:extLst>
-              <a:ext uri="{FF2B5EF4-FFF2-40B4-BE49-F238E27FC236}">
-                <a16:creationId xmlns:a16="http://schemas.microsoft.com/office/drawing/2014/main" id="{C993029F-5DB1-40EC-84BB-5103137018BC}"/>
-              </a:ext>
-            </a:extLst>
-          </p:cNvPr>
+            <a:endParaRPr lang="en-US" dirty="0"/>
+          </a:p>
+        </p:txBody>
+      </p:sp>
+      <p:sp>
+        <p:nvSpPr>
+          <p:cNvPr id="7" name="Date Placeholder 6"/>
           <p:cNvSpPr>
             <a:spLocks noGrp="1"/>
           </p:cNvSpPr>
@@ -1826,7 +4248,7 @@
           <a:p>
             <a:fld id="{15EEF4E6-CD4E-4E66-A637-5ABDF039D94B}" type="datetimeFigureOut">
               <a:rPr lang="en-AU" smtClean="0"/>
-              <a:t>26/03/2021</a:t>
+              <a:t>30/03/2021</a:t>
             </a:fld>
             <a:endParaRPr lang="en-AU"/>
           </a:p>
@@ -1834,13 +4256,7 @@
       </p:sp>
       <p:sp>
         <p:nvSpPr>
-          <p:cNvPr id="8" name="Footer Placeholder 7">
-            <a:extLst>
-              <a:ext uri="{FF2B5EF4-FFF2-40B4-BE49-F238E27FC236}">
-                <a16:creationId xmlns:a16="http://schemas.microsoft.com/office/drawing/2014/main" id="{2867333D-A9CB-48D6-A0FB-70BF58EAF506}"/>
-              </a:ext>
-            </a:extLst>
-          </p:cNvPr>
+          <p:cNvPr id="8" name="Footer Placeholder 7"/>
           <p:cNvSpPr>
             <a:spLocks noGrp="1"/>
           </p:cNvSpPr>
@@ -1859,13 +4275,7 @@
       </p:sp>
       <p:sp>
         <p:nvSpPr>
-          <p:cNvPr id="9" name="Slide Number Placeholder 8">
-            <a:extLst>
-              <a:ext uri="{FF2B5EF4-FFF2-40B4-BE49-F238E27FC236}">
-                <a16:creationId xmlns:a16="http://schemas.microsoft.com/office/drawing/2014/main" id="{F0651A32-7802-4667-B11C-599ACEBEEB99}"/>
-              </a:ext>
-            </a:extLst>
-          </p:cNvPr>
+          <p:cNvPr id="9" name="Slide Number Placeholder 8"/>
           <p:cNvSpPr>
             <a:spLocks noGrp="1"/>
           </p:cNvSpPr>
@@ -1889,7 +4299,7 @@
     </p:spTree>
     <p:extLst>
       <p:ext uri="{BB962C8B-B14F-4D97-AF65-F5344CB8AC3E}">
-        <p14:creationId xmlns:p14="http://schemas.microsoft.com/office/powerpoint/2010/main" val="3055775760"/>
+        <p14:creationId xmlns:p14="http://schemas.microsoft.com/office/powerpoint/2010/main" val="709942695"/>
       </p:ext>
     </p:extLst>
   </p:cSld>
@@ -1918,13 +4328,7 @@
       </p:grpSpPr>
       <p:sp>
         <p:nvSpPr>
-          <p:cNvPr id="2" name="Title 1">
-            <a:extLst>
-              <a:ext uri="{FF2B5EF4-FFF2-40B4-BE49-F238E27FC236}">
-                <a16:creationId xmlns:a16="http://schemas.microsoft.com/office/drawing/2014/main" id="{1D6CA91D-CB18-4B50-A990-BC01B6C46020}"/>
-              </a:ext>
-            </a:extLst>
-          </p:cNvPr>
+          <p:cNvPr id="2" name="Title 1"/>
           <p:cNvSpPr>
             <a:spLocks noGrp="1"/>
           </p:cNvSpPr>
@@ -1941,19 +4345,13 @@
               <a:rPr lang="en-US"/>
               <a:t>Click to edit Master title style</a:t>
             </a:r>
-            <a:endParaRPr lang="en-AU"/>
-          </a:p>
-        </p:txBody>
-      </p:sp>
-      <p:sp>
-        <p:nvSpPr>
-          <p:cNvPr id="3" name="Date Placeholder 2">
-            <a:extLst>
-              <a:ext uri="{FF2B5EF4-FFF2-40B4-BE49-F238E27FC236}">
-                <a16:creationId xmlns:a16="http://schemas.microsoft.com/office/drawing/2014/main" id="{B36236C6-CD90-4E72-BF88-6BB43E5A679A}"/>
-              </a:ext>
-            </a:extLst>
-          </p:cNvPr>
+            <a:endParaRPr lang="en-US" dirty="0"/>
+          </a:p>
+        </p:txBody>
+      </p:sp>
+      <p:sp>
+        <p:nvSpPr>
+          <p:cNvPr id="3" name="Date Placeholder 2"/>
           <p:cNvSpPr>
             <a:spLocks noGrp="1"/>
           </p:cNvSpPr>
@@ -1968,7 +4366,7 @@
           <a:p>
             <a:fld id="{15EEF4E6-CD4E-4E66-A637-5ABDF039D94B}" type="datetimeFigureOut">
               <a:rPr lang="en-AU" smtClean="0"/>
-              <a:t>26/03/2021</a:t>
+              <a:t>30/03/2021</a:t>
             </a:fld>
             <a:endParaRPr lang="en-AU"/>
           </a:p>
@@ -1976,13 +4374,7 @@
       </p:sp>
       <p:sp>
         <p:nvSpPr>
-          <p:cNvPr id="4" name="Footer Placeholder 3">
-            <a:extLst>
-              <a:ext uri="{FF2B5EF4-FFF2-40B4-BE49-F238E27FC236}">
-                <a16:creationId xmlns:a16="http://schemas.microsoft.com/office/drawing/2014/main" id="{3ED86893-1001-401A-B75D-5CFE0E30E6BB}"/>
-              </a:ext>
-            </a:extLst>
-          </p:cNvPr>
+          <p:cNvPr id="4" name="Footer Placeholder 3"/>
           <p:cNvSpPr>
             <a:spLocks noGrp="1"/>
           </p:cNvSpPr>
@@ -2001,13 +4393,7 @@
       </p:sp>
       <p:sp>
         <p:nvSpPr>
-          <p:cNvPr id="5" name="Slide Number Placeholder 4">
-            <a:extLst>
-              <a:ext uri="{FF2B5EF4-FFF2-40B4-BE49-F238E27FC236}">
-                <a16:creationId xmlns:a16="http://schemas.microsoft.com/office/drawing/2014/main" id="{83F7DBF1-440A-450D-80B0-EB01F60EC1D7}"/>
-              </a:ext>
-            </a:extLst>
-          </p:cNvPr>
+          <p:cNvPr id="5" name="Slide Number Placeholder 4"/>
           <p:cNvSpPr>
             <a:spLocks noGrp="1"/>
           </p:cNvSpPr>
@@ -2031,7 +4417,7 @@
     </p:spTree>
     <p:extLst>
       <p:ext uri="{BB962C8B-B14F-4D97-AF65-F5344CB8AC3E}">
-        <p14:creationId xmlns:p14="http://schemas.microsoft.com/office/powerpoint/2010/main" val="3538398712"/>
+        <p14:creationId xmlns:p14="http://schemas.microsoft.com/office/powerpoint/2010/main" val="825061896"/>
       </p:ext>
     </p:extLst>
   </p:cSld>
@@ -2060,13 +4446,7 @@
       </p:grpSpPr>
       <p:sp>
         <p:nvSpPr>
-          <p:cNvPr id="2" name="Date Placeholder 1">
-            <a:extLst>
-              <a:ext uri="{FF2B5EF4-FFF2-40B4-BE49-F238E27FC236}">
-                <a16:creationId xmlns:a16="http://schemas.microsoft.com/office/drawing/2014/main" id="{D2CB8333-5235-4CE3-B490-8BC61829B858}"/>
-              </a:ext>
-            </a:extLst>
-          </p:cNvPr>
+          <p:cNvPr id="2" name="Date Placeholder 1"/>
           <p:cNvSpPr>
             <a:spLocks noGrp="1"/>
           </p:cNvSpPr>
@@ -2081,7 +4461,7 @@
           <a:p>
             <a:fld id="{15EEF4E6-CD4E-4E66-A637-5ABDF039D94B}" type="datetimeFigureOut">
               <a:rPr lang="en-AU" smtClean="0"/>
-              <a:t>26/03/2021</a:t>
+              <a:t>30/03/2021</a:t>
             </a:fld>
             <a:endParaRPr lang="en-AU"/>
           </a:p>
@@ -2089,13 +4469,7 @@
       </p:sp>
       <p:sp>
         <p:nvSpPr>
-          <p:cNvPr id="3" name="Footer Placeholder 2">
-            <a:extLst>
-              <a:ext uri="{FF2B5EF4-FFF2-40B4-BE49-F238E27FC236}">
-                <a16:creationId xmlns:a16="http://schemas.microsoft.com/office/drawing/2014/main" id="{E2C8CE8F-3937-4714-9AF5-4BD03D50922B}"/>
-              </a:ext>
-            </a:extLst>
-          </p:cNvPr>
+          <p:cNvPr id="3" name="Footer Placeholder 2"/>
           <p:cNvSpPr>
             <a:spLocks noGrp="1"/>
           </p:cNvSpPr>
@@ -2114,13 +4488,7 @@
       </p:sp>
       <p:sp>
         <p:nvSpPr>
-          <p:cNvPr id="4" name="Slide Number Placeholder 3">
-            <a:extLst>
-              <a:ext uri="{FF2B5EF4-FFF2-40B4-BE49-F238E27FC236}">
-                <a16:creationId xmlns:a16="http://schemas.microsoft.com/office/drawing/2014/main" id="{B12E66EB-A9B4-4BC1-9088-B6E7B8E2B5A4}"/>
-              </a:ext>
-            </a:extLst>
-          </p:cNvPr>
+          <p:cNvPr id="4" name="Slide Number Placeholder 3"/>
           <p:cNvSpPr>
             <a:spLocks noGrp="1"/>
           </p:cNvSpPr>
@@ -2144,7 +4512,7 @@
     </p:spTree>
     <p:extLst>
       <p:ext uri="{BB962C8B-B14F-4D97-AF65-F5344CB8AC3E}">
-        <p14:creationId xmlns:p14="http://schemas.microsoft.com/office/powerpoint/2010/main" val="3997033771"/>
+        <p14:creationId xmlns:p14="http://schemas.microsoft.com/office/powerpoint/2010/main" val="1246163048"/>
       </p:ext>
     </p:extLst>
   </p:cSld>
@@ -2173,13 +4541,7 @@
       </p:grpSpPr>
       <p:sp>
         <p:nvSpPr>
-          <p:cNvPr id="2" name="Title 1">
-            <a:extLst>
-              <a:ext uri="{FF2B5EF4-FFF2-40B4-BE49-F238E27FC236}">
-                <a16:creationId xmlns:a16="http://schemas.microsoft.com/office/drawing/2014/main" id="{376D292D-5C95-4175-A472-1BB4C71D3A16}"/>
-              </a:ext>
-            </a:extLst>
-          </p:cNvPr>
+          <p:cNvPr id="2" name="Title 1"/>
           <p:cNvSpPr>
             <a:spLocks noGrp="1"/>
           </p:cNvSpPr>
@@ -2205,19 +4567,13 @@
               <a:rPr lang="en-US"/>
               <a:t>Click to edit Master title style</a:t>
             </a:r>
-            <a:endParaRPr lang="en-AU"/>
-          </a:p>
-        </p:txBody>
-      </p:sp>
-      <p:sp>
-        <p:nvSpPr>
-          <p:cNvPr id="3" name="Content Placeholder 2">
-            <a:extLst>
-              <a:ext uri="{FF2B5EF4-FFF2-40B4-BE49-F238E27FC236}">
-                <a16:creationId xmlns:a16="http://schemas.microsoft.com/office/drawing/2014/main" id="{CCED0447-8885-4C8F-9F5E-D83CB589AF97}"/>
-              </a:ext>
-            </a:extLst>
-          </p:cNvPr>
+            <a:endParaRPr lang="en-US" dirty="0"/>
+          </a:p>
+        </p:txBody>
+      </p:sp>
+      <p:sp>
+        <p:nvSpPr>
+          <p:cNvPr id="3" name="Content Placeholder 2"/>
           <p:cNvSpPr>
             <a:spLocks noGrp="1"/>
           </p:cNvSpPr>
@@ -2233,40 +4589,12 @@
         </p:spPr>
         <p:txBody>
           <a:bodyPr/>
-          <a:lstStyle>
-            <a:lvl1pPr>
-              <a:defRPr sz="3200"/>
-            </a:lvl1pPr>
-            <a:lvl2pPr>
-              <a:defRPr sz="2800"/>
-            </a:lvl2pPr>
-            <a:lvl3pPr>
-              <a:defRPr sz="2400"/>
-            </a:lvl3pPr>
-            <a:lvl4pPr>
-              <a:defRPr sz="2000"/>
-            </a:lvl4pPr>
-            <a:lvl5pPr>
-              <a:defRPr sz="2000"/>
-            </a:lvl5pPr>
-            <a:lvl6pPr>
-              <a:defRPr sz="2000"/>
-            </a:lvl6pPr>
-            <a:lvl7pPr>
-              <a:defRPr sz="2000"/>
-            </a:lvl7pPr>
-            <a:lvl8pPr>
-              <a:defRPr sz="2000"/>
-            </a:lvl8pPr>
-            <a:lvl9pPr>
-              <a:defRPr sz="2000"/>
-            </a:lvl9pPr>
-          </a:lstStyle>
+          <a:lstStyle/>
           <a:p>
             <a:pPr lvl="0"/>
             <a:r>
               <a:rPr lang="en-US"/>
-              <a:t>Click to edit Master text styles</a:t>
+              <a:t>Edit Master text styles</a:t>
             </a:r>
           </a:p>
           <a:p>
@@ -2296,19 +4624,13 @@
               <a:rPr lang="en-US"/>
               <a:t>Fifth level</a:t>
             </a:r>
-            <a:endParaRPr lang="en-AU"/>
-          </a:p>
-        </p:txBody>
-      </p:sp>
-      <p:sp>
-        <p:nvSpPr>
-          <p:cNvPr id="4" name="Text Placeholder 3">
-            <a:extLst>
-              <a:ext uri="{FF2B5EF4-FFF2-40B4-BE49-F238E27FC236}">
-                <a16:creationId xmlns:a16="http://schemas.microsoft.com/office/drawing/2014/main" id="{91AD7A15-D385-4BD2-8D02-C0F74C55D375}"/>
-              </a:ext>
-            </a:extLst>
-          </p:cNvPr>
+            <a:endParaRPr lang="en-US" dirty="0"/>
+          </a:p>
+        </p:txBody>
+      </p:sp>
+      <p:sp>
+        <p:nvSpPr>
+          <p:cNvPr id="4" name="Text Placeholder 3"/>
           <p:cNvSpPr>
             <a:spLocks noGrp="1"/>
           </p:cNvSpPr>
@@ -2318,8 +4640,8 @@
         </p:nvSpPr>
         <p:spPr>
           <a:xfrm>
-            <a:off x="839788" y="2057400"/>
-            <a:ext cx="3932237" cy="3811588"/>
+            <a:off x="1120000" y="2057400"/>
+            <a:ext cx="3652025" cy="3811588"/>
           </a:xfrm>
         </p:spPr>
         <p:txBody>
@@ -2327,7 +4649,31 @@
           <a:lstStyle>
             <a:lvl1pPr marL="0" indent="0">
               <a:buNone/>
-              <a:defRPr sz="1600"/>
+              <a:defRPr sz="1600">
+                <a:gradFill>
+                  <a:gsLst>
+                    <a:gs pos="15000">
+                      <a:schemeClr val="tx2"/>
+                    </a:gs>
+                    <a:gs pos="73000">
+                      <a:schemeClr val="tx2">
+                        <a:lumMod val="60000"/>
+                        <a:lumOff val="40000"/>
+                      </a:schemeClr>
+                    </a:gs>
+                    <a:gs pos="0">
+                      <a:schemeClr val="tx1"/>
+                    </a:gs>
+                    <a:gs pos="100000">
+                      <a:schemeClr val="tx2">
+                        <a:lumMod val="0"/>
+                        <a:lumOff val="100000"/>
+                      </a:schemeClr>
+                    </a:gs>
+                  </a:gsLst>
+                  <a:lin ang="16200000" scaled="1"/>
+                </a:gradFill>
+              </a:defRPr>
             </a:lvl1pPr>
             <a:lvl2pPr marL="457200" indent="0">
               <a:buNone/>
@@ -2366,20 +4712,14 @@
             <a:pPr lvl="0"/>
             <a:r>
               <a:rPr lang="en-US"/>
-              <a:t>Click to edit Master text styles</a:t>
-            </a:r>
-          </a:p>
-        </p:txBody>
-      </p:sp>
-      <p:sp>
-        <p:nvSpPr>
-          <p:cNvPr id="5" name="Date Placeholder 4">
-            <a:extLst>
-              <a:ext uri="{FF2B5EF4-FFF2-40B4-BE49-F238E27FC236}">
-                <a16:creationId xmlns:a16="http://schemas.microsoft.com/office/drawing/2014/main" id="{ECC956B5-EC84-4805-AAB0-E0E38CCBC9B0}"/>
-              </a:ext>
-            </a:extLst>
-          </p:cNvPr>
+              <a:t>Edit Master text styles</a:t>
+            </a:r>
+          </a:p>
+        </p:txBody>
+      </p:sp>
+      <p:sp>
+        <p:nvSpPr>
+          <p:cNvPr id="5" name="Date Placeholder 4"/>
           <p:cNvSpPr>
             <a:spLocks noGrp="1"/>
           </p:cNvSpPr>
@@ -2394,7 +4734,7 @@
           <a:p>
             <a:fld id="{15EEF4E6-CD4E-4E66-A637-5ABDF039D94B}" type="datetimeFigureOut">
               <a:rPr lang="en-AU" smtClean="0"/>
-              <a:t>26/03/2021</a:t>
+              <a:t>30/03/2021</a:t>
             </a:fld>
             <a:endParaRPr lang="en-AU"/>
           </a:p>
@@ -2402,13 +4742,7 @@
       </p:sp>
       <p:sp>
         <p:nvSpPr>
-          <p:cNvPr id="6" name="Footer Placeholder 5">
-            <a:extLst>
-              <a:ext uri="{FF2B5EF4-FFF2-40B4-BE49-F238E27FC236}">
-                <a16:creationId xmlns:a16="http://schemas.microsoft.com/office/drawing/2014/main" id="{BBB41F8C-17E2-45B4-99D6-E0CC5C59ACA4}"/>
-              </a:ext>
-            </a:extLst>
-          </p:cNvPr>
+          <p:cNvPr id="6" name="Footer Placeholder 5"/>
           <p:cNvSpPr>
             <a:spLocks noGrp="1"/>
           </p:cNvSpPr>
@@ -2427,13 +4761,7 @@
       </p:sp>
       <p:sp>
         <p:nvSpPr>
-          <p:cNvPr id="7" name="Slide Number Placeholder 6">
-            <a:extLst>
-              <a:ext uri="{FF2B5EF4-FFF2-40B4-BE49-F238E27FC236}">
-                <a16:creationId xmlns:a16="http://schemas.microsoft.com/office/drawing/2014/main" id="{AE967BA0-06A4-4C2F-8953-6E62B034D800}"/>
-              </a:ext>
-            </a:extLst>
-          </p:cNvPr>
+          <p:cNvPr id="7" name="Slide Number Placeholder 6"/>
           <p:cNvSpPr>
             <a:spLocks noGrp="1"/>
           </p:cNvSpPr>
@@ -2457,7 +4785,7 @@
     </p:spTree>
     <p:extLst>
       <p:ext uri="{BB962C8B-B14F-4D97-AF65-F5344CB8AC3E}">
-        <p14:creationId xmlns:p14="http://schemas.microsoft.com/office/powerpoint/2010/main" val="3561480873"/>
+        <p14:creationId xmlns:p14="http://schemas.microsoft.com/office/powerpoint/2010/main" val="1015374761"/>
       </p:ext>
     </p:extLst>
   </p:cSld>
@@ -2486,13 +4814,7 @@
       </p:grpSpPr>
       <p:sp>
         <p:nvSpPr>
-          <p:cNvPr id="2" name="Title 1">
-            <a:extLst>
-              <a:ext uri="{FF2B5EF4-FFF2-40B4-BE49-F238E27FC236}">
-                <a16:creationId xmlns:a16="http://schemas.microsoft.com/office/drawing/2014/main" id="{F2EAA793-5066-499A-9A14-37888E493C4B}"/>
-              </a:ext>
-            </a:extLst>
-          </p:cNvPr>
+          <p:cNvPr id="2" name="Title 1"/>
           <p:cNvSpPr>
             <a:spLocks noGrp="1"/>
           </p:cNvSpPr>
@@ -2518,21 +4840,15 @@
               <a:rPr lang="en-US"/>
               <a:t>Click to edit Master title style</a:t>
             </a:r>
-            <a:endParaRPr lang="en-AU"/>
-          </a:p>
-        </p:txBody>
-      </p:sp>
-      <p:sp>
-        <p:nvSpPr>
-          <p:cNvPr id="3" name="Picture Placeholder 2">
-            <a:extLst>
-              <a:ext uri="{FF2B5EF4-FFF2-40B4-BE49-F238E27FC236}">
-                <a16:creationId xmlns:a16="http://schemas.microsoft.com/office/drawing/2014/main" id="{721EDE3E-6491-4447-B51B-14F9D4CF4141}"/>
-              </a:ext>
-            </a:extLst>
-          </p:cNvPr>
-          <p:cNvSpPr>
-            <a:spLocks noGrp="1"/>
+            <a:endParaRPr lang="en-US" dirty="0"/>
+          </a:p>
+        </p:txBody>
+      </p:sp>
+      <p:sp>
+        <p:nvSpPr>
+          <p:cNvPr id="3" name="Picture Placeholder 2"/>
+          <p:cNvSpPr>
+            <a:spLocks noGrp="1" noChangeAspect="1"/>
           </p:cNvSpPr>
           <p:nvPr>
             <p:ph type="pic" idx="1"/>
@@ -2542,6 +4858,71 @@
           <a:xfrm>
             <a:off x="5183188" y="987425"/>
             <a:ext cx="6172200" cy="4873625"/>
+          </a:xfrm>
+        </p:spPr>
+        <p:txBody>
+          <a:bodyPr anchor="t"/>
+          <a:lstStyle>
+            <a:lvl1pPr marL="0" indent="0">
+              <a:buNone/>
+              <a:defRPr sz="3200"/>
+            </a:lvl1pPr>
+            <a:lvl2pPr marL="457200" indent="0">
+              <a:buNone/>
+              <a:defRPr sz="2800"/>
+            </a:lvl2pPr>
+            <a:lvl3pPr marL="914400" indent="0">
+              <a:buNone/>
+              <a:defRPr sz="2400"/>
+            </a:lvl3pPr>
+            <a:lvl4pPr marL="1371600" indent="0">
+              <a:buNone/>
+              <a:defRPr sz="2000"/>
+            </a:lvl4pPr>
+            <a:lvl5pPr marL="1828800" indent="0">
+              <a:buNone/>
+              <a:defRPr sz="2000"/>
+            </a:lvl5pPr>
+            <a:lvl6pPr marL="2286000" indent="0">
+              <a:buNone/>
+              <a:defRPr sz="2000"/>
+            </a:lvl6pPr>
+            <a:lvl7pPr marL="2743200" indent="0">
+              <a:buNone/>
+              <a:defRPr sz="2000"/>
+            </a:lvl7pPr>
+            <a:lvl8pPr marL="3200400" indent="0">
+              <a:buNone/>
+              <a:defRPr sz="2000"/>
+            </a:lvl8pPr>
+            <a:lvl9pPr marL="3657600" indent="0">
+              <a:buNone/>
+              <a:defRPr sz="2000"/>
+            </a:lvl9pPr>
+          </a:lstStyle>
+          <a:p>
+            <a:r>
+              <a:rPr lang="en-US"/>
+              <a:t>Click icon to add picture</a:t>
+            </a:r>
+            <a:endParaRPr lang="en-US" dirty="0"/>
+          </a:p>
+        </p:txBody>
+      </p:sp>
+      <p:sp>
+        <p:nvSpPr>
+          <p:cNvPr id="4" name="Text Placeholder 3"/>
+          <p:cNvSpPr>
+            <a:spLocks noGrp="1"/>
+          </p:cNvSpPr>
+          <p:nvPr>
+            <p:ph type="body" sz="half" idx="2"/>
+          </p:nvPr>
+        </p:nvSpPr>
+        <p:spPr>
+          <a:xfrm>
+            <a:off x="1120000" y="2057400"/>
+            <a:ext cx="3652025" cy="3811588"/>
           </a:xfrm>
         </p:spPr>
         <p:txBody>
@@ -2549,74 +4930,31 @@
           <a:lstStyle>
             <a:lvl1pPr marL="0" indent="0">
               <a:buNone/>
-              <a:defRPr sz="3200"/>
-            </a:lvl1pPr>
-            <a:lvl2pPr marL="457200" indent="0">
-              <a:buNone/>
-              <a:defRPr sz="2800"/>
-            </a:lvl2pPr>
-            <a:lvl3pPr marL="914400" indent="0">
-              <a:buNone/>
-              <a:defRPr sz="2400"/>
-            </a:lvl3pPr>
-            <a:lvl4pPr marL="1371600" indent="0">
-              <a:buNone/>
-              <a:defRPr sz="2000"/>
-            </a:lvl4pPr>
-            <a:lvl5pPr marL="1828800" indent="0">
-              <a:buNone/>
-              <a:defRPr sz="2000"/>
-            </a:lvl5pPr>
-            <a:lvl6pPr marL="2286000" indent="0">
-              <a:buNone/>
-              <a:defRPr sz="2000"/>
-            </a:lvl6pPr>
-            <a:lvl7pPr marL="2743200" indent="0">
-              <a:buNone/>
-              <a:defRPr sz="2000"/>
-            </a:lvl7pPr>
-            <a:lvl8pPr marL="3200400" indent="0">
-              <a:buNone/>
-              <a:defRPr sz="2000"/>
-            </a:lvl8pPr>
-            <a:lvl9pPr marL="3657600" indent="0">
-              <a:buNone/>
-              <a:defRPr sz="2000"/>
-            </a:lvl9pPr>
-          </a:lstStyle>
-          <a:p>
-            <a:endParaRPr lang="en-AU"/>
-          </a:p>
-        </p:txBody>
-      </p:sp>
-      <p:sp>
-        <p:nvSpPr>
-          <p:cNvPr id="4" name="Text Placeholder 3">
-            <a:extLst>
-              <a:ext uri="{FF2B5EF4-FFF2-40B4-BE49-F238E27FC236}">
-                <a16:creationId xmlns:a16="http://schemas.microsoft.com/office/drawing/2014/main" id="{2E3ED14B-1B54-40F6-BB75-F75823E12726}"/>
-              </a:ext>
-            </a:extLst>
-          </p:cNvPr>
-          <p:cNvSpPr>
-            <a:spLocks noGrp="1"/>
-          </p:cNvSpPr>
-          <p:nvPr>
-            <p:ph type="body" sz="half" idx="2"/>
-          </p:nvPr>
-        </p:nvSpPr>
-        <p:spPr>
-          <a:xfrm>
-            <a:off x="839788" y="2057400"/>
-            <a:ext cx="3932237" cy="3811588"/>
-          </a:xfrm>
-        </p:spPr>
-        <p:txBody>
-          <a:bodyPr/>
-          <a:lstStyle>
-            <a:lvl1pPr marL="0" indent="0">
-              <a:buNone/>
-              <a:defRPr sz="1600"/>
+              <a:defRPr sz="1600">
+                <a:gradFill>
+                  <a:gsLst>
+                    <a:gs pos="15000">
+                      <a:schemeClr val="tx2"/>
+                    </a:gs>
+                    <a:gs pos="73000">
+                      <a:schemeClr val="tx2">
+                        <a:lumMod val="60000"/>
+                        <a:lumOff val="40000"/>
+                      </a:schemeClr>
+                    </a:gs>
+                    <a:gs pos="0">
+                      <a:schemeClr val="tx1"/>
+                    </a:gs>
+                    <a:gs pos="100000">
+                      <a:schemeClr val="tx2">
+                        <a:lumMod val="0"/>
+                        <a:lumOff val="100000"/>
+                      </a:schemeClr>
+                    </a:gs>
+                  </a:gsLst>
+                  <a:lin ang="16200000" scaled="1"/>
+                </a:gradFill>
+              </a:defRPr>
             </a:lvl1pPr>
             <a:lvl2pPr marL="457200" indent="0">
               <a:buNone/>
@@ -2655,20 +4993,14 @@
             <a:pPr lvl="0"/>
             <a:r>
               <a:rPr lang="en-US"/>
-              <a:t>Click to edit Master text styles</a:t>
-            </a:r>
-          </a:p>
-        </p:txBody>
-      </p:sp>
-      <p:sp>
-        <p:nvSpPr>
-          <p:cNvPr id="5" name="Date Placeholder 4">
-            <a:extLst>
-              <a:ext uri="{FF2B5EF4-FFF2-40B4-BE49-F238E27FC236}">
-                <a16:creationId xmlns:a16="http://schemas.microsoft.com/office/drawing/2014/main" id="{DBC46BBF-5347-4E62-A68B-CEF0B42FB319}"/>
-              </a:ext>
-            </a:extLst>
-          </p:cNvPr>
+              <a:t>Edit Master text styles</a:t>
+            </a:r>
+          </a:p>
+        </p:txBody>
+      </p:sp>
+      <p:sp>
+        <p:nvSpPr>
+          <p:cNvPr id="5" name="Date Placeholder 4"/>
           <p:cNvSpPr>
             <a:spLocks noGrp="1"/>
           </p:cNvSpPr>
@@ -2683,7 +5015,7 @@
           <a:p>
             <a:fld id="{15EEF4E6-CD4E-4E66-A637-5ABDF039D94B}" type="datetimeFigureOut">
               <a:rPr lang="en-AU" smtClean="0"/>
-              <a:t>26/03/2021</a:t>
+              <a:t>30/03/2021</a:t>
             </a:fld>
             <a:endParaRPr lang="en-AU"/>
           </a:p>
@@ -2691,13 +5023,7 @@
       </p:sp>
       <p:sp>
         <p:nvSpPr>
-          <p:cNvPr id="6" name="Footer Placeholder 5">
-            <a:extLst>
-              <a:ext uri="{FF2B5EF4-FFF2-40B4-BE49-F238E27FC236}">
-                <a16:creationId xmlns:a16="http://schemas.microsoft.com/office/drawing/2014/main" id="{8A85148C-BFBE-44F7-A723-8CAD0C0F3717}"/>
-              </a:ext>
-            </a:extLst>
-          </p:cNvPr>
+          <p:cNvPr id="6" name="Footer Placeholder 5"/>
           <p:cNvSpPr>
             <a:spLocks noGrp="1"/>
           </p:cNvSpPr>
@@ -2716,13 +5042,7 @@
       </p:sp>
       <p:sp>
         <p:nvSpPr>
-          <p:cNvPr id="7" name="Slide Number Placeholder 6">
-            <a:extLst>
-              <a:ext uri="{FF2B5EF4-FFF2-40B4-BE49-F238E27FC236}">
-                <a16:creationId xmlns:a16="http://schemas.microsoft.com/office/drawing/2014/main" id="{72846476-6209-4478-8467-F188C9CAFE93}"/>
-              </a:ext>
-            </a:extLst>
-          </p:cNvPr>
+          <p:cNvPr id="7" name="Slide Number Placeholder 6"/>
           <p:cNvSpPr>
             <a:spLocks noGrp="1"/>
           </p:cNvSpPr>
@@ -2746,7 +5066,7 @@
     </p:spTree>
     <p:extLst>
       <p:ext uri="{BB962C8B-B14F-4D97-AF65-F5344CB8AC3E}">
-        <p14:creationId xmlns:p14="http://schemas.microsoft.com/office/powerpoint/2010/main" val="3169827430"/>
+        <p14:creationId xmlns:p14="http://schemas.microsoft.com/office/powerpoint/2010/main" val="1841355769"/>
       </p:ext>
     </p:extLst>
   </p:cSld>
@@ -2760,9 +5080,18 @@
 <p:sldMaster xmlns:a="http://schemas.openxmlformats.org/drawingml/2006/main" xmlns:r="http://schemas.openxmlformats.org/officeDocument/2006/relationships" xmlns:p="http://schemas.openxmlformats.org/presentationml/2006/main">
   <p:cSld>
     <p:bg>
-      <p:bgRef idx="1001">
-        <a:schemeClr val="bg1"/>
-      </p:bgRef>
+      <p:bgPr>
+        <a:blipFill dpi="0" rotWithShape="1">
+          <a:blip r:embed="rId19">
+            <a:lum/>
+          </a:blip>
+          <a:srcRect/>
+          <a:stretch>
+            <a:fillRect/>
+          </a:stretch>
+        </a:blipFill>
+        <a:effectLst/>
+      </p:bgPr>
     </p:bg>
     <p:spTree>
       <p:nvGrpSpPr>
@@ -2780,13 +5109,7 @@
       </p:grpSpPr>
       <p:sp>
         <p:nvSpPr>
-          <p:cNvPr id="2" name="Title Placeholder 1">
-            <a:extLst>
-              <a:ext uri="{FF2B5EF4-FFF2-40B4-BE49-F238E27FC236}">
-                <a16:creationId xmlns:a16="http://schemas.microsoft.com/office/drawing/2014/main" id="{556294A5-EC97-4AA3-84DF-912ABE4C98E8}"/>
-              </a:ext>
-            </a:extLst>
-          </p:cNvPr>
+          <p:cNvPr id="2" name="Title Placeholder 1"/>
           <p:cNvSpPr>
             <a:spLocks noGrp="1"/>
           </p:cNvSpPr>
@@ -2813,19 +5136,13 @@
               <a:rPr lang="en-US"/>
               <a:t>Click to edit Master title style</a:t>
             </a:r>
-            <a:endParaRPr lang="en-AU"/>
-          </a:p>
-        </p:txBody>
-      </p:sp>
-      <p:sp>
-        <p:nvSpPr>
-          <p:cNvPr id="3" name="Text Placeholder 2">
-            <a:extLst>
-              <a:ext uri="{FF2B5EF4-FFF2-40B4-BE49-F238E27FC236}">
-                <a16:creationId xmlns:a16="http://schemas.microsoft.com/office/drawing/2014/main" id="{9DD011A2-94BC-44A2-8BBB-83621C180F7C}"/>
-              </a:ext>
-            </a:extLst>
-          </p:cNvPr>
+            <a:endParaRPr lang="en-US" dirty="0"/>
+          </a:p>
+        </p:txBody>
+      </p:sp>
+      <p:sp>
+        <p:nvSpPr>
+          <p:cNvPr id="3" name="Text Placeholder 2"/>
           <p:cNvSpPr>
             <a:spLocks noGrp="1"/>
           </p:cNvSpPr>
@@ -2835,8 +5152,8 @@
         </p:nvSpPr>
         <p:spPr>
           <a:xfrm>
-            <a:off x="838200" y="1825625"/>
-            <a:ext cx="10515600" cy="4351338"/>
+            <a:off x="1120000" y="1825625"/>
+            <a:ext cx="10233800" cy="4351338"/>
           </a:xfrm>
           <a:prstGeom prst="rect">
             <a:avLst/>
@@ -2851,7 +5168,7 @@
             <a:pPr lvl="0"/>
             <a:r>
               <a:rPr lang="en-US"/>
-              <a:t>Click to edit Master text styles</a:t>
+              <a:t>Edit Master text styles</a:t>
             </a:r>
           </a:p>
           <a:p>
@@ -2881,19 +5198,13 @@
               <a:rPr lang="en-US"/>
               <a:t>Fifth level</a:t>
             </a:r>
-            <a:endParaRPr lang="en-AU"/>
-          </a:p>
-        </p:txBody>
-      </p:sp>
-      <p:sp>
-        <p:nvSpPr>
-          <p:cNvPr id="4" name="Date Placeholder 3">
-            <a:extLst>
-              <a:ext uri="{FF2B5EF4-FFF2-40B4-BE49-F238E27FC236}">
-                <a16:creationId xmlns:a16="http://schemas.microsoft.com/office/drawing/2014/main" id="{54B0C31D-281C-4FFC-8438-6D6C16D0625A}"/>
-              </a:ext>
-            </a:extLst>
-          </p:cNvPr>
+            <a:endParaRPr lang="en-US" dirty="0"/>
+          </a:p>
+        </p:txBody>
+      </p:sp>
+      <p:sp>
+        <p:nvSpPr>
+          <p:cNvPr id="4" name="Date Placeholder 3"/>
           <p:cNvSpPr>
             <a:spLocks noGrp="1"/>
           </p:cNvSpPr>
@@ -2915,18 +5226,36 @@
           <a:lstStyle>
             <a:lvl1pPr algn="l">
               <a:defRPr sz="1200">
-                <a:solidFill>
-                  <a:schemeClr val="tx1">
-                    <a:tint val="75000"/>
-                  </a:schemeClr>
-                </a:solidFill>
+                <a:gradFill flip="none" rotWithShape="1">
+                  <a:gsLst>
+                    <a:gs pos="28000">
+                      <a:schemeClr val="tx1">
+                        <a:lumMod val="93000"/>
+                      </a:schemeClr>
+                    </a:gs>
+                    <a:gs pos="0">
+                      <a:schemeClr val="bg1">
+                        <a:lumMod val="38000"/>
+                        <a:lumOff val="62000"/>
+                      </a:schemeClr>
+                    </a:gs>
+                    <a:gs pos="100000">
+                      <a:schemeClr val="tx2">
+                        <a:lumMod val="0"/>
+                        <a:lumOff val="100000"/>
+                      </a:schemeClr>
+                    </a:gs>
+                  </a:gsLst>
+                  <a:lin ang="5400000" scaled="1"/>
+                  <a:tileRect/>
+                </a:gradFill>
               </a:defRPr>
             </a:lvl1pPr>
           </a:lstStyle>
           <a:p>
             <a:fld id="{15EEF4E6-CD4E-4E66-A637-5ABDF039D94B}" type="datetimeFigureOut">
               <a:rPr lang="en-AU" smtClean="0"/>
-              <a:t>26/03/2021</a:t>
+              <a:t>30/03/2021</a:t>
             </a:fld>
             <a:endParaRPr lang="en-AU"/>
           </a:p>
@@ -2934,13 +5263,7 @@
       </p:sp>
       <p:sp>
         <p:nvSpPr>
-          <p:cNvPr id="5" name="Footer Placeholder 4">
-            <a:extLst>
-              <a:ext uri="{FF2B5EF4-FFF2-40B4-BE49-F238E27FC236}">
-                <a16:creationId xmlns:a16="http://schemas.microsoft.com/office/drawing/2014/main" id="{25ED8F78-294C-4B98-8595-33F9C6875990}"/>
-              </a:ext>
-            </a:extLst>
-          </p:cNvPr>
+          <p:cNvPr id="5" name="Footer Placeholder 4"/>
           <p:cNvSpPr>
             <a:spLocks noGrp="1"/>
           </p:cNvSpPr>
@@ -2962,11 +5285,29 @@
           <a:lstStyle>
             <a:lvl1pPr algn="ctr">
               <a:defRPr sz="1200">
-                <a:solidFill>
-                  <a:schemeClr val="tx1">
-                    <a:tint val="75000"/>
-                  </a:schemeClr>
-                </a:solidFill>
+                <a:gradFill flip="none" rotWithShape="1">
+                  <a:gsLst>
+                    <a:gs pos="28000">
+                      <a:schemeClr val="tx1">
+                        <a:lumMod val="93000"/>
+                      </a:schemeClr>
+                    </a:gs>
+                    <a:gs pos="0">
+                      <a:schemeClr val="bg1">
+                        <a:lumMod val="38000"/>
+                        <a:lumOff val="62000"/>
+                      </a:schemeClr>
+                    </a:gs>
+                    <a:gs pos="100000">
+                      <a:schemeClr val="tx2">
+                        <a:lumMod val="0"/>
+                        <a:lumOff val="100000"/>
+                      </a:schemeClr>
+                    </a:gs>
+                  </a:gsLst>
+                  <a:lin ang="5400000" scaled="1"/>
+                  <a:tileRect/>
+                </a:gradFill>
               </a:defRPr>
             </a:lvl1pPr>
           </a:lstStyle>
@@ -2977,13 +5318,7 @@
       </p:sp>
       <p:sp>
         <p:nvSpPr>
-          <p:cNvPr id="6" name="Slide Number Placeholder 5">
-            <a:extLst>
-              <a:ext uri="{FF2B5EF4-FFF2-40B4-BE49-F238E27FC236}">
-                <a16:creationId xmlns:a16="http://schemas.microsoft.com/office/drawing/2014/main" id="{8D7A4CB5-BDFD-4AB7-93D7-FAE337E3B4DD}"/>
-              </a:ext>
-            </a:extLst>
-          </p:cNvPr>
+          <p:cNvPr id="6" name="Slide Number Placeholder 5"/>
           <p:cNvSpPr>
             <a:spLocks noGrp="1"/>
           </p:cNvSpPr>
@@ -3005,11 +5340,29 @@
           <a:lstStyle>
             <a:lvl1pPr algn="r">
               <a:defRPr sz="1200">
-                <a:solidFill>
-                  <a:schemeClr val="tx1">
-                    <a:tint val="75000"/>
-                  </a:schemeClr>
-                </a:solidFill>
+                <a:gradFill flip="none" rotWithShape="1">
+                  <a:gsLst>
+                    <a:gs pos="28000">
+                      <a:schemeClr val="tx1">
+                        <a:lumMod val="93000"/>
+                      </a:schemeClr>
+                    </a:gs>
+                    <a:gs pos="0">
+                      <a:schemeClr val="bg1">
+                        <a:lumMod val="38000"/>
+                        <a:lumOff val="62000"/>
+                      </a:schemeClr>
+                    </a:gs>
+                    <a:gs pos="100000">
+                      <a:schemeClr val="tx2">
+                        <a:lumMod val="0"/>
+                        <a:lumOff val="100000"/>
+                      </a:schemeClr>
+                    </a:gs>
+                  </a:gsLst>
+                  <a:lin ang="5400000" scaled="1"/>
+                  <a:tileRect/>
+                </a:gradFill>
               </a:defRPr>
             </a:lvl1pPr>
           </a:lstStyle>
@@ -3025,23 +5378,29 @@
     </p:spTree>
     <p:extLst>
       <p:ext uri="{BB962C8B-B14F-4D97-AF65-F5344CB8AC3E}">
-        <p14:creationId xmlns:p14="http://schemas.microsoft.com/office/powerpoint/2010/main" val="3205194712"/>
+        <p14:creationId xmlns:p14="http://schemas.microsoft.com/office/powerpoint/2010/main" val="2106392581"/>
       </p:ext>
     </p:extLst>
   </p:cSld>
-  <p:clrMap bg1="lt1" tx1="dk1" bg2="lt2" tx2="dk2" accent1="accent1" accent2="accent2" accent3="accent3" accent4="accent4" accent5="accent5" accent6="accent6" hlink="hlink" folHlink="folHlink"/>
+  <p:clrMap bg1="dk1" tx1="lt1" bg2="dk2" tx2="lt2" accent1="accent1" accent2="accent2" accent3="accent3" accent4="accent4" accent5="accent5" accent6="accent6" hlink="hlink" folHlink="folHlink"/>
   <p:sldLayoutIdLst>
-    <p:sldLayoutId id="2147483649" r:id="rId1"/>
-    <p:sldLayoutId id="2147483650" r:id="rId2"/>
-    <p:sldLayoutId id="2147483651" r:id="rId3"/>
-    <p:sldLayoutId id="2147483652" r:id="rId4"/>
-    <p:sldLayoutId id="2147483653" r:id="rId5"/>
-    <p:sldLayoutId id="2147483654" r:id="rId6"/>
-    <p:sldLayoutId id="2147483655" r:id="rId7"/>
-    <p:sldLayoutId id="2147483656" r:id="rId8"/>
-    <p:sldLayoutId id="2147483657" r:id="rId9"/>
-    <p:sldLayoutId id="2147483658" r:id="rId10"/>
-    <p:sldLayoutId id="2147483659" r:id="rId11"/>
+    <p:sldLayoutId id="2147483661" r:id="rId1"/>
+    <p:sldLayoutId id="2147483662" r:id="rId2"/>
+    <p:sldLayoutId id="2147483663" r:id="rId3"/>
+    <p:sldLayoutId id="2147483664" r:id="rId4"/>
+    <p:sldLayoutId id="2147483665" r:id="rId5"/>
+    <p:sldLayoutId id="2147483666" r:id="rId6"/>
+    <p:sldLayoutId id="2147483667" r:id="rId7"/>
+    <p:sldLayoutId id="2147483668" r:id="rId8"/>
+    <p:sldLayoutId id="2147483669" r:id="rId9"/>
+    <p:sldLayoutId id="2147483670" r:id="rId10"/>
+    <p:sldLayoutId id="2147483671" r:id="rId11"/>
+    <p:sldLayoutId id="2147483672" r:id="rId12"/>
+    <p:sldLayoutId id="2147483673" r:id="rId13"/>
+    <p:sldLayoutId id="2147483674" r:id="rId14"/>
+    <p:sldLayoutId id="2147483675" r:id="rId15"/>
+    <p:sldLayoutId id="2147483676" r:id="rId16"/>
+    <p:sldLayoutId id="2147483677" r:id="rId17"/>
   </p:sldLayoutIdLst>
   <p:txStyles>
     <p:titleStyle>
@@ -3053,10 +5412,30 @@
           <a:spcPct val="0"/>
         </a:spcBef>
         <a:buNone/>
-        <a:defRPr sz="4400" kern="1200">
-          <a:solidFill>
-            <a:schemeClr val="tx1"/>
-          </a:solidFill>
+        <a:defRPr sz="5400" b="0" kern="1200">
+          <a:gradFill flip="none" rotWithShape="1">
+            <a:gsLst>
+              <a:gs pos="28000">
+                <a:schemeClr val="tx1">
+                  <a:lumMod val="93000"/>
+                </a:schemeClr>
+              </a:gs>
+              <a:gs pos="0">
+                <a:schemeClr val="bg1">
+                  <a:lumMod val="25000"/>
+                  <a:lumOff val="75000"/>
+                </a:schemeClr>
+              </a:gs>
+              <a:gs pos="100000">
+                <a:schemeClr val="tx2">
+                  <a:lumMod val="0"/>
+                  <a:lumOff val="100000"/>
+                </a:schemeClr>
+              </a:gs>
+            </a:gsLst>
+            <a:lin ang="4800000" scaled="0"/>
+            <a:tileRect/>
+          </a:gradFill>
           <a:latin typeface="+mj-lt"/>
           <a:ea typeface="+mj-ea"/>
           <a:cs typeface="+mj-cs"/>
@@ -3074,9 +5453,28 @@
         <a:buFont typeface="Arial" panose="020B0604020202020204" pitchFamily="34" charset="0"/>
         <a:buChar char="•"/>
         <a:defRPr sz="2800" kern="1200">
-          <a:solidFill>
-            <a:schemeClr val="tx1"/>
-          </a:solidFill>
+          <a:gradFill>
+            <a:gsLst>
+              <a:gs pos="34000">
+                <a:schemeClr val="tx1">
+                  <a:lumMod val="93000"/>
+                </a:schemeClr>
+              </a:gs>
+              <a:gs pos="0">
+                <a:schemeClr val="bg1">
+                  <a:lumMod val="25000"/>
+                  <a:lumOff val="75000"/>
+                </a:schemeClr>
+              </a:gs>
+              <a:gs pos="100000">
+                <a:schemeClr val="tx2">
+                  <a:lumMod val="0"/>
+                  <a:lumOff val="100000"/>
+                </a:schemeClr>
+              </a:gs>
+            </a:gsLst>
+            <a:lin ang="4800000" scaled="0"/>
+          </a:gradFill>
           <a:latin typeface="+mn-lt"/>
           <a:ea typeface="+mn-ea"/>
           <a:cs typeface="+mn-cs"/>
@@ -3092,9 +5490,28 @@
         <a:buFont typeface="Arial" panose="020B0604020202020204" pitchFamily="34" charset="0"/>
         <a:buChar char="•"/>
         <a:defRPr sz="2400" kern="1200">
-          <a:solidFill>
-            <a:schemeClr val="tx1"/>
-          </a:solidFill>
+          <a:gradFill>
+            <a:gsLst>
+              <a:gs pos="34000">
+                <a:schemeClr val="tx1">
+                  <a:lumMod val="93000"/>
+                </a:schemeClr>
+              </a:gs>
+              <a:gs pos="0">
+                <a:schemeClr val="bg1">
+                  <a:lumMod val="25000"/>
+                  <a:lumOff val="75000"/>
+                </a:schemeClr>
+              </a:gs>
+              <a:gs pos="100000">
+                <a:schemeClr val="tx2">
+                  <a:lumMod val="0"/>
+                  <a:lumOff val="100000"/>
+                </a:schemeClr>
+              </a:gs>
+            </a:gsLst>
+            <a:lin ang="4800000" scaled="0"/>
+          </a:gradFill>
           <a:latin typeface="+mn-lt"/>
           <a:ea typeface="+mn-ea"/>
           <a:cs typeface="+mn-cs"/>
@@ -3110,9 +5527,28 @@
         <a:buFont typeface="Arial" panose="020B0604020202020204" pitchFamily="34" charset="0"/>
         <a:buChar char="•"/>
         <a:defRPr sz="2000" kern="1200">
-          <a:solidFill>
-            <a:schemeClr val="tx1"/>
-          </a:solidFill>
+          <a:gradFill>
+            <a:gsLst>
+              <a:gs pos="34000">
+                <a:schemeClr val="tx1">
+                  <a:lumMod val="93000"/>
+                </a:schemeClr>
+              </a:gs>
+              <a:gs pos="0">
+                <a:schemeClr val="bg1">
+                  <a:lumMod val="25000"/>
+                  <a:lumOff val="75000"/>
+                </a:schemeClr>
+              </a:gs>
+              <a:gs pos="100000">
+                <a:schemeClr val="tx2">
+                  <a:lumMod val="0"/>
+                  <a:lumOff val="100000"/>
+                </a:schemeClr>
+              </a:gs>
+            </a:gsLst>
+            <a:lin ang="4800000" scaled="0"/>
+          </a:gradFill>
           <a:latin typeface="+mn-lt"/>
           <a:ea typeface="+mn-ea"/>
           <a:cs typeface="+mn-cs"/>
@@ -3128,9 +5564,28 @@
         <a:buFont typeface="Arial" panose="020B0604020202020204" pitchFamily="34" charset="0"/>
         <a:buChar char="•"/>
         <a:defRPr sz="1800" kern="1200">
-          <a:solidFill>
-            <a:schemeClr val="tx1"/>
-          </a:solidFill>
+          <a:gradFill>
+            <a:gsLst>
+              <a:gs pos="34000">
+                <a:schemeClr val="tx1">
+                  <a:lumMod val="93000"/>
+                </a:schemeClr>
+              </a:gs>
+              <a:gs pos="0">
+                <a:schemeClr val="bg1">
+                  <a:lumMod val="25000"/>
+                  <a:lumOff val="75000"/>
+                </a:schemeClr>
+              </a:gs>
+              <a:gs pos="100000">
+                <a:schemeClr val="tx2">
+                  <a:lumMod val="0"/>
+                  <a:lumOff val="100000"/>
+                </a:schemeClr>
+              </a:gs>
+            </a:gsLst>
+            <a:lin ang="4800000" scaled="0"/>
+          </a:gradFill>
           <a:latin typeface="+mn-lt"/>
           <a:ea typeface="+mn-ea"/>
           <a:cs typeface="+mn-cs"/>
@@ -3146,9 +5601,28 @@
         <a:buFont typeface="Arial" panose="020B0604020202020204" pitchFamily="34" charset="0"/>
         <a:buChar char="•"/>
         <a:defRPr sz="1800" kern="1200">
-          <a:solidFill>
-            <a:schemeClr val="tx1"/>
-          </a:solidFill>
+          <a:gradFill>
+            <a:gsLst>
+              <a:gs pos="34000">
+                <a:schemeClr val="tx1">
+                  <a:lumMod val="93000"/>
+                </a:schemeClr>
+              </a:gs>
+              <a:gs pos="0">
+                <a:schemeClr val="bg1">
+                  <a:lumMod val="25000"/>
+                  <a:lumOff val="75000"/>
+                </a:schemeClr>
+              </a:gs>
+              <a:gs pos="100000">
+                <a:schemeClr val="tx2">
+                  <a:lumMod val="0"/>
+                  <a:lumOff val="100000"/>
+                </a:schemeClr>
+              </a:gs>
+            </a:gsLst>
+            <a:lin ang="4800000" scaled="0"/>
+          </a:gradFill>
           <a:latin typeface="+mn-lt"/>
           <a:ea typeface="+mn-ea"/>
           <a:cs typeface="+mn-cs"/>
@@ -3835,45 +6309,6 @@
           </a:prstGeom>
         </p:spPr>
       </p:pic>
-      <p:pic>
-        <p:nvPicPr>
-          <p:cNvPr id="18" name="Graphic 17" descr="Rubber duck with solid fill">
-            <a:extLst>
-              <a:ext uri="{FF2B5EF4-FFF2-40B4-BE49-F238E27FC236}">
-                <a16:creationId xmlns:a16="http://schemas.microsoft.com/office/drawing/2014/main" id="{869E0EAD-7910-4257-BBB0-322C979E94EE}"/>
-              </a:ext>
-            </a:extLst>
-          </p:cNvPr>
-          <p:cNvPicPr>
-            <a:picLocks noChangeAspect="1"/>
-          </p:cNvPicPr>
-          <p:nvPr/>
-        </p:nvPicPr>
-        <p:blipFill>
-          <a:blip r:embed="rId6">
-            <a:extLst>
-              <a:ext uri="{28A0092B-C50C-407E-A947-70E740481C1C}">
-                <a14:useLocalDpi xmlns:a14="http://schemas.microsoft.com/office/drawing/2010/main" val="0"/>
-              </a:ext>
-              <a:ext uri="{96DAC541-7B7A-43D3-8B79-37D633B846F1}">
-                <asvg:svgBlip xmlns:asvg="http://schemas.microsoft.com/office/drawing/2016/SVG/main" r:embed="rId7"/>
-              </a:ext>
-            </a:extLst>
-          </a:blip>
-          <a:stretch>
-            <a:fillRect/>
-          </a:stretch>
-        </p:blipFill>
-        <p:spPr>
-          <a:xfrm flipH="1">
-            <a:off x="8404435" y="1387952"/>
-            <a:ext cx="322393" cy="356789"/>
-          </a:xfrm>
-          <a:prstGeom prst="rect">
-            <a:avLst/>
-          </a:prstGeom>
-        </p:spPr>
-      </p:pic>
       <p:sp>
         <p:nvSpPr>
           <p:cNvPr id="20" name="Rectangle 19">
@@ -3980,7 +6415,7 @@
         </p:nvSpPr>
         <p:spPr>
           <a:xfrm>
-            <a:off x="3042500" y="858416"/>
+            <a:off x="3047946" y="858416"/>
             <a:ext cx="1845081" cy="963450"/>
           </a:xfrm>
           <a:prstGeom prst="rect">
@@ -4026,7 +6461,7 @@
         </p:nvSpPr>
         <p:spPr>
           <a:xfrm>
-            <a:off x="3042500" y="1888976"/>
+            <a:off x="3047946" y="1888976"/>
             <a:ext cx="1845081" cy="1009185"/>
           </a:xfrm>
           <a:prstGeom prst="rect">
@@ -4072,7 +6507,7 @@
         </p:nvSpPr>
         <p:spPr>
           <a:xfrm>
-            <a:off x="3037489" y="2965273"/>
+            <a:off x="3047946" y="2965273"/>
             <a:ext cx="1845081" cy="985942"/>
           </a:xfrm>
           <a:prstGeom prst="rect">
@@ -4118,7 +6553,7 @@
         </p:nvSpPr>
         <p:spPr>
           <a:xfrm>
-            <a:off x="3037489" y="4018326"/>
+            <a:off x="3047946" y="4018326"/>
             <a:ext cx="1845081" cy="989902"/>
           </a:xfrm>
           <a:prstGeom prst="rect">
@@ -4164,7 +6599,7 @@
         </p:nvSpPr>
         <p:spPr>
           <a:xfrm>
-            <a:off x="1199633" y="5121478"/>
+            <a:off x="1217522" y="5118475"/>
             <a:ext cx="755002" cy="813303"/>
           </a:xfrm>
           <a:prstGeom prst="rect">
@@ -4210,7 +6645,7 @@
         </p:nvSpPr>
         <p:spPr>
           <a:xfrm>
-            <a:off x="2146411" y="5121477"/>
+            <a:off x="2112750" y="5118475"/>
             <a:ext cx="755002" cy="813303"/>
           </a:xfrm>
           <a:prstGeom prst="rect">
@@ -4256,7 +6691,7 @@
         </p:nvSpPr>
         <p:spPr>
           <a:xfrm>
-            <a:off x="2990090" y="5117066"/>
+            <a:off x="3007979" y="5118475"/>
             <a:ext cx="755002" cy="813303"/>
           </a:xfrm>
           <a:prstGeom prst="rect">
@@ -4413,7 +6848,7 @@
         </p:nvSpPr>
         <p:spPr>
           <a:xfrm>
-            <a:off x="5788404" y="1495337"/>
+            <a:off x="5775704" y="1495337"/>
             <a:ext cx="4355425" cy="5035492"/>
           </a:xfrm>
           <a:prstGeom prst="rect">
@@ -4800,7 +7235,7 @@
         </p:nvSpPr>
         <p:spPr>
           <a:xfrm>
-            <a:off x="6033556" y="3081900"/>
+            <a:off x="5884233" y="3081900"/>
             <a:ext cx="629174" cy="989903"/>
           </a:xfrm>
           <a:prstGeom prst="roundRect">
@@ -4846,8 +7281,8 @@
         </p:nvSpPr>
         <p:spPr>
           <a:xfrm>
-            <a:off x="8792057" y="2776752"/>
-            <a:ext cx="1236982" cy="989903"/>
+            <a:off x="7966404" y="2876433"/>
+            <a:ext cx="2080372" cy="1309362"/>
           </a:xfrm>
           <a:prstGeom prst="roundRect">
             <a:avLst/>
@@ -4892,8 +7327,8 @@
         </p:nvSpPr>
         <p:spPr>
           <a:xfrm>
-            <a:off x="8792057" y="3909270"/>
-            <a:ext cx="1236982" cy="1451296"/>
+            <a:off x="7966404" y="4352590"/>
+            <a:ext cx="2080372" cy="2060909"/>
           </a:xfrm>
           <a:prstGeom prst="roundRect">
             <a:avLst/>
@@ -5104,7 +7539,7 @@
         </p:nvSpPr>
         <p:spPr>
           <a:xfrm>
-            <a:off x="6033555" y="2876550"/>
+            <a:off x="5884232" y="2876550"/>
             <a:ext cx="629175" cy="200025"/>
           </a:xfrm>
           <a:prstGeom prst="roundRect">
@@ -5153,7 +7588,7 @@
         </p:nvSpPr>
         <p:spPr>
           <a:xfrm>
-            <a:off x="6056801" y="3057595"/>
+            <a:off x="5907478" y="3057595"/>
             <a:ext cx="616392" cy="230832"/>
           </a:xfrm>
           <a:prstGeom prst="rect">
@@ -5192,7 +7627,7 @@
         </p:nvSpPr>
         <p:spPr>
           <a:xfrm>
-            <a:off x="6056802" y="3288427"/>
+            <a:off x="5907479" y="3288427"/>
             <a:ext cx="574768" cy="470816"/>
           </a:xfrm>
           <a:prstGeom prst="roundRect">
@@ -5238,7 +7673,7 @@
         </p:nvSpPr>
         <p:spPr>
           <a:xfrm>
-            <a:off x="6135686" y="3718397"/>
+            <a:off x="5986363" y="3718397"/>
             <a:ext cx="447675" cy="230832"/>
           </a:xfrm>
           <a:prstGeom prst="rect">
@@ -5277,7 +7712,7 @@
         </p:nvSpPr>
         <p:spPr>
           <a:xfrm>
-            <a:off x="6087054" y="3847358"/>
+            <a:off x="5937731" y="3847358"/>
             <a:ext cx="517527" cy="215444"/>
           </a:xfrm>
           <a:prstGeom prst="rect">
@@ -5333,7 +7768,7 @@
         </p:blipFill>
         <p:spPr>
           <a:xfrm>
-            <a:off x="6057406" y="3288427"/>
+            <a:off x="5908083" y="3288427"/>
             <a:ext cx="574164" cy="470816"/>
           </a:xfrm>
           <a:prstGeom prst="rect">
@@ -5355,7 +7790,7 @@
         </p:nvSpPr>
         <p:spPr>
           <a:xfrm>
-            <a:off x="6727623" y="3081783"/>
+            <a:off x="6578300" y="3081783"/>
             <a:ext cx="629174" cy="989903"/>
           </a:xfrm>
           <a:prstGeom prst="roundRect">
@@ -5401,7 +7836,7 @@
         </p:nvSpPr>
         <p:spPr>
           <a:xfrm>
-            <a:off x="6727622" y="2876433"/>
+            <a:off x="6578299" y="2876433"/>
             <a:ext cx="629175" cy="200025"/>
           </a:xfrm>
           <a:prstGeom prst="roundRect">
@@ -5450,7 +7885,7 @@
         </p:nvSpPr>
         <p:spPr>
           <a:xfrm>
-            <a:off x="6750868" y="3057478"/>
+            <a:off x="6601545" y="3057478"/>
             <a:ext cx="616392" cy="230832"/>
           </a:xfrm>
           <a:prstGeom prst="rect">
@@ -5489,7 +7924,7 @@
         </p:nvSpPr>
         <p:spPr>
           <a:xfrm>
-            <a:off x="6750869" y="3288310"/>
+            <a:off x="6601546" y="3288310"/>
             <a:ext cx="574768" cy="470816"/>
           </a:xfrm>
           <a:prstGeom prst="roundRect">
@@ -5535,7 +7970,7 @@
         </p:nvSpPr>
         <p:spPr>
           <a:xfrm>
-            <a:off x="6829753" y="3718280"/>
+            <a:off x="6680430" y="3718280"/>
             <a:ext cx="447675" cy="230832"/>
           </a:xfrm>
           <a:prstGeom prst="rect">
@@ -5574,7 +8009,7 @@
         </p:nvSpPr>
         <p:spPr>
           <a:xfrm>
-            <a:off x="6781121" y="3847241"/>
+            <a:off x="6631798" y="3847241"/>
             <a:ext cx="517527" cy="215444"/>
           </a:xfrm>
           <a:prstGeom prst="rect">
@@ -5630,8 +8065,305 @@
         </p:blipFill>
         <p:spPr>
           <a:xfrm>
-            <a:off x="6751473" y="3288310"/>
+            <a:off x="6602150" y="3288310"/>
             <a:ext cx="574164" cy="470816"/>
+          </a:xfrm>
+          <a:prstGeom prst="rect">
+            <a:avLst/>
+          </a:prstGeom>
+        </p:spPr>
+      </p:pic>
+      <p:sp>
+        <p:nvSpPr>
+          <p:cNvPr id="39" name="Rectangle: Rounded Corners 38">
+            <a:extLst>
+              <a:ext uri="{FF2B5EF4-FFF2-40B4-BE49-F238E27FC236}">
+                <a16:creationId xmlns:a16="http://schemas.microsoft.com/office/drawing/2014/main" id="{1FC6D343-E3BC-454C-8CA9-8E714D3F218D}"/>
+              </a:ext>
+            </a:extLst>
+          </p:cNvPr>
+          <p:cNvSpPr/>
+          <p:nvPr/>
+        </p:nvSpPr>
+        <p:spPr>
+          <a:xfrm>
+            <a:off x="7280059" y="3081783"/>
+            <a:ext cx="548153" cy="989903"/>
+          </a:xfrm>
+          <a:prstGeom prst="roundRect">
+            <a:avLst/>
+          </a:prstGeom>
+        </p:spPr>
+        <p:style>
+          <a:lnRef idx="2">
+            <a:schemeClr val="accent1">
+              <a:shade val="50000"/>
+            </a:schemeClr>
+          </a:lnRef>
+          <a:fillRef idx="1">
+            <a:schemeClr val="accent1"/>
+          </a:fillRef>
+          <a:effectRef idx="0">
+            <a:schemeClr val="accent1"/>
+          </a:effectRef>
+          <a:fontRef idx="minor">
+            <a:schemeClr val="lt1"/>
+          </a:fontRef>
+        </p:style>
+        <p:txBody>
+          <a:bodyPr rtlCol="0" anchor="ctr"/>
+          <a:lstStyle/>
+          <a:p>
+            <a:pPr algn="ctr"/>
+            <a:endParaRPr lang="en-AU"/>
+          </a:p>
+        </p:txBody>
+      </p:sp>
+      <p:sp>
+        <p:nvSpPr>
+          <p:cNvPr id="40" name="Rectangle: Rounded Corners 39">
+            <a:extLst>
+              <a:ext uri="{FF2B5EF4-FFF2-40B4-BE49-F238E27FC236}">
+                <a16:creationId xmlns:a16="http://schemas.microsoft.com/office/drawing/2014/main" id="{653402AF-D74A-48C7-8B02-809E0120CC3B}"/>
+              </a:ext>
+            </a:extLst>
+          </p:cNvPr>
+          <p:cNvSpPr/>
+          <p:nvPr/>
+        </p:nvSpPr>
+        <p:spPr>
+          <a:xfrm>
+            <a:off x="7280059" y="2876433"/>
+            <a:ext cx="548154" cy="200025"/>
+          </a:xfrm>
+          <a:prstGeom prst="roundRect">
+            <a:avLst/>
+          </a:prstGeom>
+        </p:spPr>
+        <p:style>
+          <a:lnRef idx="2">
+            <a:schemeClr val="accent1">
+              <a:shade val="50000"/>
+            </a:schemeClr>
+          </a:lnRef>
+          <a:fillRef idx="1">
+            <a:schemeClr val="accent1"/>
+          </a:fillRef>
+          <a:effectRef idx="0">
+            <a:schemeClr val="accent1"/>
+          </a:effectRef>
+          <a:fontRef idx="minor">
+            <a:schemeClr val="lt1"/>
+          </a:fontRef>
+        </p:style>
+        <p:txBody>
+          <a:bodyPr rtlCol="0" anchor="ctr"/>
+          <a:lstStyle/>
+          <a:p>
+            <a:pPr algn="ctr"/>
+            <a:r>
+              <a:rPr lang="en-AU" sz="1100" dirty="0"/>
+              <a:t>Ding!</a:t>
+            </a:r>
+          </a:p>
+        </p:txBody>
+      </p:sp>
+      <p:sp>
+        <p:nvSpPr>
+          <p:cNvPr id="41" name="TextBox 40">
+            <a:extLst>
+              <a:ext uri="{FF2B5EF4-FFF2-40B4-BE49-F238E27FC236}">
+                <a16:creationId xmlns:a16="http://schemas.microsoft.com/office/drawing/2014/main" id="{089ABFE8-F1FA-413D-997D-084C02A36251}"/>
+              </a:ext>
+            </a:extLst>
+          </p:cNvPr>
+          <p:cNvSpPr txBox="1"/>
+          <p:nvPr/>
+        </p:nvSpPr>
+        <p:spPr>
+          <a:xfrm>
+            <a:off x="7303304" y="3057478"/>
+            <a:ext cx="537017" cy="369332"/>
+          </a:xfrm>
+          <a:prstGeom prst="rect">
+            <a:avLst/>
+          </a:prstGeom>
+          <a:noFill/>
+        </p:spPr>
+        <p:txBody>
+          <a:bodyPr wrap="square" rtlCol="0">
+            <a:spAutoFit/>
+          </a:bodyPr>
+          <a:lstStyle/>
+          <a:p>
+            <a:r>
+              <a:rPr lang="en-AU" sz="900" dirty="0">
+                <a:solidFill>
+                  <a:schemeClr val="bg1"/>
+                </a:solidFill>
+              </a:rPr>
+              <a:t>BLARG!!!</a:t>
+            </a:r>
+          </a:p>
+        </p:txBody>
+      </p:sp>
+      <p:sp>
+        <p:nvSpPr>
+          <p:cNvPr id="42" name="Rectangle: Rounded Corners 41">
+            <a:extLst>
+              <a:ext uri="{FF2B5EF4-FFF2-40B4-BE49-F238E27FC236}">
+                <a16:creationId xmlns:a16="http://schemas.microsoft.com/office/drawing/2014/main" id="{89B50BEB-F799-4AC1-8E49-25533FE74C9C}"/>
+              </a:ext>
+            </a:extLst>
+          </p:cNvPr>
+          <p:cNvSpPr/>
+          <p:nvPr/>
+        </p:nvSpPr>
+        <p:spPr>
+          <a:xfrm>
+            <a:off x="7303305" y="3288310"/>
+            <a:ext cx="500753" cy="470816"/>
+          </a:xfrm>
+          <a:prstGeom prst="roundRect">
+            <a:avLst/>
+          </a:prstGeom>
+        </p:spPr>
+        <p:style>
+          <a:lnRef idx="2">
+            <a:schemeClr val="accent1">
+              <a:shade val="50000"/>
+            </a:schemeClr>
+          </a:lnRef>
+          <a:fillRef idx="1">
+            <a:schemeClr val="accent1"/>
+          </a:fillRef>
+          <a:effectRef idx="0">
+            <a:schemeClr val="accent1"/>
+          </a:effectRef>
+          <a:fontRef idx="minor">
+            <a:schemeClr val="lt1"/>
+          </a:fontRef>
+        </p:style>
+        <p:txBody>
+          <a:bodyPr rtlCol="0" anchor="ctr"/>
+          <a:lstStyle/>
+          <a:p>
+            <a:pPr algn="ctr"/>
+            <a:endParaRPr lang="en-AU"/>
+          </a:p>
+        </p:txBody>
+      </p:sp>
+      <p:sp>
+        <p:nvSpPr>
+          <p:cNvPr id="43" name="TextBox 42">
+            <a:extLst>
+              <a:ext uri="{FF2B5EF4-FFF2-40B4-BE49-F238E27FC236}">
+                <a16:creationId xmlns:a16="http://schemas.microsoft.com/office/drawing/2014/main" id="{B14ABDC4-3DA4-48DC-9B9A-DEBA686CEF0B}"/>
+              </a:ext>
+            </a:extLst>
+          </p:cNvPr>
+          <p:cNvSpPr txBox="1"/>
+          <p:nvPr/>
+        </p:nvSpPr>
+        <p:spPr>
+          <a:xfrm>
+            <a:off x="7382190" y="3718280"/>
+            <a:ext cx="390026" cy="369332"/>
+          </a:xfrm>
+          <a:prstGeom prst="rect">
+            <a:avLst/>
+          </a:prstGeom>
+          <a:noFill/>
+        </p:spPr>
+        <p:txBody>
+          <a:bodyPr wrap="square" rtlCol="0">
+            <a:spAutoFit/>
+          </a:bodyPr>
+          <a:lstStyle/>
+          <a:p>
+            <a:r>
+              <a:rPr lang="en-AU" sz="900" dirty="0">
+                <a:solidFill>
+                  <a:schemeClr val="bg1"/>
+                </a:solidFill>
+              </a:rPr>
+              <a:t>XP: +</a:t>
+            </a:r>
+          </a:p>
+        </p:txBody>
+      </p:sp>
+      <p:sp>
+        <p:nvSpPr>
+          <p:cNvPr id="44" name="TextBox 43">
+            <a:extLst>
+              <a:ext uri="{FF2B5EF4-FFF2-40B4-BE49-F238E27FC236}">
+                <a16:creationId xmlns:a16="http://schemas.microsoft.com/office/drawing/2014/main" id="{0E9C37A4-D602-4735-A891-B11BB46CEEF0}"/>
+              </a:ext>
+            </a:extLst>
+          </p:cNvPr>
+          <p:cNvSpPr txBox="1"/>
+          <p:nvPr/>
+        </p:nvSpPr>
+        <p:spPr>
+          <a:xfrm>
+            <a:off x="7333557" y="3847241"/>
+            <a:ext cx="450883" cy="338554"/>
+          </a:xfrm>
+          <a:prstGeom prst="rect">
+            <a:avLst/>
+          </a:prstGeom>
+          <a:noFill/>
+        </p:spPr>
+        <p:txBody>
+          <a:bodyPr wrap="square" rtlCol="0">
+            <a:spAutoFit/>
+          </a:bodyPr>
+          <a:lstStyle/>
+          <a:p>
+            <a:r>
+              <a:rPr lang="en-AU" sz="800" dirty="0">
+                <a:solidFill>
+                  <a:srgbClr val="FF0000"/>
+                </a:solidFill>
+              </a:rPr>
+              <a:t>Injured</a:t>
+            </a:r>
+          </a:p>
+        </p:txBody>
+      </p:sp>
+      <p:pic>
+        <p:nvPicPr>
+          <p:cNvPr id="45" name="Graphic 44" descr="Chameleon with solid fill">
+            <a:extLst>
+              <a:ext uri="{FF2B5EF4-FFF2-40B4-BE49-F238E27FC236}">
+                <a16:creationId xmlns:a16="http://schemas.microsoft.com/office/drawing/2014/main" id="{586BD0A9-68EF-44D5-9A5F-3214327570FE}"/>
+              </a:ext>
+            </a:extLst>
+          </p:cNvPr>
+          <p:cNvPicPr>
+            <a:picLocks noChangeAspect="1"/>
+          </p:cNvPicPr>
+          <p:nvPr/>
+        </p:nvPicPr>
+        <p:blipFill>
+          <a:blip r:embed="rId2">
+            <a:extLst>
+              <a:ext uri="{28A0092B-C50C-407E-A947-70E740481C1C}">
+                <a14:useLocalDpi xmlns:a14="http://schemas.microsoft.com/office/drawing/2010/main" val="0"/>
+              </a:ext>
+              <a:ext uri="{96DAC541-7B7A-43D3-8B79-37D633B846F1}">
+                <asvg:svgBlip xmlns:asvg="http://schemas.microsoft.com/office/drawing/2016/SVG/main" r:embed="rId3"/>
+              </a:ext>
+            </a:extLst>
+          </a:blip>
+          <a:stretch>
+            <a:fillRect/>
+          </a:stretch>
+        </p:blipFill>
+        <p:spPr>
+          <a:xfrm>
+            <a:off x="7303909" y="3288310"/>
+            <a:ext cx="500227" cy="470816"/>
           </a:xfrm>
           <a:prstGeom prst="rect">
             <a:avLst/>
@@ -5652,9 +8384,9 @@
 </file>
 
 <file path=ppt/theme/theme1.xml><?xml version="1.0" encoding="utf-8"?>
-<a:theme xmlns:a="http://schemas.openxmlformats.org/drawingml/2006/main" name="Office Theme">
+<a:theme xmlns:a="http://schemas.openxmlformats.org/drawingml/2006/main" name="Depth">
   <a:themeElements>
-    <a:clrScheme name="Office">
+    <a:clrScheme name="Depth">
       <a:dk1>
         <a:sysClr val="windowText" lastClr="000000"/>
       </a:dk1>
@@ -5662,100 +8394,48 @@
         <a:sysClr val="window" lastClr="FFFFFF"/>
       </a:lt1>
       <a:dk2>
-        <a:srgbClr val="44546A"/>
+        <a:srgbClr val="455F51"/>
       </a:dk2>
       <a:lt2>
-        <a:srgbClr val="E7E6E6"/>
+        <a:srgbClr val="94D7E4"/>
       </a:lt2>
       <a:accent1>
-        <a:srgbClr val="4472C4"/>
+        <a:srgbClr val="41AEBD"/>
       </a:accent1>
       <a:accent2>
-        <a:srgbClr val="ED7D31"/>
+        <a:srgbClr val="97E9D5"/>
       </a:accent2>
       <a:accent3>
-        <a:srgbClr val="A5A5A5"/>
+        <a:srgbClr val="A2CF49"/>
       </a:accent3>
       <a:accent4>
-        <a:srgbClr val="FFC000"/>
+        <a:srgbClr val="608F3D"/>
       </a:accent4>
       <a:accent5>
-        <a:srgbClr val="5B9BD5"/>
+        <a:srgbClr val="F4DE3A"/>
       </a:accent5>
       <a:accent6>
-        <a:srgbClr val="70AD47"/>
+        <a:srgbClr val="FCB11C"/>
       </a:accent6>
       <a:hlink>
-        <a:srgbClr val="0563C1"/>
+        <a:srgbClr val="FBCA98"/>
       </a:hlink>
       <a:folHlink>
-        <a:srgbClr val="954F72"/>
+        <a:srgbClr val="D3B86D"/>
       </a:folHlink>
     </a:clrScheme>
-    <a:fontScheme name="Office">
+    <a:fontScheme name="Depth">
       <a:majorFont>
-        <a:latin typeface="Calibri Light" panose="020F0302020204030204"/>
+        <a:latin typeface="Corbel" panose="020B0503020204020204"/>
         <a:ea typeface=""/>
         <a:cs typeface=""/>
-        <a:font script="Jpan" typeface="游ゴシック Light"/>
-        <a:font script="Hang" typeface="맑은 고딕"/>
-        <a:font script="Hans" typeface="等线 Light"/>
+        <a:font script="Jpan" typeface="メイリオ"/>
+        <a:font script="Hang" typeface="HY엽서L"/>
+        <a:font script="Hans" typeface="华文楷体"/>
         <a:font script="Hant" typeface="新細明體"/>
-        <a:font script="Arab" typeface="Times New Roman"/>
-        <a:font script="Hebr" typeface="Times New Roman"/>
-        <a:font script="Thai" typeface="Angsana New"/>
-        <a:font script="Ethi" typeface="Nyala"/>
-        <a:font script="Beng" typeface="Vrinda"/>
-        <a:font script="Gujr" typeface="Shruti"/>
-        <a:font script="Khmr" typeface="MoolBoran"/>
-        <a:font script="Knda" typeface="Tunga"/>
-        <a:font script="Guru" typeface="Raavi"/>
-        <a:font script="Cans" typeface="Euphemia"/>
-        <a:font script="Cher" typeface="Plantagenet Cherokee"/>
-        <a:font script="Yiii" typeface="Microsoft Yi Baiti"/>
-        <a:font script="Tibt" typeface="Microsoft Himalaya"/>
-        <a:font script="Thaa" typeface="MV Boli"/>
-        <a:font script="Deva" typeface="Mangal"/>
-        <a:font script="Telu" typeface="Gautami"/>
-        <a:font script="Taml" typeface="Latha"/>
-        <a:font script="Syrc" typeface="Estrangelo Edessa"/>
-        <a:font script="Orya" typeface="Kalinga"/>
-        <a:font script="Mlym" typeface="Kartika"/>
-        <a:font script="Laoo" typeface="DokChampa"/>
-        <a:font script="Sinh" typeface="Iskoola Pota"/>
-        <a:font script="Mong" typeface="Mongolian Baiti"/>
-        <a:font script="Viet" typeface="Times New Roman"/>
-        <a:font script="Uigh" typeface="Microsoft Uighur"/>
-        <a:font script="Geor" typeface="Sylfaen"/>
-        <a:font script="Armn" typeface="Arial"/>
-        <a:font script="Bugi" typeface="Leelawadee UI"/>
-        <a:font script="Bopo" typeface="Microsoft JhengHei"/>
-        <a:font script="Java" typeface="Javanese Text"/>
-        <a:font script="Lisu" typeface="Segoe UI"/>
-        <a:font script="Mymr" typeface="Myanmar Text"/>
-        <a:font script="Nkoo" typeface="Ebrima"/>
-        <a:font script="Olck" typeface="Nirmala UI"/>
-        <a:font script="Osma" typeface="Ebrima"/>
-        <a:font script="Phag" typeface="Phagspa"/>
-        <a:font script="Syrn" typeface="Estrangelo Edessa"/>
-        <a:font script="Syrj" typeface="Estrangelo Edessa"/>
-        <a:font script="Syre" typeface="Estrangelo Edessa"/>
-        <a:font script="Sora" typeface="Nirmala UI"/>
-        <a:font script="Tale" typeface="Microsoft Tai Le"/>
-        <a:font script="Talu" typeface="Microsoft New Tai Lue"/>
-        <a:font script="Tfng" typeface="Ebrima"/>
-      </a:majorFont>
-      <a:minorFont>
-        <a:latin typeface="Calibri" panose="020F0502020204030204"/>
-        <a:ea typeface=""/>
-        <a:cs typeface=""/>
-        <a:font script="Jpan" typeface="游ゴシック"/>
-        <a:font script="Hang" typeface="맑은 고딕"/>
-        <a:font script="Hans" typeface="等线"/>
-        <a:font script="Hant" typeface="新細明體"/>
-        <a:font script="Arab" typeface="Arial"/>
-        <a:font script="Hebr" typeface="Arial"/>
-        <a:font script="Thai" typeface="Cordia New"/>
+        <a:font script="Arab" typeface="Tahoma"/>
+        <a:font script="Hebr" typeface="Miriam"/>
+        <a:font script="Thai" typeface="DilleniaUPC"/>
         <a:font script="Ethi" typeface="Nyala"/>
         <a:font script="Beng" typeface="Vrinda"/>
         <a:font script="Gujr" typeface="Shruti"/>
@@ -5779,26 +8459,44 @@
         <a:font script="Viet" typeface="Arial"/>
         <a:font script="Uigh" typeface="Microsoft Uighur"/>
         <a:font script="Geor" typeface="Sylfaen"/>
-        <a:font script="Armn" typeface="Arial"/>
-        <a:font script="Bugi" typeface="Leelawadee UI"/>
-        <a:font script="Bopo" typeface="Microsoft JhengHei"/>
-        <a:font script="Java" typeface="Javanese Text"/>
-        <a:font script="Lisu" typeface="Segoe UI"/>
-        <a:font script="Mymr" typeface="Myanmar Text"/>
-        <a:font script="Nkoo" typeface="Ebrima"/>
-        <a:font script="Olck" typeface="Nirmala UI"/>
-        <a:font script="Osma" typeface="Ebrima"/>
-        <a:font script="Phag" typeface="Phagspa"/>
-        <a:font script="Syrn" typeface="Estrangelo Edessa"/>
-        <a:font script="Syrj" typeface="Estrangelo Edessa"/>
-        <a:font script="Syre" typeface="Estrangelo Edessa"/>
-        <a:font script="Sora" typeface="Nirmala UI"/>
-        <a:font script="Tale" typeface="Microsoft Tai Le"/>
-        <a:font script="Talu" typeface="Microsoft New Tai Lue"/>
-        <a:font script="Tfng" typeface="Ebrima"/>
+      </a:majorFont>
+      <a:minorFont>
+        <a:latin typeface="Corbel" panose="020B0503020204020204"/>
+        <a:ea typeface=""/>
+        <a:cs typeface=""/>
+        <a:font script="Jpan" typeface="メイリオ"/>
+        <a:font script="Hang" typeface="HY엽서L"/>
+        <a:font script="Hans" typeface="华文楷体"/>
+        <a:font script="Hant" typeface="新細明體"/>
+        <a:font script="Arab" typeface="Tahoma"/>
+        <a:font script="Hebr" typeface="Miriam"/>
+        <a:font script="Thai" typeface="DilleniaUPC"/>
+        <a:font script="Ethi" typeface="Nyala"/>
+        <a:font script="Beng" typeface="Vrinda"/>
+        <a:font script="Gujr" typeface="Shruti"/>
+        <a:font script="Khmr" typeface="DaunPenh"/>
+        <a:font script="Knda" typeface="Tunga"/>
+        <a:font script="Guru" typeface="Raavi"/>
+        <a:font script="Cans" typeface="Euphemia"/>
+        <a:font script="Cher" typeface="Plantagenet Cherokee"/>
+        <a:font script="Yiii" typeface="Microsoft Yi Baiti"/>
+        <a:font script="Tibt" typeface="Microsoft Himalaya"/>
+        <a:font script="Thaa" typeface="MV Boli"/>
+        <a:font script="Deva" typeface="Mangal"/>
+        <a:font script="Telu" typeface="Gautami"/>
+        <a:font script="Taml" typeface="Latha"/>
+        <a:font script="Syrc" typeface="Estrangelo Edessa"/>
+        <a:font script="Orya" typeface="Kalinga"/>
+        <a:font script="Mlym" typeface="Kartika"/>
+        <a:font script="Laoo" typeface="DokChampa"/>
+        <a:font script="Sinh" typeface="Iskoola Pota"/>
+        <a:font script="Mong" typeface="Mongolian Baiti"/>
+        <a:font script="Viet" typeface="Arial"/>
+        <a:font script="Uigh" typeface="Microsoft Uighur"/>
+        <a:font script="Geor" typeface="Sylfaen"/>
       </a:minorFont>
     </a:fontScheme>
-    <a:fmtScheme name="Office">
+    <a:fmtScheme name="Depth">
       <a:fillStyleLst>
         <a:solidFill>
           <a:schemeClr val="phClr"/>
@@ -5940,7 +8638,7 @@
   <a:extraClrSchemeLst/>
   <a:extLst>
     <a:ext uri="{05A4C25C-085E-4340-85A3-A5531E510DB2}">
-      <thm15:themeFamily xmlns:thm15="http://schemas.microsoft.com/office/thememl/2012/main" name="Office Theme" id="{62F939B6-93AF-4DB8-9C6B-D6C7DFDC589F}" vid="{4A3C46E8-61CC-4603-A589-7422A47A8E4A}"/>
+      <thm15:themeFamily xmlns:thm15="http://schemas.microsoft.com/office/thememl/2012/main" name="Depth" id="{7BEAFC2A-325C-49C4-AC08-2B765DA903F9}" vid="{1735E755-43E6-43AA-ABA2-C989ECC79AF5}"/>
     </a:ext>
   </a:extLst>
 </a:theme>

--- a/Wireframe.pptx
+++ b/Wireframe.pptx
@@ -7,6 +7,7 @@
   <p:sldIdLst>
     <p:sldId id="256" r:id="rId2"/>
     <p:sldId id="257" r:id="rId3"/>
+    <p:sldId id="258" r:id="rId4"/>
   </p:sldIdLst>
   <p:sldSz cx="12192000" cy="6858000"/>
   <p:notesSz cx="6858000" cy="9144000"/>
@@ -309,7 +310,7 @@
           <a:p>
             <a:fld id="{15EEF4E6-CD4E-4E66-A637-5ABDF039D94B}" type="datetimeFigureOut">
               <a:rPr lang="en-AU" smtClean="0"/>
-              <a:t>30/03/2021</a:t>
+              <a:t>31/03/2021</a:t>
             </a:fld>
             <a:endParaRPr lang="en-AU"/>
           </a:p>
@@ -590,7 +591,7 @@
           <a:p>
             <a:fld id="{15EEF4E6-CD4E-4E66-A637-5ABDF039D94B}" type="datetimeFigureOut">
               <a:rPr lang="en-AU" smtClean="0"/>
-              <a:t>30/03/2021</a:t>
+              <a:t>31/03/2021</a:t>
             </a:fld>
             <a:endParaRPr lang="en-AU"/>
           </a:p>
@@ -782,7 +783,7 @@
           <a:p>
             <a:fld id="{15EEF4E6-CD4E-4E66-A637-5ABDF039D94B}" type="datetimeFigureOut">
               <a:rPr lang="en-AU" smtClean="0"/>
-              <a:t>30/03/2021</a:t>
+              <a:t>31/03/2021</a:t>
             </a:fld>
             <a:endParaRPr lang="en-AU"/>
           </a:p>
@@ -1043,7 +1044,7 @@
           <a:p>
             <a:fld id="{15EEF4E6-CD4E-4E66-A637-5ABDF039D94B}" type="datetimeFigureOut">
               <a:rPr lang="en-AU" smtClean="0"/>
-              <a:t>30/03/2021</a:t>
+              <a:t>31/03/2021</a:t>
             </a:fld>
             <a:endParaRPr lang="en-AU"/>
           </a:p>
@@ -1469,7 +1470,7 @@
           <a:p>
             <a:fld id="{15EEF4E6-CD4E-4E66-A637-5ABDF039D94B}" type="datetimeFigureOut">
               <a:rPr lang="en-AU" smtClean="0"/>
-              <a:t>30/03/2021</a:t>
+              <a:t>31/03/2021</a:t>
             </a:fld>
             <a:endParaRPr lang="en-AU"/>
           </a:p>
@@ -2015,7 +2016,7 @@
           <a:p>
             <a:fld id="{15EEF4E6-CD4E-4E66-A637-5ABDF039D94B}" type="datetimeFigureOut">
               <a:rPr lang="en-AU" smtClean="0"/>
-              <a:t>30/03/2021</a:t>
+              <a:t>31/03/2021</a:t>
             </a:fld>
             <a:endParaRPr lang="en-AU"/>
           </a:p>
@@ -2846,7 +2847,7 @@
           <a:p>
             <a:fld id="{15EEF4E6-CD4E-4E66-A637-5ABDF039D94B}" type="datetimeFigureOut">
               <a:rPr lang="en-AU" smtClean="0"/>
-              <a:t>30/03/2021</a:t>
+              <a:t>31/03/2021</a:t>
             </a:fld>
             <a:endParaRPr lang="en-AU"/>
           </a:p>
@@ -3016,7 +3017,7 @@
           <a:p>
             <a:fld id="{15EEF4E6-CD4E-4E66-A637-5ABDF039D94B}" type="datetimeFigureOut">
               <a:rPr lang="en-AU" smtClean="0"/>
-              <a:t>30/03/2021</a:t>
+              <a:t>31/03/2021</a:t>
             </a:fld>
             <a:endParaRPr lang="en-AU"/>
           </a:p>
@@ -3196,7 +3197,7 @@
           <a:p>
             <a:fld id="{15EEF4E6-CD4E-4E66-A637-5ABDF039D94B}" type="datetimeFigureOut">
               <a:rPr lang="en-AU" smtClean="0"/>
-              <a:t>30/03/2021</a:t>
+              <a:t>31/03/2021</a:t>
             </a:fld>
             <a:endParaRPr lang="en-AU"/>
           </a:p>
@@ -3366,7 +3367,7 @@
           <a:p>
             <a:fld id="{15EEF4E6-CD4E-4E66-A637-5ABDF039D94B}" type="datetimeFigureOut">
               <a:rPr lang="en-AU" smtClean="0"/>
-              <a:t>30/03/2021</a:t>
+              <a:t>31/03/2021</a:t>
             </a:fld>
             <a:endParaRPr lang="en-AU"/>
           </a:p>
@@ -3623,7 +3624,7 @@
           <a:p>
             <a:fld id="{15EEF4E6-CD4E-4E66-A637-5ABDF039D94B}" type="datetimeFigureOut">
               <a:rPr lang="en-AU" smtClean="0"/>
-              <a:t>30/03/2021</a:t>
+              <a:t>31/03/2021</a:t>
             </a:fld>
             <a:endParaRPr lang="en-AU"/>
           </a:p>
@@ -3855,7 +3856,7 @@
           <a:p>
             <a:fld id="{15EEF4E6-CD4E-4E66-A637-5ABDF039D94B}" type="datetimeFigureOut">
               <a:rPr lang="en-AU" smtClean="0"/>
-              <a:t>30/03/2021</a:t>
+              <a:t>31/03/2021</a:t>
             </a:fld>
             <a:endParaRPr lang="en-AU"/>
           </a:p>
@@ -4248,7 +4249,7 @@
           <a:p>
             <a:fld id="{15EEF4E6-CD4E-4E66-A637-5ABDF039D94B}" type="datetimeFigureOut">
               <a:rPr lang="en-AU" smtClean="0"/>
-              <a:t>30/03/2021</a:t>
+              <a:t>31/03/2021</a:t>
             </a:fld>
             <a:endParaRPr lang="en-AU"/>
           </a:p>
@@ -4366,7 +4367,7 @@
           <a:p>
             <a:fld id="{15EEF4E6-CD4E-4E66-A637-5ABDF039D94B}" type="datetimeFigureOut">
               <a:rPr lang="en-AU" smtClean="0"/>
-              <a:t>30/03/2021</a:t>
+              <a:t>31/03/2021</a:t>
             </a:fld>
             <a:endParaRPr lang="en-AU"/>
           </a:p>
@@ -4461,7 +4462,7 @@
           <a:p>
             <a:fld id="{15EEF4E6-CD4E-4E66-A637-5ABDF039D94B}" type="datetimeFigureOut">
               <a:rPr lang="en-AU" smtClean="0"/>
-              <a:t>30/03/2021</a:t>
+              <a:t>31/03/2021</a:t>
             </a:fld>
             <a:endParaRPr lang="en-AU"/>
           </a:p>
@@ -4734,7 +4735,7 @@
           <a:p>
             <a:fld id="{15EEF4E6-CD4E-4E66-A637-5ABDF039D94B}" type="datetimeFigureOut">
               <a:rPr lang="en-AU" smtClean="0"/>
-              <a:t>30/03/2021</a:t>
+              <a:t>31/03/2021</a:t>
             </a:fld>
             <a:endParaRPr lang="en-AU"/>
           </a:p>
@@ -5015,7 +5016,7 @@
           <a:p>
             <a:fld id="{15EEF4E6-CD4E-4E66-A637-5ABDF039D94B}" type="datetimeFigureOut">
               <a:rPr lang="en-AU" smtClean="0"/>
-              <a:t>30/03/2021</a:t>
+              <a:t>31/03/2021</a:t>
             </a:fld>
             <a:endParaRPr lang="en-AU"/>
           </a:p>
@@ -5255,7 +5256,7 @@
           <a:p>
             <a:fld id="{15EEF4E6-CD4E-4E66-A637-5ABDF039D94B}" type="datetimeFigureOut">
               <a:rPr lang="en-AU" smtClean="0"/>
-              <a:t>30/03/2021</a:t>
+              <a:t>31/03/2021</a:t>
             </a:fld>
             <a:endParaRPr lang="en-AU"/>
           </a:p>
@@ -8383,6 +8384,174 @@
 </p:sld>
 </file>
 
+<file path=ppt/slides/slide3.xml><?xml version="1.0" encoding="utf-8"?>
+<p:sld xmlns:a="http://schemas.openxmlformats.org/drawingml/2006/main" xmlns:r="http://schemas.openxmlformats.org/officeDocument/2006/relationships" xmlns:p="http://schemas.openxmlformats.org/presentationml/2006/main">
+  <p:cSld>
+    <p:spTree>
+      <p:nvGrpSpPr>
+        <p:cNvPr id="1" name=""/>
+        <p:cNvGrpSpPr/>
+        <p:nvPr/>
+      </p:nvGrpSpPr>
+      <p:grpSpPr>
+        <a:xfrm>
+          <a:off x="0" y="0"/>
+          <a:ext cx="0" cy="0"/>
+          <a:chOff x="0" y="0"/>
+          <a:chExt cx="0" cy="0"/>
+        </a:xfrm>
+      </p:grpSpPr>
+      <p:sp>
+        <p:nvSpPr>
+          <p:cNvPr id="5" name="Rectangle 4">
+            <a:extLst>
+              <a:ext uri="{FF2B5EF4-FFF2-40B4-BE49-F238E27FC236}">
+                <a16:creationId xmlns:a16="http://schemas.microsoft.com/office/drawing/2014/main" id="{F01AD823-7602-4D60-962B-ABB2E7CA6193}"/>
+              </a:ext>
+            </a:extLst>
+          </p:cNvPr>
+          <p:cNvSpPr/>
+          <p:nvPr/>
+        </p:nvSpPr>
+        <p:spPr>
+          <a:xfrm>
+            <a:off x="2768600" y="660400"/>
+            <a:ext cx="6946900" cy="4953000"/>
+          </a:xfrm>
+          <a:prstGeom prst="rect">
+            <a:avLst/>
+          </a:prstGeom>
+        </p:spPr>
+        <p:style>
+          <a:lnRef idx="2">
+            <a:schemeClr val="accent1">
+              <a:shade val="50000"/>
+            </a:schemeClr>
+          </a:lnRef>
+          <a:fillRef idx="1">
+            <a:schemeClr val="accent1"/>
+          </a:fillRef>
+          <a:effectRef idx="0">
+            <a:schemeClr val="accent1"/>
+          </a:effectRef>
+          <a:fontRef idx="minor">
+            <a:schemeClr val="lt1"/>
+          </a:fontRef>
+        </p:style>
+        <p:txBody>
+          <a:bodyPr rtlCol="0" anchor="ctr"/>
+          <a:lstStyle/>
+          <a:p>
+            <a:pPr algn="ctr"/>
+            <a:endParaRPr lang="en-AU"/>
+          </a:p>
+        </p:txBody>
+      </p:sp>
+      <p:sp>
+        <p:nvSpPr>
+          <p:cNvPr id="4" name="Rectangle: Rounded Corners 3">
+            <a:extLst>
+              <a:ext uri="{FF2B5EF4-FFF2-40B4-BE49-F238E27FC236}">
+                <a16:creationId xmlns:a16="http://schemas.microsoft.com/office/drawing/2014/main" id="{84CA87B3-ACD1-41B2-9C69-373C3712E69B}"/>
+              </a:ext>
+            </a:extLst>
+          </p:cNvPr>
+          <p:cNvSpPr/>
+          <p:nvPr/>
+        </p:nvSpPr>
+        <p:spPr>
+          <a:xfrm>
+            <a:off x="3416300" y="1625600"/>
+            <a:ext cx="4762500" cy="2565400"/>
+          </a:xfrm>
+          <a:prstGeom prst="roundRect">
+            <a:avLst/>
+          </a:prstGeom>
+        </p:spPr>
+        <p:style>
+          <a:lnRef idx="2">
+            <a:schemeClr val="accent1">
+              <a:shade val="50000"/>
+            </a:schemeClr>
+          </a:lnRef>
+          <a:fillRef idx="1">
+            <a:schemeClr val="accent1"/>
+          </a:fillRef>
+          <a:effectRef idx="0">
+            <a:schemeClr val="accent1"/>
+          </a:effectRef>
+          <a:fontRef idx="minor">
+            <a:schemeClr val="lt1"/>
+          </a:fontRef>
+        </p:style>
+        <p:txBody>
+          <a:bodyPr rtlCol="0" anchor="ctr"/>
+          <a:lstStyle/>
+          <a:p>
+            <a:pPr algn="ctr"/>
+            <a:endParaRPr lang="en-AU"/>
+          </a:p>
+        </p:txBody>
+      </p:sp>
+      <p:sp>
+        <p:nvSpPr>
+          <p:cNvPr id="6" name="Oval 5">
+            <a:extLst>
+              <a:ext uri="{FF2B5EF4-FFF2-40B4-BE49-F238E27FC236}">
+                <a16:creationId xmlns:a16="http://schemas.microsoft.com/office/drawing/2014/main" id="{10A01ED2-D04A-4BAF-8F6A-3616B92546AC}"/>
+              </a:ext>
+            </a:extLst>
+          </p:cNvPr>
+          <p:cNvSpPr/>
+          <p:nvPr/>
+        </p:nvSpPr>
+        <p:spPr>
+          <a:xfrm>
+            <a:off x="1714500" y="368300"/>
+            <a:ext cx="1435100" cy="1447800"/>
+          </a:xfrm>
+          <a:prstGeom prst="ellipse">
+            <a:avLst/>
+          </a:prstGeom>
+        </p:spPr>
+        <p:style>
+          <a:lnRef idx="2">
+            <a:schemeClr val="accent1">
+              <a:shade val="50000"/>
+            </a:schemeClr>
+          </a:lnRef>
+          <a:fillRef idx="1">
+            <a:schemeClr val="accent1"/>
+          </a:fillRef>
+          <a:effectRef idx="0">
+            <a:schemeClr val="accent1"/>
+          </a:effectRef>
+          <a:fontRef idx="minor">
+            <a:schemeClr val="lt1"/>
+          </a:fontRef>
+        </p:style>
+        <p:txBody>
+          <a:bodyPr rtlCol="0" anchor="ctr"/>
+          <a:lstStyle/>
+          <a:p>
+            <a:pPr algn="ctr"/>
+            <a:endParaRPr lang="en-AU"/>
+          </a:p>
+        </p:txBody>
+      </p:sp>
+    </p:spTree>
+    <p:extLst>
+      <p:ext uri="{BB962C8B-B14F-4D97-AF65-F5344CB8AC3E}">
+        <p14:creationId xmlns:p14="http://schemas.microsoft.com/office/powerpoint/2010/main" val="2376952002"/>
+      </p:ext>
+    </p:extLst>
+  </p:cSld>
+  <p:clrMapOvr>
+    <a:masterClrMapping/>
+  </p:clrMapOvr>
+</p:sld>
+</file>
+
 <file path=ppt/theme/theme1.xml><?xml version="1.0" encoding="utf-8"?>
 <a:theme xmlns:a="http://schemas.openxmlformats.org/drawingml/2006/main" name="Depth">
   <a:themeElements>
